--- a/simplegraph-powerpoint/QueenVictoria.pptx
+++ b/simplegraph-powerpoint/QueenVictoria.pptx
@@ -11119,7 +11119,7 @@
                 </a:solidFill>
                 <a:hlinkClick r:id="rId2" tooltip="https://tools.wmflabs.org/sqid/#/view?id=Q158143"/>
               </a:rPr>
-              <a:t>Alfred, Duke of Saxe-Coburg and Gotha</a:t>
+              <a:t>Alfred</a:t>
             </a:r>
           </a:p>
         </p:txBody>
@@ -11883,7 +11883,7 @@
                   <a:srgbClr val="0000FF"/>
                 </a:solidFill>
               </a:rPr>
-              <a:t>Alfred, Duke of Saxe-Coburg and Gotha</a:t>
+              <a:t>Alfred</a:t>
             </a:r>
           </a:p>
         </p:txBody>
@@ -12079,7 +12079,7 @@
         <p:spPr>
           <a:xfrm>
             <a:off x="254000" y="254000"/>
-            <a:ext cx="2540000" cy="4038600"/>
+            <a:ext cx="2540000" cy="3187700"/>
           </a:xfrm>
           <a:prstGeom prst="rect">
             <a:avLst/>

--- a/simplegraph-powerpoint/QueenVictoria.pptx
+++ b/simplegraph-powerpoint/QueenVictoria.pptx
@@ -885,13 +885,6 @@
             <a:pPr lvl="0"/>
             <a:r>
               <a:rPr lang="en-US"/>
-              <a:t>date of birth (P569) = 1857-05-14</a:t>
-            </a:r>
-          </a:p>
-          <a:p>
-            <a:pPr lvl="0"/>
-            <a:r>
-              <a:rPr lang="en-US"/>
               <a:t>monogram (P1543) = Royal Monogram of Princess Beatrice of Battenberg.svg</a:t>
             </a:r>
           </a:p>
@@ -921,6 +914,13 @@
             <a:r>
               <a:rPr lang="en-US"/>
               <a:t>mother (P25) = Queen Victoria (Q9439)</a:t>
+            </a:r>
+          </a:p>
+          <a:p>
+            <a:pPr lvl="0"/>
+            <a:r>
+              <a:rPr lang="en-US"/>
+              <a:t>date of birth (P569) = 1857-05-14</a:t>
             </a:r>
           </a:p>
           <a:p>

--- a/simplegraph-powerpoint/QueenVictoria.pptx
+++ b/simplegraph-powerpoint/QueenVictoria.pptx
@@ -6133,7 +6133,7 @@
                 </a:solidFill>
                 <a:hlinkClick r:id="rId2" tooltip="https://tools.wmflabs.org/sqid/#/view?id=Q9439"/>
               </a:rPr>
-              <a:t>Queen Victoria</a:t>
+              <a:t>Victoria</a:t>
             </a:r>
           </a:p>
         </p:txBody>
@@ -6971,7 +6971,7 @@
                   <a:srgbClr val="0000FF"/>
                 </a:solidFill>
               </a:rPr>
-              <a:t>Queen Victoria</a:t>
+              <a:t>Victoria</a:t>
             </a:r>
           </a:p>
         </p:txBody>

--- a/simplegraph-powerpoint/QueenVictoria.pptx
+++ b/simplegraph-powerpoint/QueenVictoria.pptx
@@ -12079,7 +12079,7 @@
         <p:spPr>
           <a:xfrm>
             <a:off x="254000" y="254000"/>
-            <a:ext cx="2540000" cy="3187700"/>
+            <a:ext cx="2540000" cy="3568700"/>
           </a:xfrm>
           <a:prstGeom prst="rect">
             <a:avLst/>
@@ -12224,12 +12224,12 @@
           </a:p>
           <a:p>
             <a:r>
-              <a:rPr lang="en-US" sz="1600">
+              <a:rPr lang="en-US" sz="1200">
                 <a:solidFill>
                   <a:srgbClr val="0000FF"/>
                 </a:solidFill>
               </a:rPr>
-              <a:t>Helena scan.jpg</a:t>
+              <a:t>Princess Helena Augusta Victoria of Schleswig-Holstein.jpg</a:t>
             </a:r>
           </a:p>
         </p:txBody>
@@ -14012,33 +14012,9 @@
           </a:p>
         </p:txBody>
       </p:sp>
-      <p:pic>
-        <p:nvPicPr>
-          <p:cNvPr name="Picture 3" id="4"/>
-          <p:cNvPicPr>
-            <a:picLocks noChangeAspect="true"/>
-          </p:cNvPicPr>
-          <p:nvPr/>
-        </p:nvPicPr>
-        <p:blipFill>
-          <a:blip r:embed="rId3"/>
-          <a:stretch>
-            <a:fillRect/>
-          </a:stretch>
-        </p:blipFill>
-        <p:spPr>
-          <a:xfrm>
-            <a:off x="254000" y="254000"/>
-            <a:ext cx="2540000" cy="3416300"/>
-          </a:xfrm>
-          <a:prstGeom prst="rect">
-            <a:avLst/>
-          </a:prstGeom>
-        </p:spPr>
-      </p:pic>
-      <p:sp>
-        <p:nvSpPr>
-          <p:cNvPr name="TextBox 4" id="5"/>
+      <p:sp>
+        <p:nvSpPr>
+          <p:cNvPr name="TextBox 3" id="4"/>
           <p:cNvSpPr txBox="true"/>
           <p:nvPr/>
         </p:nvSpPr>
@@ -14075,7 +14051,7 @@
       </p:sp>
       <p:sp>
         <p:nvSpPr>
-          <p:cNvPr name="TextBox 5" id="6"/>
+          <p:cNvPr name="TextBox 4" id="5"/>
           <p:cNvSpPr txBox="true"/>
           <p:nvPr/>
         </p:nvSpPr>
@@ -14112,7 +14088,7 @@
       </p:sp>
       <p:sp>
         <p:nvSpPr>
-          <p:cNvPr name="TextBox 6" id="7"/>
+          <p:cNvPr name="TextBox 5" id="6"/>
           <p:cNvSpPr txBox="true"/>
           <p:nvPr/>
         </p:nvSpPr>
@@ -14142,14 +14118,14 @@
                   <a:srgbClr val="000000"/>
                 </a:solidFill>
               </a:rPr>
-              <a:t>image:</a:t>
-            </a:r>
-          </a:p>
-        </p:txBody>
-      </p:sp>
-      <p:sp>
-        <p:nvSpPr>
-          <p:cNvPr name="TextBox 7" id="8"/>
+              <a:t>sex or gender:</a:t>
+            </a:r>
+          </a:p>
+        </p:txBody>
+      </p:sp>
+      <p:sp>
+        <p:nvSpPr>
+          <p:cNvPr name="TextBox 6" id="7"/>
           <p:cNvSpPr txBox="true"/>
           <p:nvPr/>
         </p:nvSpPr>
@@ -14179,14 +14155,14 @@
                   <a:srgbClr val="0000FF"/>
                 </a:solidFill>
               </a:rPr>
-              <a:t>Duke of Connaught and Strathearn.jpg</a:t>
-            </a:r>
-          </a:p>
-        </p:txBody>
-      </p:sp>
-      <p:sp>
-        <p:nvSpPr>
-          <p:cNvPr name="TextBox 8" id="9"/>
+              <a:t>male (Q6581097)</a:t>
+            </a:r>
+          </a:p>
+        </p:txBody>
+      </p:sp>
+      <p:sp>
+        <p:nvSpPr>
+          <p:cNvPr name="TextBox 7" id="8"/>
           <p:cNvSpPr txBox="true"/>
           <p:nvPr/>
         </p:nvSpPr>
@@ -14216,14 +14192,14 @@
                   <a:srgbClr val="000000"/>
                 </a:solidFill>
               </a:rPr>
-              <a:t>sex or gender:</a:t>
-            </a:r>
-          </a:p>
-        </p:txBody>
-      </p:sp>
-      <p:sp>
-        <p:nvSpPr>
-          <p:cNvPr name="TextBox 9" id="10"/>
+              <a:t>father:</a:t>
+            </a:r>
+          </a:p>
+        </p:txBody>
+      </p:sp>
+      <p:sp>
+        <p:nvSpPr>
+          <p:cNvPr name="TextBox 8" id="9"/>
           <p:cNvSpPr txBox="true"/>
           <p:nvPr/>
         </p:nvSpPr>
@@ -14253,14 +14229,14 @@
                   <a:srgbClr val="0000FF"/>
                 </a:solidFill>
               </a:rPr>
-              <a:t>male (Q6581097)</a:t>
-            </a:r>
-          </a:p>
-        </p:txBody>
-      </p:sp>
-      <p:sp>
-        <p:nvSpPr>
-          <p:cNvPr name="TextBox 10" id="11"/>
+              <a:t>Albert, Prince Consort (Q152245)</a:t>
+            </a:r>
+          </a:p>
+        </p:txBody>
+      </p:sp>
+      <p:sp>
+        <p:nvSpPr>
+          <p:cNvPr name="TextBox 9" id="10"/>
           <p:cNvSpPr txBox="true"/>
           <p:nvPr/>
         </p:nvSpPr>
@@ -14290,14 +14266,14 @@
                   <a:srgbClr val="000000"/>
                 </a:solidFill>
               </a:rPr>
-              <a:t>father:</a:t>
-            </a:r>
-          </a:p>
-        </p:txBody>
-      </p:sp>
-      <p:sp>
-        <p:nvSpPr>
-          <p:cNvPr name="TextBox 11" id="12"/>
+              <a:t>mother:</a:t>
+            </a:r>
+          </a:p>
+        </p:txBody>
+      </p:sp>
+      <p:sp>
+        <p:nvSpPr>
+          <p:cNvPr name="TextBox 10" id="11"/>
           <p:cNvSpPr txBox="true"/>
           <p:nvPr/>
         </p:nvSpPr>
@@ -14327,14 +14303,14 @@
                   <a:srgbClr val="0000FF"/>
                 </a:solidFill>
               </a:rPr>
-              <a:t>Albert, Prince Consort (Q152245)</a:t>
-            </a:r>
-          </a:p>
-        </p:txBody>
-      </p:sp>
-      <p:sp>
-        <p:nvSpPr>
-          <p:cNvPr name="TextBox 12" id="13"/>
+              <a:t>Queen Victoria (Q9439)</a:t>
+            </a:r>
+          </a:p>
+        </p:txBody>
+      </p:sp>
+      <p:sp>
+        <p:nvSpPr>
+          <p:cNvPr name="TextBox 11" id="12"/>
           <p:cNvSpPr txBox="true"/>
           <p:nvPr/>
         </p:nvSpPr>
@@ -14364,14 +14340,14 @@
                   <a:srgbClr val="000000"/>
                 </a:solidFill>
               </a:rPr>
-              <a:t>mother:</a:t>
-            </a:r>
-          </a:p>
-        </p:txBody>
-      </p:sp>
-      <p:sp>
-        <p:nvSpPr>
-          <p:cNvPr name="TextBox 13" id="14"/>
+              <a:t>date of birth:</a:t>
+            </a:r>
+          </a:p>
+        </p:txBody>
+      </p:sp>
+      <p:sp>
+        <p:nvSpPr>
+          <p:cNvPr name="TextBox 12" id="13"/>
           <p:cNvSpPr txBox="true"/>
           <p:nvPr/>
         </p:nvSpPr>
@@ -14401,14 +14377,14 @@
                   <a:srgbClr val="0000FF"/>
                 </a:solidFill>
               </a:rPr>
-              <a:t>Queen Victoria (Q9439)</a:t>
-            </a:r>
-          </a:p>
-        </p:txBody>
-      </p:sp>
-      <p:sp>
-        <p:nvSpPr>
-          <p:cNvPr name="TextBox 14" id="15"/>
+              <a:t>1850-06-01</a:t>
+            </a:r>
+          </a:p>
+        </p:txBody>
+      </p:sp>
+      <p:sp>
+        <p:nvSpPr>
+          <p:cNvPr name="TextBox 13" id="14"/>
           <p:cNvSpPr txBox="true"/>
           <p:nvPr/>
         </p:nvSpPr>
@@ -14438,14 +14414,14 @@
                   <a:srgbClr val="000000"/>
                 </a:solidFill>
               </a:rPr>
-              <a:t>date of birth:</a:t>
-            </a:r>
-          </a:p>
-        </p:txBody>
-      </p:sp>
-      <p:sp>
-        <p:nvSpPr>
-          <p:cNvPr name="TextBox 15" id="16"/>
+              <a:t>place of birth:</a:t>
+            </a:r>
+          </a:p>
+        </p:txBody>
+      </p:sp>
+      <p:sp>
+        <p:nvSpPr>
+          <p:cNvPr name="TextBox 14" id="15"/>
           <p:cNvSpPr txBox="true"/>
           <p:nvPr/>
         </p:nvSpPr>
@@ -14475,14 +14451,14 @@
                   <a:srgbClr val="0000FF"/>
                 </a:solidFill>
               </a:rPr>
-              <a:t>1850-06-01</a:t>
-            </a:r>
-          </a:p>
-        </p:txBody>
-      </p:sp>
-      <p:sp>
-        <p:nvSpPr>
-          <p:cNvPr name="TextBox 16" id="17"/>
+              <a:t>Buckingham Palace (Q42182)</a:t>
+            </a:r>
+          </a:p>
+        </p:txBody>
+      </p:sp>
+      <p:sp>
+        <p:nvSpPr>
+          <p:cNvPr name="TextBox 15" id="16"/>
           <p:cNvSpPr txBox="true"/>
           <p:nvPr/>
         </p:nvSpPr>
@@ -14512,14 +14488,14 @@
                   <a:srgbClr val="000000"/>
                 </a:solidFill>
               </a:rPr>
-              <a:t>place of birth:</a:t>
-            </a:r>
-          </a:p>
-        </p:txBody>
-      </p:sp>
-      <p:sp>
-        <p:nvSpPr>
-          <p:cNvPr name="TextBox 17" id="18"/>
+              <a:t>date of death:</a:t>
+            </a:r>
+          </a:p>
+        </p:txBody>
+      </p:sp>
+      <p:sp>
+        <p:nvSpPr>
+          <p:cNvPr name="TextBox 16" id="17"/>
           <p:cNvSpPr txBox="true"/>
           <p:nvPr/>
         </p:nvSpPr>
@@ -14549,14 +14525,14 @@
                   <a:srgbClr val="0000FF"/>
                 </a:solidFill>
               </a:rPr>
-              <a:t>Buckingham Palace (Q42182)</a:t>
-            </a:r>
-          </a:p>
-        </p:txBody>
-      </p:sp>
-      <p:sp>
-        <p:nvSpPr>
-          <p:cNvPr name="TextBox 18" id="19"/>
+              <a:t>1942-02-16</a:t>
+            </a:r>
+          </a:p>
+        </p:txBody>
+      </p:sp>
+      <p:sp>
+        <p:nvSpPr>
+          <p:cNvPr name="TextBox 17" id="18"/>
           <p:cNvSpPr txBox="true"/>
           <p:nvPr/>
         </p:nvSpPr>
@@ -14586,14 +14562,14 @@
                   <a:srgbClr val="000000"/>
                 </a:solidFill>
               </a:rPr>
-              <a:t>date of death:</a:t>
-            </a:r>
-          </a:p>
-        </p:txBody>
-      </p:sp>
-      <p:sp>
-        <p:nvSpPr>
-          <p:cNvPr name="TextBox 19" id="20"/>
+              <a:t>place of death:</a:t>
+            </a:r>
+          </a:p>
+        </p:txBody>
+      </p:sp>
+      <p:sp>
+        <p:nvSpPr>
+          <p:cNvPr name="TextBox 18" id="19"/>
           <p:cNvSpPr txBox="true"/>
           <p:nvPr/>
         </p:nvSpPr>
@@ -14623,14 +14599,14 @@
                   <a:srgbClr val="0000FF"/>
                 </a:solidFill>
               </a:rPr>
-              <a:t>1942-02-16</a:t>
-            </a:r>
-          </a:p>
-        </p:txBody>
-      </p:sp>
-      <p:sp>
-        <p:nvSpPr>
-          <p:cNvPr name="TextBox 20" id="21"/>
+              <a:t>Bagshot Park (Q582085)</a:t>
+            </a:r>
+          </a:p>
+        </p:txBody>
+      </p:sp>
+      <p:sp>
+        <p:nvSpPr>
+          <p:cNvPr name="TextBox 19" id="20"/>
           <p:cNvSpPr txBox="true"/>
           <p:nvPr/>
         </p:nvSpPr>
@@ -14660,14 +14636,14 @@
                   <a:srgbClr val="000000"/>
                 </a:solidFill>
               </a:rPr>
-              <a:t>place of death:</a:t>
-            </a:r>
-          </a:p>
-        </p:txBody>
-      </p:sp>
-      <p:sp>
-        <p:nvSpPr>
-          <p:cNvPr name="TextBox 21" id="22"/>
+              <a:t>wiki_en:</a:t>
+            </a:r>
+          </a:p>
+        </p:txBody>
+      </p:sp>
+      <p:sp>
+        <p:nvSpPr>
+          <p:cNvPr name="TextBox 20" id="21"/>
           <p:cNvSpPr txBox="true"/>
           <p:nvPr/>
         </p:nvSpPr>
@@ -14692,19 +14668,19 @@
           </a:p>
           <a:p>
             <a:r>
-              <a:rPr lang="en-US" sz="1600">
+              <a:rPr lang="en-US" sz="1200">
                 <a:solidFill>
                   <a:srgbClr val="0000FF"/>
                 </a:solidFill>
               </a:rPr>
-              <a:t>Bagshot Park (Q582085)</a:t>
-            </a:r>
-          </a:p>
-        </p:txBody>
-      </p:sp>
-      <p:sp>
-        <p:nvSpPr>
-          <p:cNvPr name="TextBox 22" id="23"/>
+              <a:t>Prince Arthur, Duke of Connaught and Strathearn</a:t>
+            </a:r>
+          </a:p>
+        </p:txBody>
+      </p:sp>
+      <p:sp>
+        <p:nvSpPr>
+          <p:cNvPr name="TextBox 21" id="22"/>
           <p:cNvSpPr txBox="true"/>
           <p:nvPr/>
         </p:nvSpPr>
@@ -14734,14 +14710,14 @@
                   <a:srgbClr val="000000"/>
                 </a:solidFill>
               </a:rPr>
-              <a:t>wiki_en:</a:t>
-            </a:r>
-          </a:p>
-        </p:txBody>
-      </p:sp>
-      <p:sp>
-        <p:nvSpPr>
-          <p:cNvPr name="TextBox 23" id="24"/>
+              <a:t>label_en:</a:t>
+            </a:r>
+          </a:p>
+        </p:txBody>
+      </p:sp>
+      <p:sp>
+        <p:nvSpPr>
+          <p:cNvPr name="TextBox 22" id="23"/>
           <p:cNvSpPr txBox="true"/>
           <p:nvPr/>
         </p:nvSpPr>
@@ -14778,7 +14754,7 @@
       </p:sp>
       <p:sp>
         <p:nvSpPr>
-          <p:cNvPr name="TextBox 24" id="25"/>
+          <p:cNvPr name="TextBox 23" id="24"/>
           <p:cNvSpPr txBox="true"/>
           <p:nvPr/>
         </p:nvSpPr>
@@ -14808,94 +14784,20 @@
                   <a:srgbClr val="000000"/>
                 </a:solidFill>
               </a:rPr>
-              <a:t>label_en:</a:t>
-            </a:r>
-          </a:p>
-        </p:txBody>
-      </p:sp>
-      <p:sp>
-        <p:nvSpPr>
-          <p:cNvPr name="TextBox 25" id="26"/>
+              <a:t>source:</a:t>
+            </a:r>
+          </a:p>
+        </p:txBody>
+      </p:sp>
+      <p:sp>
+        <p:nvSpPr>
+          <p:cNvPr name="TextBox 24" id="25"/>
           <p:cNvSpPr txBox="true"/>
           <p:nvPr/>
         </p:nvSpPr>
         <p:spPr>
           <a:xfrm>
             <a:off x="4445000" y="3606800"/>
-            <a:ext cx="4445000" cy="304800"/>
-          </a:xfrm>
-          <a:prstGeom prst="rect">
-            <a:avLst/>
-          </a:prstGeom>
-        </p:spPr>
-        <p:txBody>
-          <a:bodyPr anchor="t" rtlCol="false"/>
-          <a:lstStyle/>
-          <a:p>
-            <a:pPr algn="l"/>
-            <a:r>
-              <a:t/>
-            </a:r>
-            <a:endParaRPr lang="en-US" sz="1100"/>
-          </a:p>
-          <a:p>
-            <a:r>
-              <a:rPr lang="en-US" sz="1200">
-                <a:solidFill>
-                  <a:srgbClr val="0000FF"/>
-                </a:solidFill>
-              </a:rPr>
-              <a:t>Prince Arthur, Duke of Connaught and Strathearn</a:t>
-            </a:r>
-          </a:p>
-        </p:txBody>
-      </p:sp>
-      <p:sp>
-        <p:nvSpPr>
-          <p:cNvPr name="TextBox 26" id="27"/>
-          <p:cNvSpPr txBox="true"/>
-          <p:nvPr/>
-        </p:nvSpPr>
-        <p:spPr>
-          <a:xfrm>
-            <a:off x="2984500" y="3911600"/>
-            <a:ext cx="1460500" cy="304800"/>
-          </a:xfrm>
-          <a:prstGeom prst="rect">
-            <a:avLst/>
-          </a:prstGeom>
-        </p:spPr>
-        <p:txBody>
-          <a:bodyPr anchor="t" rtlCol="false"/>
-          <a:lstStyle/>
-          <a:p>
-            <a:pPr algn="l"/>
-            <a:r>
-              <a:t/>
-            </a:r>
-            <a:endParaRPr lang="en-US" sz="1100"/>
-          </a:p>
-          <a:p>
-            <a:r>
-              <a:rPr lang="en-US" sz="1600">
-                <a:solidFill>
-                  <a:srgbClr val="000000"/>
-                </a:solidFill>
-              </a:rPr>
-              <a:t>source:</a:t>
-            </a:r>
-          </a:p>
-        </p:txBody>
-      </p:sp>
-      <p:sp>
-        <p:nvSpPr>
-          <p:cNvPr name="TextBox 27" id="28"/>
-          <p:cNvSpPr txBox="true"/>
-          <p:nvPr/>
-        </p:nvSpPr>
-        <p:spPr>
-          <a:xfrm>
-            <a:off x="4445000" y="3911600"/>
             <a:ext cx="4445000" cy="304800"/>
           </a:xfrm>
           <a:prstGeom prst="rect">

--- a/simplegraph-powerpoint/QueenVictoria.pptx
+++ b/simplegraph-powerpoint/QueenVictoria.pptx
@@ -1,6 +1,6 @@
 
 <file path=ppt/presentation.xml><?xml version="1.0" encoding="utf-8"?>
-<p:presentation xmlns:a="http://schemas.openxmlformats.org/drawingml/2006/main" xmlns:p="http://schemas.openxmlformats.org/presentationml/2006/main" xmlns:r="http://schemas.openxmlformats.org/officeDocument/2006/relationships" saveSubsetFonts="1">
+<p:presentation xmlns:a="http://schemas.openxmlformats.org/drawingml/2006/main" xmlns:r="http://schemas.openxmlformats.org/officeDocument/2006/relationships" xmlns:p="http://schemas.openxmlformats.org/presentationml/2006/main" saveSubsetFonts="1">
   <p:sldMasterIdLst>
     <p:sldMasterId id="2147483648" r:id="rId1"/>
   </p:sldMasterIdLst>
@@ -25,8 +25,8 @@
     <a:defPPr>
       <a:defRPr lang="en-US"/>
     </a:defPPr>
-    <a:lvl1pPr algn="l" defTabSz="914400" eaLnBrk="1" hangingPunct="1" latinLnBrk="0" marL="0" rtl="0">
-      <a:defRPr kern="1200" sz="1800">
+    <a:lvl1pPr marL="0" algn="l" defTabSz="914400" rtl="0" eaLnBrk="1" latinLnBrk="0" hangingPunct="1">
+      <a:defRPr sz="1800" kern="1200">
         <a:solidFill>
           <a:schemeClr val="tx1"/>
         </a:solidFill>
@@ -35,8 +35,8 @@
         <a:cs typeface="+mn-cs"/>
       </a:defRPr>
     </a:lvl1pPr>
-    <a:lvl2pPr algn="l" defTabSz="914400" eaLnBrk="1" hangingPunct="1" latinLnBrk="0" marL="457200" rtl="0">
-      <a:defRPr kern="1200" sz="1800">
+    <a:lvl2pPr marL="457200" algn="l" defTabSz="914400" rtl="0" eaLnBrk="1" latinLnBrk="0" hangingPunct="1">
+      <a:defRPr sz="1800" kern="1200">
         <a:solidFill>
           <a:schemeClr val="tx1"/>
         </a:solidFill>
@@ -45,8 +45,8 @@
         <a:cs typeface="+mn-cs"/>
       </a:defRPr>
     </a:lvl2pPr>
-    <a:lvl3pPr algn="l" defTabSz="914400" eaLnBrk="1" hangingPunct="1" latinLnBrk="0" marL="914400" rtl="0">
-      <a:defRPr kern="1200" sz="1800">
+    <a:lvl3pPr marL="914400" algn="l" defTabSz="914400" rtl="0" eaLnBrk="1" latinLnBrk="0" hangingPunct="1">
+      <a:defRPr sz="1800" kern="1200">
         <a:solidFill>
           <a:schemeClr val="tx1"/>
         </a:solidFill>
@@ -55,8 +55,8 @@
         <a:cs typeface="+mn-cs"/>
       </a:defRPr>
     </a:lvl3pPr>
-    <a:lvl4pPr algn="l" defTabSz="914400" eaLnBrk="1" hangingPunct="1" latinLnBrk="0" marL="1371600" rtl="0">
-      <a:defRPr kern="1200" sz="1800">
+    <a:lvl4pPr marL="1371600" algn="l" defTabSz="914400" rtl="0" eaLnBrk="1" latinLnBrk="0" hangingPunct="1">
+      <a:defRPr sz="1800" kern="1200">
         <a:solidFill>
           <a:schemeClr val="tx1"/>
         </a:solidFill>
@@ -65,8 +65,8 @@
         <a:cs typeface="+mn-cs"/>
       </a:defRPr>
     </a:lvl4pPr>
-    <a:lvl5pPr algn="l" defTabSz="914400" eaLnBrk="1" hangingPunct="1" latinLnBrk="0" marL="1828800" rtl="0">
-      <a:defRPr kern="1200" sz="1800">
+    <a:lvl5pPr marL="1828800" algn="l" defTabSz="914400" rtl="0" eaLnBrk="1" latinLnBrk="0" hangingPunct="1">
+      <a:defRPr sz="1800" kern="1200">
         <a:solidFill>
           <a:schemeClr val="tx1"/>
         </a:solidFill>
@@ -75,8 +75,8 @@
         <a:cs typeface="+mn-cs"/>
       </a:defRPr>
     </a:lvl5pPr>
-    <a:lvl6pPr algn="l" defTabSz="914400" eaLnBrk="1" hangingPunct="1" latinLnBrk="0" marL="2286000" rtl="0">
-      <a:defRPr kern="1200" sz="1800">
+    <a:lvl6pPr marL="2286000" algn="l" defTabSz="914400" rtl="0" eaLnBrk="1" latinLnBrk="0" hangingPunct="1">
+      <a:defRPr sz="1800" kern="1200">
         <a:solidFill>
           <a:schemeClr val="tx1"/>
         </a:solidFill>
@@ -85,8 +85,8 @@
         <a:cs typeface="+mn-cs"/>
       </a:defRPr>
     </a:lvl6pPr>
-    <a:lvl7pPr algn="l" defTabSz="914400" eaLnBrk="1" hangingPunct="1" latinLnBrk="0" marL="2743200" rtl="0">
-      <a:defRPr kern="1200" sz="1800">
+    <a:lvl7pPr marL="2743200" algn="l" defTabSz="914400" rtl="0" eaLnBrk="1" latinLnBrk="0" hangingPunct="1">
+      <a:defRPr sz="1800" kern="1200">
         <a:solidFill>
           <a:schemeClr val="tx1"/>
         </a:solidFill>
@@ -95,8 +95,8 @@
         <a:cs typeface="+mn-cs"/>
       </a:defRPr>
     </a:lvl7pPr>
-    <a:lvl8pPr algn="l" defTabSz="914400" eaLnBrk="1" hangingPunct="1" latinLnBrk="0" marL="3200400" rtl="0">
-      <a:defRPr kern="1200" sz="1800">
+    <a:lvl8pPr marL="3200400" algn="l" defTabSz="914400" rtl="0" eaLnBrk="1" latinLnBrk="0" hangingPunct="1">
+      <a:defRPr sz="1800" kern="1200">
         <a:solidFill>
           <a:schemeClr val="tx1"/>
         </a:solidFill>
@@ -105,8 +105,8 @@
         <a:cs typeface="+mn-cs"/>
       </a:defRPr>
     </a:lvl8pPr>
-    <a:lvl9pPr algn="l" defTabSz="914400" eaLnBrk="1" hangingPunct="1" latinLnBrk="0" marL="3657600" rtl="0">
-      <a:defRPr kern="1200" sz="1800">
+    <a:lvl9pPr marL="3657600" algn="l" defTabSz="914400" rtl="0" eaLnBrk="1" latinLnBrk="0" hangingPunct="1">
+      <a:defRPr sz="1800" kern="1200">
         <a:solidFill>
           <a:schemeClr val="tx1"/>
         </a:solidFill>
@@ -120,7 +120,7 @@
 </file>
 
 <file path=ppt/notesMasters/notesMaster1.xml><?xml version="1.0" encoding="utf-8"?>
-<p:notesMaster xmlns:a="http://schemas.openxmlformats.org/drawingml/2006/main" xmlns:p="http://schemas.openxmlformats.org/presentationml/2006/main" xmlns:r="http://schemas.openxmlformats.org/officeDocument/2006/relationships">
+<p:notesMaster xmlns:a="http://schemas.openxmlformats.org/drawingml/2006/main" xmlns:r="http://schemas.openxmlformats.org/officeDocument/2006/relationships" xmlns:p="http://schemas.openxmlformats.org/presentationml/2006/main">
   <p:cSld>
     <p:bg>
       <p:bgRef idx="1001">
@@ -148,7 +148,7 @@
             <a:spLocks noGrp="1"/>
           </p:cNvSpPr>
           <p:nvPr>
-            <p:ph sz="quarter" type="hdr"/>
+            <p:ph type="hdr" sz="quarter"/>
           </p:nvPr>
         </p:nvSpPr>
         <p:spPr>
@@ -161,7 +161,7 @@
           </a:prstGeom>
         </p:spPr>
         <p:txBody>
-          <a:bodyPr bIns="45720" lIns="91440" rIns="91440" rtlCol="0" tIns="45720" vert="horz"/>
+          <a:bodyPr vert="horz" lIns="91440" tIns="45720" rIns="91440" bIns="45720" rtlCol="0"/>
           <a:lstStyle>
             <a:lvl1pPr algn="l">
               <a:defRPr sz="1200"/>
@@ -179,7 +179,7 @@
             <a:spLocks noGrp="1"/>
           </p:cNvSpPr>
           <p:nvPr>
-            <p:ph idx="1" type="dt"/>
+            <p:ph type="dt" idx="1"/>
           </p:nvPr>
         </p:nvSpPr>
         <p:spPr>
@@ -192,7 +192,7 @@
           </a:prstGeom>
         </p:spPr>
         <p:txBody>
-          <a:bodyPr bIns="45720" lIns="91440" rIns="91440" rtlCol="0" tIns="45720" vert="horz"/>
+          <a:bodyPr vert="horz" lIns="91440" tIns="45720" rIns="91440" bIns="45720" rtlCol="0"/>
           <a:lstStyle>
             <a:lvl1pPr algn="r">
               <a:defRPr sz="1200"/>
@@ -211,10 +211,10 @@
         <p:nvSpPr>
           <p:cNvPr id="4" name="Slide Image Placeholder 3"/>
           <p:cNvSpPr>
-            <a:spLocks noChangeAspect="1" noGrp="1" noRot="1"/>
+            <a:spLocks noGrp="1" noRot="1" noChangeAspect="1"/>
           </p:cNvSpPr>
           <p:nvPr>
-            <p:ph idx="2" type="sldImg"/>
+            <p:ph type="sldImg" idx="2"/>
           </p:nvPr>
         </p:nvSpPr>
         <p:spPr>
@@ -233,7 +233,7 @@
           </a:ln>
         </p:spPr>
         <p:txBody>
-          <a:bodyPr anchor="ctr" bIns="45720" lIns="91440" rIns="91440" rtlCol="0" tIns="45720" vert="horz"/>
+          <a:bodyPr vert="horz" lIns="91440" tIns="45720" rIns="91440" bIns="45720" rtlCol="0" anchor="ctr"/>
           <a:lstStyle/>
           <a:p>
             <a:endParaRPr lang="cs-CZ"/>
@@ -247,7 +247,7 @@
             <a:spLocks noGrp="1"/>
           </p:cNvSpPr>
           <p:nvPr>
-            <p:ph idx="3" sz="quarter" type="body"/>
+            <p:ph type="body" sz="quarter" idx="3"/>
           </p:nvPr>
         </p:nvSpPr>
         <p:spPr>
@@ -260,7 +260,7 @@
           </a:prstGeom>
         </p:spPr>
         <p:txBody>
-          <a:bodyPr bIns="45720" lIns="91440" rIns="91440" rtlCol="0" tIns="45720" vert="horz"/>
+          <a:bodyPr vert="horz" lIns="91440" tIns="45720" rIns="91440" bIns="45720" rtlCol="0"/>
           <a:lstStyle/>
           <a:p>
             <a:pPr lvl="0"/>
@@ -307,7 +307,7 @@
             <a:spLocks noGrp="1"/>
           </p:cNvSpPr>
           <p:nvPr>
-            <p:ph idx="4" sz="quarter" type="ftr"/>
+            <p:ph type="ftr" sz="quarter" idx="4"/>
           </p:nvPr>
         </p:nvSpPr>
         <p:spPr>
@@ -320,7 +320,7 @@
           </a:prstGeom>
         </p:spPr>
         <p:txBody>
-          <a:bodyPr anchor="b" bIns="45720" lIns="91440" rIns="91440" rtlCol="0" tIns="45720" vert="horz"/>
+          <a:bodyPr vert="horz" lIns="91440" tIns="45720" rIns="91440" bIns="45720" rtlCol="0" anchor="b"/>
           <a:lstStyle>
             <a:lvl1pPr algn="l">
               <a:defRPr sz="1200"/>
@@ -338,7 +338,7 @@
             <a:spLocks noGrp="1"/>
           </p:cNvSpPr>
           <p:nvPr>
-            <p:ph idx="5" sz="quarter" type="sldNum"/>
+            <p:ph type="sldNum" sz="quarter" idx="5"/>
           </p:nvPr>
         </p:nvSpPr>
         <p:spPr>
@@ -351,7 +351,7 @@
           </a:prstGeom>
         </p:spPr>
         <p:txBody>
-          <a:bodyPr anchor="b" bIns="45720" lIns="91440" rIns="91440" rtlCol="0" tIns="45720" vert="horz"/>
+          <a:bodyPr vert="horz" lIns="91440" tIns="45720" rIns="91440" bIns="45720" rtlCol="0" anchor="b"/>
           <a:lstStyle>
             <a:lvl1pPr algn="r">
               <a:defRPr sz="1200"/>
@@ -373,10 +373,10 @@
       </p:ext>
     </p:extLst>
   </p:cSld>
-  <p:clrMap accent1="accent1" accent2="accent2" accent3="accent3" accent4="accent4" accent5="accent5" accent6="accent6" bg1="lt1" bg2="lt2" folHlink="folHlink" hlink="hlink" tx1="dk1" tx2="dk2"/>
+  <p:clrMap bg1="lt1" tx1="dk1" bg2="lt2" tx2="dk2" accent1="accent1" accent2="accent2" accent3="accent3" accent4="accent4" accent5="accent5" accent6="accent6" hlink="hlink" folHlink="folHlink"/>
   <p:notesStyle>
-    <a:lvl1pPr algn="l" defTabSz="914400" eaLnBrk="1" hangingPunct="1" latinLnBrk="0" marL="0" rtl="0">
-      <a:defRPr kern="1200" sz="1200">
+    <a:lvl1pPr marL="0" algn="l" defTabSz="914400" rtl="0" eaLnBrk="1" latinLnBrk="0" hangingPunct="1">
+      <a:defRPr sz="1200" kern="1200">
         <a:solidFill>
           <a:schemeClr val="tx1"/>
         </a:solidFill>
@@ -385,8 +385,8 @@
         <a:cs typeface="+mn-cs"/>
       </a:defRPr>
     </a:lvl1pPr>
-    <a:lvl2pPr algn="l" defTabSz="914400" eaLnBrk="1" hangingPunct="1" latinLnBrk="0" marL="457200" rtl="0">
-      <a:defRPr kern="1200" sz="1200">
+    <a:lvl2pPr marL="457200" algn="l" defTabSz="914400" rtl="0" eaLnBrk="1" latinLnBrk="0" hangingPunct="1">
+      <a:defRPr sz="1200" kern="1200">
         <a:solidFill>
           <a:schemeClr val="tx1"/>
         </a:solidFill>
@@ -395,8 +395,8 @@
         <a:cs typeface="+mn-cs"/>
       </a:defRPr>
     </a:lvl2pPr>
-    <a:lvl3pPr algn="l" defTabSz="914400" eaLnBrk="1" hangingPunct="1" latinLnBrk="0" marL="914400" rtl="0">
-      <a:defRPr kern="1200" sz="1200">
+    <a:lvl3pPr marL="914400" algn="l" defTabSz="914400" rtl="0" eaLnBrk="1" latinLnBrk="0" hangingPunct="1">
+      <a:defRPr sz="1200" kern="1200">
         <a:solidFill>
           <a:schemeClr val="tx1"/>
         </a:solidFill>
@@ -405,8 +405,8 @@
         <a:cs typeface="+mn-cs"/>
       </a:defRPr>
     </a:lvl3pPr>
-    <a:lvl4pPr algn="l" defTabSz="914400" eaLnBrk="1" hangingPunct="1" latinLnBrk="0" marL="1371600" rtl="0">
-      <a:defRPr kern="1200" sz="1200">
+    <a:lvl4pPr marL="1371600" algn="l" defTabSz="914400" rtl="0" eaLnBrk="1" latinLnBrk="0" hangingPunct="1">
+      <a:defRPr sz="1200" kern="1200">
         <a:solidFill>
           <a:schemeClr val="tx1"/>
         </a:solidFill>
@@ -415,8 +415,8 @@
         <a:cs typeface="+mn-cs"/>
       </a:defRPr>
     </a:lvl4pPr>
-    <a:lvl5pPr algn="l" defTabSz="914400" eaLnBrk="1" hangingPunct="1" latinLnBrk="0" marL="1828800" rtl="0">
-      <a:defRPr kern="1200" sz="1200">
+    <a:lvl5pPr marL="1828800" algn="l" defTabSz="914400" rtl="0" eaLnBrk="1" latinLnBrk="0" hangingPunct="1">
+      <a:defRPr sz="1200" kern="1200">
         <a:solidFill>
           <a:schemeClr val="tx1"/>
         </a:solidFill>
@@ -425,8 +425,8 @@
         <a:cs typeface="+mn-cs"/>
       </a:defRPr>
     </a:lvl5pPr>
-    <a:lvl6pPr algn="l" defTabSz="914400" eaLnBrk="1" hangingPunct="1" latinLnBrk="0" marL="2286000" rtl="0">
-      <a:defRPr kern="1200" sz="1200">
+    <a:lvl6pPr marL="2286000" algn="l" defTabSz="914400" rtl="0" eaLnBrk="1" latinLnBrk="0" hangingPunct="1">
+      <a:defRPr sz="1200" kern="1200">
         <a:solidFill>
           <a:schemeClr val="tx1"/>
         </a:solidFill>
@@ -435,8 +435,8 @@
         <a:cs typeface="+mn-cs"/>
       </a:defRPr>
     </a:lvl6pPr>
-    <a:lvl7pPr algn="l" defTabSz="914400" eaLnBrk="1" hangingPunct="1" latinLnBrk="0" marL="2743200" rtl="0">
-      <a:defRPr kern="1200" sz="1200">
+    <a:lvl7pPr marL="2743200" algn="l" defTabSz="914400" rtl="0" eaLnBrk="1" latinLnBrk="0" hangingPunct="1">
+      <a:defRPr sz="1200" kern="1200">
         <a:solidFill>
           <a:schemeClr val="tx1"/>
         </a:solidFill>
@@ -445,8 +445,8 @@
         <a:cs typeface="+mn-cs"/>
       </a:defRPr>
     </a:lvl7pPr>
-    <a:lvl8pPr algn="l" defTabSz="914400" eaLnBrk="1" hangingPunct="1" latinLnBrk="0" marL="3200400" rtl="0">
-      <a:defRPr kern="1200" sz="1200">
+    <a:lvl8pPr marL="3200400" algn="l" defTabSz="914400" rtl="0" eaLnBrk="1" latinLnBrk="0" hangingPunct="1">
+      <a:defRPr sz="1200" kern="1200">
         <a:solidFill>
           <a:schemeClr val="tx1"/>
         </a:solidFill>
@@ -455,8 +455,8 @@
         <a:cs typeface="+mn-cs"/>
       </a:defRPr>
     </a:lvl8pPr>
-    <a:lvl9pPr algn="l" defTabSz="914400" eaLnBrk="1" hangingPunct="1" latinLnBrk="0" marL="3657600" rtl="0">
-      <a:defRPr kern="1200" sz="1200">
+    <a:lvl9pPr marL="3657600" algn="l" defTabSz="914400" rtl="0" eaLnBrk="1" latinLnBrk="0" hangingPunct="1">
+      <a:defRPr sz="1200" kern="1200">
         <a:solidFill>
           <a:schemeClr val="tx1"/>
         </a:solidFill>
@@ -493,7 +493,7 @@
             <a:spLocks noGrp="1"/>
           </p:cNvSpPr>
           <p:nvPr>
-            <p:ph sz="quarter" type="hdr"/>
+            <p:ph type="hdr" sz="quarter"/>
           </p:nvPr>
         </p:nvSpPr>
         <p:spPr>
@@ -506,7 +506,7 @@
           </a:prstGeom>
         </p:spPr>
         <p:txBody>
-          <a:bodyPr bIns="45720" lIns="91440" rIns="91440" rtlCol="0" tIns="45720" vert="horz"/>
+          <a:bodyPr vert="horz" lIns="91440" tIns="45720" rIns="91440" bIns="45720" rtlCol="0"/>
           <a:lstStyle>
             <a:lvl1pPr algn="l">
               <a:defRPr sz="1200"/>
@@ -524,7 +524,7 @@
             <a:spLocks noGrp="1"/>
           </p:cNvSpPr>
           <p:nvPr>
-            <p:ph idx="1" type="dt"/>
+            <p:ph type="dt" idx="1"/>
           </p:nvPr>
         </p:nvSpPr>
         <p:spPr>
@@ -537,7 +537,7 @@
           </a:prstGeom>
         </p:spPr>
         <p:txBody>
-          <a:bodyPr bIns="45720" lIns="91440" rIns="91440" rtlCol="0" tIns="45720" vert="horz"/>
+          <a:bodyPr vert="horz" lIns="91440" tIns="45720" rIns="91440" bIns="45720" rtlCol="0"/>
           <a:lstStyle>
             <a:lvl1pPr algn="r">
               <a:defRPr sz="1200"/>
@@ -556,10 +556,10 @@
         <p:nvSpPr>
           <p:cNvPr id="4" name="Slide Image Placeholder 3"/>
           <p:cNvSpPr>
-            <a:spLocks noChangeAspect="1" noGrp="1" noRot="1"/>
+            <a:spLocks noGrp="1" noRot="1" noChangeAspect="1"/>
           </p:cNvSpPr>
           <p:nvPr>
-            <p:ph idx="2" type="sldImg"/>
+            <p:ph type="sldImg" idx="2"/>
           </p:nvPr>
         </p:nvSpPr>
         <p:spPr>
@@ -578,7 +578,7 @@
           </a:ln>
         </p:spPr>
         <p:txBody>
-          <a:bodyPr anchor="ctr" bIns="45720" lIns="91440" rIns="91440" rtlCol="0" tIns="45720" vert="horz"/>
+          <a:bodyPr vert="horz" lIns="91440" tIns="45720" rIns="91440" bIns="45720" rtlCol="0" anchor="ctr"/>
           <a:lstStyle/>
           <a:p>
             <a:endParaRPr lang="cs-CZ"/>
@@ -592,7 +592,7 @@
             <a:spLocks noGrp="1"/>
           </p:cNvSpPr>
           <p:nvPr>
-            <p:ph idx="3" sz="quarter" type="body"/>
+            <p:ph type="body" sz="quarter" idx="3"/>
           </p:nvPr>
         </p:nvSpPr>
         <p:spPr>
@@ -605,7 +605,7 @@
           </a:prstGeom>
         </p:spPr>
         <p:txBody>
-          <a:bodyPr bIns="45720" lIns="91440" rIns="91440" rtlCol="0" tIns="45720" vert="horz"/>
+          <a:bodyPr vert="horz" lIns="91440" tIns="45720" rIns="91440" bIns="45720" rtlCol="0"/>
           <a:lstStyle/>
           <a:p>
             <a:pPr lvl="0"/>
@@ -679,7 +679,7 @@
             <a:spLocks noGrp="1"/>
           </p:cNvSpPr>
           <p:nvPr>
-            <p:ph idx="4" sz="quarter" type="ftr"/>
+            <p:ph type="ftr" sz="quarter" idx="4"/>
           </p:nvPr>
         </p:nvSpPr>
         <p:spPr>
@@ -692,7 +692,7 @@
           </a:prstGeom>
         </p:spPr>
         <p:txBody>
-          <a:bodyPr anchor="b" bIns="45720" lIns="91440" rIns="91440" rtlCol="0" tIns="45720" vert="horz"/>
+          <a:bodyPr vert="horz" lIns="91440" tIns="45720" rIns="91440" bIns="45720" rtlCol="0" anchor="b"/>
           <a:lstStyle>
             <a:lvl1pPr algn="l">
               <a:defRPr sz="1200"/>
@@ -710,7 +710,7 @@
             <a:spLocks noGrp="1"/>
           </p:cNvSpPr>
           <p:nvPr>
-            <p:ph idx="5" sz="quarter" type="sldNum"/>
+            <p:ph type="sldNum" sz="quarter" idx="5"/>
           </p:nvPr>
         </p:nvSpPr>
         <p:spPr>
@@ -723,7 +723,7 @@
           </a:prstGeom>
         </p:spPr>
         <p:txBody>
-          <a:bodyPr anchor="b" bIns="45720" lIns="91440" rIns="91440" rtlCol="0" tIns="45720" vert="horz"/>
+          <a:bodyPr vert="horz" lIns="91440" tIns="45720" rIns="91440" bIns="45720" rtlCol="0" anchor="b"/>
           <a:lstStyle>
             <a:lvl1pPr algn="r">
               <a:defRPr sz="1200"/>
@@ -767,7 +767,7 @@
             <a:spLocks noGrp="1"/>
           </p:cNvSpPr>
           <p:nvPr>
-            <p:ph sz="quarter" type="hdr"/>
+            <p:ph type="hdr" sz="quarter"/>
           </p:nvPr>
         </p:nvSpPr>
         <p:spPr>
@@ -780,7 +780,7 @@
           </a:prstGeom>
         </p:spPr>
         <p:txBody>
-          <a:bodyPr bIns="45720" lIns="91440" rIns="91440" rtlCol="0" tIns="45720" vert="horz"/>
+          <a:bodyPr vert="horz" lIns="91440" tIns="45720" rIns="91440" bIns="45720" rtlCol="0"/>
           <a:lstStyle>
             <a:lvl1pPr algn="l">
               <a:defRPr sz="1200"/>
@@ -798,7 +798,7 @@
             <a:spLocks noGrp="1"/>
           </p:cNvSpPr>
           <p:nvPr>
-            <p:ph idx="1" type="dt"/>
+            <p:ph type="dt" idx="1"/>
           </p:nvPr>
         </p:nvSpPr>
         <p:spPr>
@@ -811,7 +811,7 @@
           </a:prstGeom>
         </p:spPr>
         <p:txBody>
-          <a:bodyPr bIns="45720" lIns="91440" rIns="91440" rtlCol="0" tIns="45720" vert="horz"/>
+          <a:bodyPr vert="horz" lIns="91440" tIns="45720" rIns="91440" bIns="45720" rtlCol="0"/>
           <a:lstStyle>
             <a:lvl1pPr algn="r">
               <a:defRPr sz="1200"/>
@@ -830,10 +830,10 @@
         <p:nvSpPr>
           <p:cNvPr id="4" name="Slide Image Placeholder 3"/>
           <p:cNvSpPr>
-            <a:spLocks noChangeAspect="1" noGrp="1" noRot="1"/>
+            <a:spLocks noGrp="1" noRot="1" noChangeAspect="1"/>
           </p:cNvSpPr>
           <p:nvPr>
-            <p:ph idx="2" type="sldImg"/>
+            <p:ph type="sldImg" idx="2"/>
           </p:nvPr>
         </p:nvSpPr>
         <p:spPr>
@@ -852,7 +852,7 @@
           </a:ln>
         </p:spPr>
         <p:txBody>
-          <a:bodyPr anchor="ctr" bIns="45720" lIns="91440" rIns="91440" rtlCol="0" tIns="45720" vert="horz"/>
+          <a:bodyPr vert="horz" lIns="91440" tIns="45720" rIns="91440" bIns="45720" rtlCol="0" anchor="ctr"/>
           <a:lstStyle/>
           <a:p>
             <a:endParaRPr lang="cs-CZ"/>
@@ -866,7 +866,7 @@
             <a:spLocks noGrp="1"/>
           </p:cNvSpPr>
           <p:nvPr>
-            <p:ph idx="3" sz="quarter" type="body"/>
+            <p:ph type="body" sz="quarter" idx="3"/>
           </p:nvPr>
         </p:nvSpPr>
         <p:spPr>
@@ -879,7 +879,7 @@
           </a:prstGeom>
         </p:spPr>
         <p:txBody>
-          <a:bodyPr bIns="45720" lIns="91440" rIns="91440" rtlCol="0" tIns="45720" vert="horz"/>
+          <a:bodyPr vert="horz" lIns="91440" tIns="45720" rIns="91440" bIns="45720" rtlCol="0"/>
           <a:lstStyle/>
           <a:p>
             <a:pPr lvl="0"/>
@@ -946,7 +946,7 @@
             <a:spLocks noGrp="1"/>
           </p:cNvSpPr>
           <p:nvPr>
-            <p:ph idx="4" sz="quarter" type="ftr"/>
+            <p:ph type="ftr" sz="quarter" idx="4"/>
           </p:nvPr>
         </p:nvSpPr>
         <p:spPr>
@@ -959,7 +959,7 @@
           </a:prstGeom>
         </p:spPr>
         <p:txBody>
-          <a:bodyPr anchor="b" bIns="45720" lIns="91440" rIns="91440" rtlCol="0" tIns="45720" vert="horz"/>
+          <a:bodyPr vert="horz" lIns="91440" tIns="45720" rIns="91440" bIns="45720" rtlCol="0" anchor="b"/>
           <a:lstStyle>
             <a:lvl1pPr algn="l">
               <a:defRPr sz="1200"/>
@@ -977,7 +977,7 @@
             <a:spLocks noGrp="1"/>
           </p:cNvSpPr>
           <p:nvPr>
-            <p:ph idx="5" sz="quarter" type="sldNum"/>
+            <p:ph type="sldNum" sz="quarter" idx="5"/>
           </p:nvPr>
         </p:nvSpPr>
         <p:spPr>
@@ -990,7 +990,7 @@
           </a:prstGeom>
         </p:spPr>
         <p:txBody>
-          <a:bodyPr anchor="b" bIns="45720" lIns="91440" rIns="91440" rtlCol="0" tIns="45720" vert="horz"/>
+          <a:bodyPr vert="horz" lIns="91440" tIns="45720" rIns="91440" bIns="45720" rtlCol="0" anchor="b"/>
           <a:lstStyle>
             <a:lvl1pPr algn="r">
               <a:defRPr sz="1200"/>
@@ -1034,7 +1034,7 @@
             <a:spLocks noGrp="1"/>
           </p:cNvSpPr>
           <p:nvPr>
-            <p:ph sz="quarter" type="hdr"/>
+            <p:ph type="hdr" sz="quarter"/>
           </p:nvPr>
         </p:nvSpPr>
         <p:spPr>
@@ -1047,7 +1047,7 @@
           </a:prstGeom>
         </p:spPr>
         <p:txBody>
-          <a:bodyPr bIns="45720" lIns="91440" rIns="91440" rtlCol="0" tIns="45720" vert="horz"/>
+          <a:bodyPr vert="horz" lIns="91440" tIns="45720" rIns="91440" bIns="45720" rtlCol="0"/>
           <a:lstStyle>
             <a:lvl1pPr algn="l">
               <a:defRPr sz="1200"/>
@@ -1065,7 +1065,7 @@
             <a:spLocks noGrp="1"/>
           </p:cNvSpPr>
           <p:nvPr>
-            <p:ph idx="1" type="dt"/>
+            <p:ph type="dt" idx="1"/>
           </p:nvPr>
         </p:nvSpPr>
         <p:spPr>
@@ -1078,7 +1078,7 @@
           </a:prstGeom>
         </p:spPr>
         <p:txBody>
-          <a:bodyPr bIns="45720" lIns="91440" rIns="91440" rtlCol="0" tIns="45720" vert="horz"/>
+          <a:bodyPr vert="horz" lIns="91440" tIns="45720" rIns="91440" bIns="45720" rtlCol="0"/>
           <a:lstStyle>
             <a:lvl1pPr algn="r">
               <a:defRPr sz="1200"/>
@@ -1097,10 +1097,10 @@
         <p:nvSpPr>
           <p:cNvPr id="4" name="Slide Image Placeholder 3"/>
           <p:cNvSpPr>
-            <a:spLocks noChangeAspect="1" noGrp="1" noRot="1"/>
+            <a:spLocks noGrp="1" noRot="1" noChangeAspect="1"/>
           </p:cNvSpPr>
           <p:nvPr>
-            <p:ph idx="2" type="sldImg"/>
+            <p:ph type="sldImg" idx="2"/>
           </p:nvPr>
         </p:nvSpPr>
         <p:spPr>
@@ -1119,7 +1119,7 @@
           </a:ln>
         </p:spPr>
         <p:txBody>
-          <a:bodyPr anchor="ctr" bIns="45720" lIns="91440" rIns="91440" rtlCol="0" tIns="45720" vert="horz"/>
+          <a:bodyPr vert="horz" lIns="91440" tIns="45720" rIns="91440" bIns="45720" rtlCol="0" anchor="ctr"/>
           <a:lstStyle/>
           <a:p>
             <a:endParaRPr lang="cs-CZ"/>
@@ -1133,7 +1133,7 @@
             <a:spLocks noGrp="1"/>
           </p:cNvSpPr>
           <p:nvPr>
-            <p:ph idx="3" sz="quarter" type="body"/>
+            <p:ph type="body" sz="quarter" idx="3"/>
           </p:nvPr>
         </p:nvSpPr>
         <p:spPr>
@@ -1146,7 +1146,7 @@
           </a:prstGeom>
         </p:spPr>
         <p:txBody>
-          <a:bodyPr bIns="45720" lIns="91440" rIns="91440" rtlCol="0" tIns="45720" vert="horz"/>
+          <a:bodyPr vert="horz" lIns="91440" tIns="45720" rIns="91440" bIns="45720" rtlCol="0"/>
           <a:lstStyle/>
           <a:p>
             <a:pPr lvl="0"/>
@@ -1206,7 +1206,7 @@
             <a:spLocks noGrp="1"/>
           </p:cNvSpPr>
           <p:nvPr>
-            <p:ph idx="4" sz="quarter" type="ftr"/>
+            <p:ph type="ftr" sz="quarter" idx="4"/>
           </p:nvPr>
         </p:nvSpPr>
         <p:spPr>
@@ -1219,7 +1219,7 @@
           </a:prstGeom>
         </p:spPr>
         <p:txBody>
-          <a:bodyPr anchor="b" bIns="45720" lIns="91440" rIns="91440" rtlCol="0" tIns="45720" vert="horz"/>
+          <a:bodyPr vert="horz" lIns="91440" tIns="45720" rIns="91440" bIns="45720" rtlCol="0" anchor="b"/>
           <a:lstStyle>
             <a:lvl1pPr algn="l">
               <a:defRPr sz="1200"/>
@@ -1237,7 +1237,7 @@
             <a:spLocks noGrp="1"/>
           </p:cNvSpPr>
           <p:nvPr>
-            <p:ph idx="5" sz="quarter" type="sldNum"/>
+            <p:ph type="sldNum" sz="quarter" idx="5"/>
           </p:nvPr>
         </p:nvSpPr>
         <p:spPr>
@@ -1250,7 +1250,7 @@
           </a:prstGeom>
         </p:spPr>
         <p:txBody>
-          <a:bodyPr anchor="b" bIns="45720" lIns="91440" rIns="91440" rtlCol="0" tIns="45720" vert="horz"/>
+          <a:bodyPr vert="horz" lIns="91440" tIns="45720" rIns="91440" bIns="45720" rtlCol="0" anchor="b"/>
           <a:lstStyle>
             <a:lvl1pPr algn="r">
               <a:defRPr sz="1200"/>
@@ -1294,7 +1294,7 @@
             <a:spLocks noGrp="1"/>
           </p:cNvSpPr>
           <p:nvPr>
-            <p:ph sz="quarter" type="hdr"/>
+            <p:ph type="hdr" sz="quarter"/>
           </p:nvPr>
         </p:nvSpPr>
         <p:spPr>
@@ -1307,7 +1307,7 @@
           </a:prstGeom>
         </p:spPr>
         <p:txBody>
-          <a:bodyPr bIns="45720" lIns="91440" rIns="91440" rtlCol="0" tIns="45720" vert="horz"/>
+          <a:bodyPr vert="horz" lIns="91440" tIns="45720" rIns="91440" bIns="45720" rtlCol="0"/>
           <a:lstStyle>
             <a:lvl1pPr algn="l">
               <a:defRPr sz="1200"/>
@@ -1325,7 +1325,7 @@
             <a:spLocks noGrp="1"/>
           </p:cNvSpPr>
           <p:nvPr>
-            <p:ph idx="1" type="dt"/>
+            <p:ph type="dt" idx="1"/>
           </p:nvPr>
         </p:nvSpPr>
         <p:spPr>
@@ -1338,7 +1338,7 @@
           </a:prstGeom>
         </p:spPr>
         <p:txBody>
-          <a:bodyPr bIns="45720" lIns="91440" rIns="91440" rtlCol="0" tIns="45720" vert="horz"/>
+          <a:bodyPr vert="horz" lIns="91440" tIns="45720" rIns="91440" bIns="45720" rtlCol="0"/>
           <a:lstStyle>
             <a:lvl1pPr algn="r">
               <a:defRPr sz="1200"/>
@@ -1357,10 +1357,10 @@
         <p:nvSpPr>
           <p:cNvPr id="4" name="Slide Image Placeholder 3"/>
           <p:cNvSpPr>
-            <a:spLocks noChangeAspect="1" noGrp="1" noRot="1"/>
+            <a:spLocks noGrp="1" noRot="1" noChangeAspect="1"/>
           </p:cNvSpPr>
           <p:nvPr>
-            <p:ph idx="2" type="sldImg"/>
+            <p:ph type="sldImg" idx="2"/>
           </p:nvPr>
         </p:nvSpPr>
         <p:spPr>
@@ -1379,7 +1379,7 @@
           </a:ln>
         </p:spPr>
         <p:txBody>
-          <a:bodyPr anchor="ctr" bIns="45720" lIns="91440" rIns="91440" rtlCol="0" tIns="45720" vert="horz"/>
+          <a:bodyPr vert="horz" lIns="91440" tIns="45720" rIns="91440" bIns="45720" rtlCol="0" anchor="ctr"/>
           <a:lstStyle/>
           <a:p>
             <a:endParaRPr lang="cs-CZ"/>
@@ -1393,7 +1393,7 @@
             <a:spLocks noGrp="1"/>
           </p:cNvSpPr>
           <p:nvPr>
-            <p:ph idx="3" sz="quarter" type="body"/>
+            <p:ph type="body" sz="quarter" idx="3"/>
           </p:nvPr>
         </p:nvSpPr>
         <p:spPr>
@@ -1406,8 +1406,29 @@
           </a:prstGeom>
         </p:spPr>
         <p:txBody>
-          <a:bodyPr bIns="45720" lIns="91440" rIns="91440" rtlCol="0" tIns="45720" vert="horz"/>
-          <a:lstStyle/>
+          <a:bodyPr vert="horz" lIns="91440" tIns="45720" rIns="91440" bIns="45720" rtlCol="0"/>
+          <a:lstStyle/>
+          <a:p>
+            <a:pPr lvl="0"/>
+            <a:r>
+              <a:rPr lang="en-US"/>
+              <a:t>date of birth (P569) = 1841-12-09</a:t>
+            </a:r>
+          </a:p>
+          <a:p>
+            <a:pPr lvl="0"/>
+            <a:r>
+              <a:rPr lang="en-US"/>
+              <a:t>date of death (P570) = 1910-06-06</a:t>
+            </a:r>
+          </a:p>
+          <a:p>
+            <a:pPr lvl="0"/>
+            <a:r>
+              <a:rPr lang="en-US"/>
+              <a:t>place of birth (P19) = Buckingham Palace (Q42182)</a:t>
+            </a:r>
+          </a:p>
           <a:p>
             <a:pPr lvl="0"/>
             <a:r>
@@ -1448,27 +1469,6 @@
             <a:r>
               <a:rPr lang="en-US"/>
               <a:t>mother (P25) = Queen Victoria (Q9439)</a:t>
-            </a:r>
-          </a:p>
-          <a:p>
-            <a:pPr lvl="0"/>
-            <a:r>
-              <a:rPr lang="en-US"/>
-              <a:t>date of birth (P569) = 1841-12-09</a:t>
-            </a:r>
-          </a:p>
-          <a:p>
-            <a:pPr lvl="0"/>
-            <a:r>
-              <a:rPr lang="en-US"/>
-              <a:t>date of death (P570) = 1910-06-06</a:t>
-            </a:r>
-          </a:p>
-          <a:p>
-            <a:pPr lvl="0"/>
-            <a:r>
-              <a:rPr lang="en-US"/>
-              <a:t>place of birth (P19) = Buckingham Palace (Q42182)</a:t>
             </a:r>
           </a:p>
         </p:txBody>
@@ -1480,7 +1480,7 @@
             <a:spLocks noGrp="1"/>
           </p:cNvSpPr>
           <p:nvPr>
-            <p:ph idx="4" sz="quarter" type="ftr"/>
+            <p:ph type="ftr" sz="quarter" idx="4"/>
           </p:nvPr>
         </p:nvSpPr>
         <p:spPr>
@@ -1493,7 +1493,7 @@
           </a:prstGeom>
         </p:spPr>
         <p:txBody>
-          <a:bodyPr anchor="b" bIns="45720" lIns="91440" rIns="91440" rtlCol="0" tIns="45720" vert="horz"/>
+          <a:bodyPr vert="horz" lIns="91440" tIns="45720" rIns="91440" bIns="45720" rtlCol="0" anchor="b"/>
           <a:lstStyle>
             <a:lvl1pPr algn="l">
               <a:defRPr sz="1200"/>
@@ -1511,7 +1511,7 @@
             <a:spLocks noGrp="1"/>
           </p:cNvSpPr>
           <p:nvPr>
-            <p:ph idx="5" sz="quarter" type="sldNum"/>
+            <p:ph type="sldNum" sz="quarter" idx="5"/>
           </p:nvPr>
         </p:nvSpPr>
         <p:spPr>
@@ -1524,7 +1524,7 @@
           </a:prstGeom>
         </p:spPr>
         <p:txBody>
-          <a:bodyPr anchor="b" bIns="45720" lIns="91440" rIns="91440" rtlCol="0" tIns="45720" vert="horz"/>
+          <a:bodyPr vert="horz" lIns="91440" tIns="45720" rIns="91440" bIns="45720" rtlCol="0" anchor="b"/>
           <a:lstStyle>
             <a:lvl1pPr algn="r">
               <a:defRPr sz="1200"/>
@@ -1568,7 +1568,7 @@
             <a:spLocks noGrp="1"/>
           </p:cNvSpPr>
           <p:nvPr>
-            <p:ph sz="quarter" type="hdr"/>
+            <p:ph type="hdr" sz="quarter"/>
           </p:nvPr>
         </p:nvSpPr>
         <p:spPr>
@@ -1581,7 +1581,7 @@
           </a:prstGeom>
         </p:spPr>
         <p:txBody>
-          <a:bodyPr bIns="45720" lIns="91440" rIns="91440" rtlCol="0" tIns="45720" vert="horz"/>
+          <a:bodyPr vert="horz" lIns="91440" tIns="45720" rIns="91440" bIns="45720" rtlCol="0"/>
           <a:lstStyle>
             <a:lvl1pPr algn="l">
               <a:defRPr sz="1200"/>
@@ -1599,7 +1599,7 @@
             <a:spLocks noGrp="1"/>
           </p:cNvSpPr>
           <p:nvPr>
-            <p:ph idx="1" type="dt"/>
+            <p:ph type="dt" idx="1"/>
           </p:nvPr>
         </p:nvSpPr>
         <p:spPr>
@@ -1612,7 +1612,7 @@
           </a:prstGeom>
         </p:spPr>
         <p:txBody>
-          <a:bodyPr bIns="45720" lIns="91440" rIns="91440" rtlCol="0" tIns="45720" vert="horz"/>
+          <a:bodyPr vert="horz" lIns="91440" tIns="45720" rIns="91440" bIns="45720" rtlCol="0"/>
           <a:lstStyle>
             <a:lvl1pPr algn="r">
               <a:defRPr sz="1200"/>
@@ -1631,10 +1631,10 @@
         <p:nvSpPr>
           <p:cNvPr id="4" name="Slide Image Placeholder 3"/>
           <p:cNvSpPr>
-            <a:spLocks noChangeAspect="1" noGrp="1" noRot="1"/>
+            <a:spLocks noGrp="1" noRot="1" noChangeAspect="1"/>
           </p:cNvSpPr>
           <p:nvPr>
-            <p:ph idx="2" type="sldImg"/>
+            <p:ph type="sldImg" idx="2"/>
           </p:nvPr>
         </p:nvSpPr>
         <p:spPr>
@@ -1653,7 +1653,7 @@
           </a:ln>
         </p:spPr>
         <p:txBody>
-          <a:bodyPr anchor="ctr" bIns="45720" lIns="91440" rIns="91440" rtlCol="0" tIns="45720" vert="horz"/>
+          <a:bodyPr vert="horz" lIns="91440" tIns="45720" rIns="91440" bIns="45720" rtlCol="0" anchor="ctr"/>
           <a:lstStyle/>
           <a:p>
             <a:endParaRPr lang="cs-CZ"/>
@@ -1667,7 +1667,7 @@
             <a:spLocks noGrp="1"/>
           </p:cNvSpPr>
           <p:nvPr>
-            <p:ph idx="3" sz="quarter" type="body"/>
+            <p:ph type="body" sz="quarter" idx="3"/>
           </p:nvPr>
         </p:nvSpPr>
         <p:spPr>
@@ -1680,7 +1680,7 @@
           </a:prstGeom>
         </p:spPr>
         <p:txBody>
-          <a:bodyPr bIns="45720" lIns="91440" rIns="91440" rtlCol="0" tIns="45720" vert="horz"/>
+          <a:bodyPr vert="horz" lIns="91440" tIns="45720" rIns="91440" bIns="45720" rtlCol="0"/>
           <a:lstStyle/>
           <a:p>
             <a:pPr lvl="0"/>
@@ -1740,7 +1740,7 @@
             <a:spLocks noGrp="1"/>
           </p:cNvSpPr>
           <p:nvPr>
-            <p:ph idx="4" sz="quarter" type="ftr"/>
+            <p:ph type="ftr" sz="quarter" idx="4"/>
           </p:nvPr>
         </p:nvSpPr>
         <p:spPr>
@@ -1753,7 +1753,7 @@
           </a:prstGeom>
         </p:spPr>
         <p:txBody>
-          <a:bodyPr anchor="b" bIns="45720" lIns="91440" rIns="91440" rtlCol="0" tIns="45720" vert="horz"/>
+          <a:bodyPr vert="horz" lIns="91440" tIns="45720" rIns="91440" bIns="45720" rtlCol="0" anchor="b"/>
           <a:lstStyle>
             <a:lvl1pPr algn="l">
               <a:defRPr sz="1200"/>
@@ -1771,7 +1771,7 @@
             <a:spLocks noGrp="1"/>
           </p:cNvSpPr>
           <p:nvPr>
-            <p:ph idx="5" sz="quarter" type="sldNum"/>
+            <p:ph type="sldNum" sz="quarter" idx="5"/>
           </p:nvPr>
         </p:nvSpPr>
         <p:spPr>
@@ -1784,7 +1784,7 @@
           </a:prstGeom>
         </p:spPr>
         <p:txBody>
-          <a:bodyPr anchor="b" bIns="45720" lIns="91440" rIns="91440" rtlCol="0" tIns="45720" vert="horz"/>
+          <a:bodyPr vert="horz" lIns="91440" tIns="45720" rIns="91440" bIns="45720" rtlCol="0" anchor="b"/>
           <a:lstStyle>
             <a:lvl1pPr algn="r">
               <a:defRPr sz="1200"/>
@@ -1828,7 +1828,7 @@
             <a:spLocks noGrp="1"/>
           </p:cNvSpPr>
           <p:nvPr>
-            <p:ph sz="quarter" type="hdr"/>
+            <p:ph type="hdr" sz="quarter"/>
           </p:nvPr>
         </p:nvSpPr>
         <p:spPr>
@@ -1841,7 +1841,7 @@
           </a:prstGeom>
         </p:spPr>
         <p:txBody>
-          <a:bodyPr bIns="45720" lIns="91440" rIns="91440" rtlCol="0" tIns="45720" vert="horz"/>
+          <a:bodyPr vert="horz" lIns="91440" tIns="45720" rIns="91440" bIns="45720" rtlCol="0"/>
           <a:lstStyle>
             <a:lvl1pPr algn="l">
               <a:defRPr sz="1200"/>
@@ -1859,7 +1859,7 @@
             <a:spLocks noGrp="1"/>
           </p:cNvSpPr>
           <p:nvPr>
-            <p:ph idx="1" type="dt"/>
+            <p:ph type="dt" idx="1"/>
           </p:nvPr>
         </p:nvSpPr>
         <p:spPr>
@@ -1872,7 +1872,7 @@
           </a:prstGeom>
         </p:spPr>
         <p:txBody>
-          <a:bodyPr bIns="45720" lIns="91440" rIns="91440" rtlCol="0" tIns="45720" vert="horz"/>
+          <a:bodyPr vert="horz" lIns="91440" tIns="45720" rIns="91440" bIns="45720" rtlCol="0"/>
           <a:lstStyle>
             <a:lvl1pPr algn="r">
               <a:defRPr sz="1200"/>
@@ -1891,10 +1891,10 @@
         <p:nvSpPr>
           <p:cNvPr id="4" name="Slide Image Placeholder 3"/>
           <p:cNvSpPr>
-            <a:spLocks noChangeAspect="1" noGrp="1" noRot="1"/>
+            <a:spLocks noGrp="1" noRot="1" noChangeAspect="1"/>
           </p:cNvSpPr>
           <p:nvPr>
-            <p:ph idx="2" type="sldImg"/>
+            <p:ph type="sldImg" idx="2"/>
           </p:nvPr>
         </p:nvSpPr>
         <p:spPr>
@@ -1913,7 +1913,7 @@
           </a:ln>
         </p:spPr>
         <p:txBody>
-          <a:bodyPr anchor="ctr" bIns="45720" lIns="91440" rIns="91440" rtlCol="0" tIns="45720" vert="horz"/>
+          <a:bodyPr vert="horz" lIns="91440" tIns="45720" rIns="91440" bIns="45720" rtlCol="0" anchor="ctr"/>
           <a:lstStyle/>
           <a:p>
             <a:endParaRPr lang="cs-CZ"/>
@@ -1927,7 +1927,7 @@
             <a:spLocks noGrp="1"/>
           </p:cNvSpPr>
           <p:nvPr>
-            <p:ph idx="3" sz="quarter" type="body"/>
+            <p:ph type="body" sz="quarter" idx="3"/>
           </p:nvPr>
         </p:nvSpPr>
         <p:spPr>
@@ -1940,7 +1940,7 @@
           </a:prstGeom>
         </p:spPr>
         <p:txBody>
-          <a:bodyPr bIns="45720" lIns="91440" rIns="91440" rtlCol="0" tIns="45720" vert="horz"/>
+          <a:bodyPr vert="horz" lIns="91440" tIns="45720" rIns="91440" bIns="45720" rtlCol="0"/>
           <a:lstStyle/>
           <a:p>
             <a:pPr lvl="0"/>
@@ -2000,7 +2000,7 @@
             <a:spLocks noGrp="1"/>
           </p:cNvSpPr>
           <p:nvPr>
-            <p:ph idx="4" sz="quarter" type="ftr"/>
+            <p:ph type="ftr" sz="quarter" idx="4"/>
           </p:nvPr>
         </p:nvSpPr>
         <p:spPr>
@@ -2013,7 +2013,7 @@
           </a:prstGeom>
         </p:spPr>
         <p:txBody>
-          <a:bodyPr anchor="b" bIns="45720" lIns="91440" rIns="91440" rtlCol="0" tIns="45720" vert="horz"/>
+          <a:bodyPr vert="horz" lIns="91440" tIns="45720" rIns="91440" bIns="45720" rtlCol="0" anchor="b"/>
           <a:lstStyle>
             <a:lvl1pPr algn="l">
               <a:defRPr sz="1200"/>
@@ -2031,7 +2031,7 @@
             <a:spLocks noGrp="1"/>
           </p:cNvSpPr>
           <p:nvPr>
-            <p:ph idx="5" sz="quarter" type="sldNum"/>
+            <p:ph type="sldNum" sz="quarter" idx="5"/>
           </p:nvPr>
         </p:nvSpPr>
         <p:spPr>
@@ -2044,7 +2044,7 @@
           </a:prstGeom>
         </p:spPr>
         <p:txBody>
-          <a:bodyPr anchor="b" bIns="45720" lIns="91440" rIns="91440" rtlCol="0" tIns="45720" vert="horz"/>
+          <a:bodyPr vert="horz" lIns="91440" tIns="45720" rIns="91440" bIns="45720" rtlCol="0" anchor="b"/>
           <a:lstStyle>
             <a:lvl1pPr algn="r">
               <a:defRPr sz="1200"/>
@@ -2088,7 +2088,7 @@
             <a:spLocks noGrp="1"/>
           </p:cNvSpPr>
           <p:nvPr>
-            <p:ph sz="quarter" type="hdr"/>
+            <p:ph type="hdr" sz="quarter"/>
           </p:nvPr>
         </p:nvSpPr>
         <p:spPr>
@@ -2101,7 +2101,7 @@
           </a:prstGeom>
         </p:spPr>
         <p:txBody>
-          <a:bodyPr bIns="45720" lIns="91440" rIns="91440" rtlCol="0" tIns="45720" vert="horz"/>
+          <a:bodyPr vert="horz" lIns="91440" tIns="45720" rIns="91440" bIns="45720" rtlCol="0"/>
           <a:lstStyle>
             <a:lvl1pPr algn="l">
               <a:defRPr sz="1200"/>
@@ -2119,7 +2119,7 @@
             <a:spLocks noGrp="1"/>
           </p:cNvSpPr>
           <p:nvPr>
-            <p:ph idx="1" type="dt"/>
+            <p:ph type="dt" idx="1"/>
           </p:nvPr>
         </p:nvSpPr>
         <p:spPr>
@@ -2132,7 +2132,7 @@
           </a:prstGeom>
         </p:spPr>
         <p:txBody>
-          <a:bodyPr bIns="45720" lIns="91440" rIns="91440" rtlCol="0" tIns="45720" vert="horz"/>
+          <a:bodyPr vert="horz" lIns="91440" tIns="45720" rIns="91440" bIns="45720" rtlCol="0"/>
           <a:lstStyle>
             <a:lvl1pPr algn="r">
               <a:defRPr sz="1200"/>
@@ -2151,10 +2151,10 @@
         <p:nvSpPr>
           <p:cNvPr id="4" name="Slide Image Placeholder 3"/>
           <p:cNvSpPr>
-            <a:spLocks noChangeAspect="1" noGrp="1" noRot="1"/>
+            <a:spLocks noGrp="1" noRot="1" noChangeAspect="1"/>
           </p:cNvSpPr>
           <p:nvPr>
-            <p:ph idx="2" type="sldImg"/>
+            <p:ph type="sldImg" idx="2"/>
           </p:nvPr>
         </p:nvSpPr>
         <p:spPr>
@@ -2173,7 +2173,7 @@
           </a:ln>
         </p:spPr>
         <p:txBody>
-          <a:bodyPr anchor="ctr" bIns="45720" lIns="91440" rIns="91440" rtlCol="0" tIns="45720" vert="horz"/>
+          <a:bodyPr vert="horz" lIns="91440" tIns="45720" rIns="91440" bIns="45720" rtlCol="0" anchor="ctr"/>
           <a:lstStyle/>
           <a:p>
             <a:endParaRPr lang="cs-CZ"/>
@@ -2187,7 +2187,7 @@
             <a:spLocks noGrp="1"/>
           </p:cNvSpPr>
           <p:nvPr>
-            <p:ph idx="3" sz="quarter" type="body"/>
+            <p:ph type="body" sz="quarter" idx="3"/>
           </p:nvPr>
         </p:nvSpPr>
         <p:spPr>
@@ -2200,7 +2200,7 @@
           </a:prstGeom>
         </p:spPr>
         <p:txBody>
-          <a:bodyPr bIns="45720" lIns="91440" rIns="91440" rtlCol="0" tIns="45720" vert="horz"/>
+          <a:bodyPr vert="horz" lIns="91440" tIns="45720" rIns="91440" bIns="45720" rtlCol="0"/>
           <a:lstStyle/>
           <a:p>
             <a:pPr lvl="0"/>
@@ -2260,7 +2260,7 @@
             <a:spLocks noGrp="1"/>
           </p:cNvSpPr>
           <p:nvPr>
-            <p:ph idx="4" sz="quarter" type="ftr"/>
+            <p:ph type="ftr" sz="quarter" idx="4"/>
           </p:nvPr>
         </p:nvSpPr>
         <p:spPr>
@@ -2273,7 +2273,7 @@
           </a:prstGeom>
         </p:spPr>
         <p:txBody>
-          <a:bodyPr anchor="b" bIns="45720" lIns="91440" rIns="91440" rtlCol="0" tIns="45720" vert="horz"/>
+          <a:bodyPr vert="horz" lIns="91440" tIns="45720" rIns="91440" bIns="45720" rtlCol="0" anchor="b"/>
           <a:lstStyle>
             <a:lvl1pPr algn="l">
               <a:defRPr sz="1200"/>
@@ -2291,7 +2291,7 @@
             <a:spLocks noGrp="1"/>
           </p:cNvSpPr>
           <p:nvPr>
-            <p:ph idx="5" sz="quarter" type="sldNum"/>
+            <p:ph type="sldNum" sz="quarter" idx="5"/>
           </p:nvPr>
         </p:nvSpPr>
         <p:spPr>
@@ -2304,7 +2304,7 @@
           </a:prstGeom>
         </p:spPr>
         <p:txBody>
-          <a:bodyPr anchor="b" bIns="45720" lIns="91440" rIns="91440" rtlCol="0" tIns="45720" vert="horz"/>
+          <a:bodyPr vert="horz" lIns="91440" tIns="45720" rIns="91440" bIns="45720" rtlCol="0" anchor="b"/>
           <a:lstStyle>
             <a:lvl1pPr algn="r">
               <a:defRPr sz="1200"/>
@@ -2348,7 +2348,7 @@
             <a:spLocks noGrp="1"/>
           </p:cNvSpPr>
           <p:nvPr>
-            <p:ph sz="quarter" type="hdr"/>
+            <p:ph type="hdr" sz="quarter"/>
           </p:nvPr>
         </p:nvSpPr>
         <p:spPr>
@@ -2361,7 +2361,7 @@
           </a:prstGeom>
         </p:spPr>
         <p:txBody>
-          <a:bodyPr bIns="45720" lIns="91440" rIns="91440" rtlCol="0" tIns="45720" vert="horz"/>
+          <a:bodyPr vert="horz" lIns="91440" tIns="45720" rIns="91440" bIns="45720" rtlCol="0"/>
           <a:lstStyle>
             <a:lvl1pPr algn="l">
               <a:defRPr sz="1200"/>
@@ -2379,7 +2379,7 @@
             <a:spLocks noGrp="1"/>
           </p:cNvSpPr>
           <p:nvPr>
-            <p:ph idx="1" type="dt"/>
+            <p:ph type="dt" idx="1"/>
           </p:nvPr>
         </p:nvSpPr>
         <p:spPr>
@@ -2392,7 +2392,7 @@
           </a:prstGeom>
         </p:spPr>
         <p:txBody>
-          <a:bodyPr bIns="45720" lIns="91440" rIns="91440" rtlCol="0" tIns="45720" vert="horz"/>
+          <a:bodyPr vert="horz" lIns="91440" tIns="45720" rIns="91440" bIns="45720" rtlCol="0"/>
           <a:lstStyle>
             <a:lvl1pPr algn="r">
               <a:defRPr sz="1200"/>
@@ -2411,10 +2411,10 @@
         <p:nvSpPr>
           <p:cNvPr id="4" name="Slide Image Placeholder 3"/>
           <p:cNvSpPr>
-            <a:spLocks noChangeAspect="1" noGrp="1" noRot="1"/>
+            <a:spLocks noGrp="1" noRot="1" noChangeAspect="1"/>
           </p:cNvSpPr>
           <p:nvPr>
-            <p:ph idx="2" type="sldImg"/>
+            <p:ph type="sldImg" idx="2"/>
           </p:nvPr>
         </p:nvSpPr>
         <p:spPr>
@@ -2433,7 +2433,7 @@
           </a:ln>
         </p:spPr>
         <p:txBody>
-          <a:bodyPr anchor="ctr" bIns="45720" lIns="91440" rIns="91440" rtlCol="0" tIns="45720" vert="horz"/>
+          <a:bodyPr vert="horz" lIns="91440" tIns="45720" rIns="91440" bIns="45720" rtlCol="0" anchor="ctr"/>
           <a:lstStyle/>
           <a:p>
             <a:endParaRPr lang="cs-CZ"/>
@@ -2447,7 +2447,7 @@
             <a:spLocks noGrp="1"/>
           </p:cNvSpPr>
           <p:nvPr>
-            <p:ph idx="3" sz="quarter" type="body"/>
+            <p:ph type="body" sz="quarter" idx="3"/>
           </p:nvPr>
         </p:nvSpPr>
         <p:spPr>
@@ -2460,7 +2460,7 @@
           </a:prstGeom>
         </p:spPr>
         <p:txBody>
-          <a:bodyPr bIns="45720" lIns="91440" rIns="91440" rtlCol="0" tIns="45720" vert="horz"/>
+          <a:bodyPr vert="horz" lIns="91440" tIns="45720" rIns="91440" bIns="45720" rtlCol="0"/>
           <a:lstStyle/>
           <a:p>
             <a:pPr lvl="0"/>
@@ -2527,7 +2527,7 @@
             <a:spLocks noGrp="1"/>
           </p:cNvSpPr>
           <p:nvPr>
-            <p:ph idx="4" sz="quarter" type="ftr"/>
+            <p:ph type="ftr" sz="quarter" idx="4"/>
           </p:nvPr>
         </p:nvSpPr>
         <p:spPr>
@@ -2540,7 +2540,7 @@
           </a:prstGeom>
         </p:spPr>
         <p:txBody>
-          <a:bodyPr anchor="b" bIns="45720" lIns="91440" rIns="91440" rtlCol="0" tIns="45720" vert="horz"/>
+          <a:bodyPr vert="horz" lIns="91440" tIns="45720" rIns="91440" bIns="45720" rtlCol="0" anchor="b"/>
           <a:lstStyle>
             <a:lvl1pPr algn="l">
               <a:defRPr sz="1200"/>
@@ -2558,7 +2558,7 @@
             <a:spLocks noGrp="1"/>
           </p:cNvSpPr>
           <p:nvPr>
-            <p:ph idx="5" sz="quarter" type="sldNum"/>
+            <p:ph type="sldNum" sz="quarter" idx="5"/>
           </p:nvPr>
         </p:nvSpPr>
         <p:spPr>
@@ -2571,7 +2571,7 @@
           </a:prstGeom>
         </p:spPr>
         <p:txBody>
-          <a:bodyPr anchor="b" bIns="45720" lIns="91440" rIns="91440" rtlCol="0" tIns="45720" vert="horz"/>
+          <a:bodyPr vert="horz" lIns="91440" tIns="45720" rIns="91440" bIns="45720" rtlCol="0" anchor="b"/>
           <a:lstStyle>
             <a:lvl1pPr algn="r">
               <a:defRPr sz="1200"/>
@@ -2615,7 +2615,7 @@
             <a:spLocks noGrp="1"/>
           </p:cNvSpPr>
           <p:nvPr>
-            <p:ph sz="quarter" type="hdr"/>
+            <p:ph type="hdr" sz="quarter"/>
           </p:nvPr>
         </p:nvSpPr>
         <p:spPr>
@@ -2628,7 +2628,7 @@
           </a:prstGeom>
         </p:spPr>
         <p:txBody>
-          <a:bodyPr bIns="45720" lIns="91440" rIns="91440" rtlCol="0" tIns="45720" vert="horz"/>
+          <a:bodyPr vert="horz" lIns="91440" tIns="45720" rIns="91440" bIns="45720" rtlCol="0"/>
           <a:lstStyle>
             <a:lvl1pPr algn="l">
               <a:defRPr sz="1200"/>
@@ -2646,7 +2646,7 @@
             <a:spLocks noGrp="1"/>
           </p:cNvSpPr>
           <p:nvPr>
-            <p:ph idx="1" type="dt"/>
+            <p:ph type="dt" idx="1"/>
           </p:nvPr>
         </p:nvSpPr>
         <p:spPr>
@@ -2659,7 +2659,7 @@
           </a:prstGeom>
         </p:spPr>
         <p:txBody>
-          <a:bodyPr bIns="45720" lIns="91440" rIns="91440" rtlCol="0" tIns="45720" vert="horz"/>
+          <a:bodyPr vert="horz" lIns="91440" tIns="45720" rIns="91440" bIns="45720" rtlCol="0"/>
           <a:lstStyle>
             <a:lvl1pPr algn="r">
               <a:defRPr sz="1200"/>
@@ -2678,10 +2678,10 @@
         <p:nvSpPr>
           <p:cNvPr id="4" name="Slide Image Placeholder 3"/>
           <p:cNvSpPr>
-            <a:spLocks noChangeAspect="1" noGrp="1" noRot="1"/>
+            <a:spLocks noGrp="1" noRot="1" noChangeAspect="1"/>
           </p:cNvSpPr>
           <p:nvPr>
-            <p:ph idx="2" type="sldImg"/>
+            <p:ph type="sldImg" idx="2"/>
           </p:nvPr>
         </p:nvSpPr>
         <p:spPr>
@@ -2700,7 +2700,7 @@
           </a:ln>
         </p:spPr>
         <p:txBody>
-          <a:bodyPr anchor="ctr" bIns="45720" lIns="91440" rIns="91440" rtlCol="0" tIns="45720" vert="horz"/>
+          <a:bodyPr vert="horz" lIns="91440" tIns="45720" rIns="91440" bIns="45720" rtlCol="0" anchor="ctr"/>
           <a:lstStyle/>
           <a:p>
             <a:endParaRPr lang="cs-CZ"/>
@@ -2714,7 +2714,7 @@
             <a:spLocks noGrp="1"/>
           </p:cNvSpPr>
           <p:nvPr>
-            <p:ph idx="3" sz="quarter" type="body"/>
+            <p:ph type="body" sz="quarter" idx="3"/>
           </p:nvPr>
         </p:nvSpPr>
         <p:spPr>
@@ -2727,7 +2727,7 @@
           </a:prstGeom>
         </p:spPr>
         <p:txBody>
-          <a:bodyPr bIns="45720" lIns="91440" rIns="91440" rtlCol="0" tIns="45720" vert="horz"/>
+          <a:bodyPr vert="horz" lIns="91440" tIns="45720" rIns="91440" bIns="45720" rtlCol="0"/>
           <a:lstStyle/>
           <a:p>
             <a:pPr lvl="0"/>
@@ -2787,7 +2787,7 @@
             <a:spLocks noGrp="1"/>
           </p:cNvSpPr>
           <p:nvPr>
-            <p:ph idx="4" sz="quarter" type="ftr"/>
+            <p:ph type="ftr" sz="quarter" idx="4"/>
           </p:nvPr>
         </p:nvSpPr>
         <p:spPr>
@@ -2800,7 +2800,7 @@
           </a:prstGeom>
         </p:spPr>
         <p:txBody>
-          <a:bodyPr anchor="b" bIns="45720" lIns="91440" rIns="91440" rtlCol="0" tIns="45720" vert="horz"/>
+          <a:bodyPr vert="horz" lIns="91440" tIns="45720" rIns="91440" bIns="45720" rtlCol="0" anchor="b"/>
           <a:lstStyle>
             <a:lvl1pPr algn="l">
               <a:defRPr sz="1200"/>
@@ -2818,7 +2818,7 @@
             <a:spLocks noGrp="1"/>
           </p:cNvSpPr>
           <p:nvPr>
-            <p:ph idx="5" sz="quarter" type="sldNum"/>
+            <p:ph type="sldNum" sz="quarter" idx="5"/>
           </p:nvPr>
         </p:nvSpPr>
         <p:spPr>
@@ -2831,7 +2831,7 @@
           </a:prstGeom>
         </p:spPr>
         <p:txBody>
-          <a:bodyPr anchor="b" bIns="45720" lIns="91440" rIns="91440" rtlCol="0" tIns="45720" vert="horz"/>
+          <a:bodyPr vert="horz" lIns="91440" tIns="45720" rIns="91440" bIns="45720" rtlCol="0" anchor="b"/>
           <a:lstStyle>
             <a:lvl1pPr algn="r">
               <a:defRPr sz="1200"/>
@@ -2875,7 +2875,7 @@
             <a:spLocks noGrp="1"/>
           </p:cNvSpPr>
           <p:nvPr>
-            <p:ph sz="quarter" type="hdr"/>
+            <p:ph type="hdr" sz="quarter"/>
           </p:nvPr>
         </p:nvSpPr>
         <p:spPr>
@@ -2888,7 +2888,7 @@
           </a:prstGeom>
         </p:spPr>
         <p:txBody>
-          <a:bodyPr bIns="45720" lIns="91440" rIns="91440" rtlCol="0" tIns="45720" vert="horz"/>
+          <a:bodyPr vert="horz" lIns="91440" tIns="45720" rIns="91440" bIns="45720" rtlCol="0"/>
           <a:lstStyle>
             <a:lvl1pPr algn="l">
               <a:defRPr sz="1200"/>
@@ -2906,7 +2906,7 @@
             <a:spLocks noGrp="1"/>
           </p:cNvSpPr>
           <p:nvPr>
-            <p:ph idx="1" type="dt"/>
+            <p:ph type="dt" idx="1"/>
           </p:nvPr>
         </p:nvSpPr>
         <p:spPr>
@@ -2919,7 +2919,7 @@
           </a:prstGeom>
         </p:spPr>
         <p:txBody>
-          <a:bodyPr bIns="45720" lIns="91440" rIns="91440" rtlCol="0" tIns="45720" vert="horz"/>
+          <a:bodyPr vert="horz" lIns="91440" tIns="45720" rIns="91440" bIns="45720" rtlCol="0"/>
           <a:lstStyle>
             <a:lvl1pPr algn="r">
               <a:defRPr sz="1200"/>
@@ -2938,10 +2938,10 @@
         <p:nvSpPr>
           <p:cNvPr id="4" name="Slide Image Placeholder 3"/>
           <p:cNvSpPr>
-            <a:spLocks noChangeAspect="1" noGrp="1" noRot="1"/>
+            <a:spLocks noGrp="1" noRot="1" noChangeAspect="1"/>
           </p:cNvSpPr>
           <p:nvPr>
-            <p:ph idx="2" type="sldImg"/>
+            <p:ph type="sldImg" idx="2"/>
           </p:nvPr>
         </p:nvSpPr>
         <p:spPr>
@@ -2960,7 +2960,7 @@
           </a:ln>
         </p:spPr>
         <p:txBody>
-          <a:bodyPr anchor="ctr" bIns="45720" lIns="91440" rIns="91440" rtlCol="0" tIns="45720" vert="horz"/>
+          <a:bodyPr vert="horz" lIns="91440" tIns="45720" rIns="91440" bIns="45720" rtlCol="0" anchor="ctr"/>
           <a:lstStyle/>
           <a:p>
             <a:endParaRPr lang="cs-CZ"/>
@@ -2974,7 +2974,7 @@
             <a:spLocks noGrp="1"/>
           </p:cNvSpPr>
           <p:nvPr>
-            <p:ph idx="3" sz="quarter" type="body"/>
+            <p:ph type="body" sz="quarter" idx="3"/>
           </p:nvPr>
         </p:nvSpPr>
         <p:spPr>
@@ -2987,7 +2987,7 @@
           </a:prstGeom>
         </p:spPr>
         <p:txBody>
-          <a:bodyPr bIns="45720" lIns="91440" rIns="91440" rtlCol="0" tIns="45720" vert="horz"/>
+          <a:bodyPr vert="horz" lIns="91440" tIns="45720" rIns="91440" bIns="45720" rtlCol="0"/>
           <a:lstStyle/>
           <a:p>
             <a:pPr lvl="0"/>
@@ -3047,7 +3047,7 @@
             <a:spLocks noGrp="1"/>
           </p:cNvSpPr>
           <p:nvPr>
-            <p:ph idx="4" sz="quarter" type="ftr"/>
+            <p:ph type="ftr" sz="quarter" idx="4"/>
           </p:nvPr>
         </p:nvSpPr>
         <p:spPr>
@@ -3060,7 +3060,7 @@
           </a:prstGeom>
         </p:spPr>
         <p:txBody>
-          <a:bodyPr anchor="b" bIns="45720" lIns="91440" rIns="91440" rtlCol="0" tIns="45720" vert="horz"/>
+          <a:bodyPr vert="horz" lIns="91440" tIns="45720" rIns="91440" bIns="45720" rtlCol="0" anchor="b"/>
           <a:lstStyle>
             <a:lvl1pPr algn="l">
               <a:defRPr sz="1200"/>
@@ -3078,7 +3078,7 @@
             <a:spLocks noGrp="1"/>
           </p:cNvSpPr>
           <p:nvPr>
-            <p:ph idx="5" sz="quarter" type="sldNum"/>
+            <p:ph type="sldNum" sz="quarter" idx="5"/>
           </p:nvPr>
         </p:nvSpPr>
         <p:spPr>
@@ -3091,7 +3091,7 @@
           </a:prstGeom>
         </p:spPr>
         <p:txBody>
-          <a:bodyPr anchor="b" bIns="45720" lIns="91440" rIns="91440" rtlCol="0" tIns="45720" vert="horz"/>
+          <a:bodyPr vert="horz" lIns="91440" tIns="45720" rIns="91440" bIns="45720" rtlCol="0" anchor="b"/>
           <a:lstStyle>
             <a:lvl1pPr algn="r">
               <a:defRPr sz="1200"/>
@@ -3112,7 +3112,7 @@
 </file>
 
 <file path=ppt/slideLayouts/slideLayout1.xml><?xml version="1.0" encoding="utf-8"?>
-<p:sldLayout xmlns:a="http://schemas.openxmlformats.org/drawingml/2006/main" xmlns:p="http://schemas.openxmlformats.org/presentationml/2006/main" xmlns:r="http://schemas.openxmlformats.org/officeDocument/2006/relationships" preserve="1" type="title">
+<p:sldLayout xmlns:a="http://schemas.openxmlformats.org/drawingml/2006/main" xmlns:r="http://schemas.openxmlformats.org/officeDocument/2006/relationships" xmlns:p="http://schemas.openxmlformats.org/presentationml/2006/main" type="title" preserve="1">
   <p:cSld name="Title Slide">
     <p:spTree>
       <p:nvGrpSpPr>
@@ -3163,7 +3163,7 @@
             <a:spLocks noGrp="1"/>
           </p:cNvSpPr>
           <p:nvPr>
-            <p:ph idx="1" type="subTitle"/>
+            <p:ph type="subTitle" idx="1"/>
           </p:nvPr>
         </p:nvSpPr>
         <p:spPr>
@@ -3175,7 +3175,7 @@
         <p:txBody>
           <a:bodyPr/>
           <a:lstStyle>
-            <a:lvl1pPr algn="ctr" indent="0" marL="0">
+            <a:lvl1pPr marL="0" indent="0" algn="ctr">
               <a:buNone/>
               <a:defRPr>
                 <a:solidFill>
@@ -3185,7 +3185,7 @@
                 </a:solidFill>
               </a:defRPr>
             </a:lvl1pPr>
-            <a:lvl2pPr algn="ctr" indent="0" marL="457200">
+            <a:lvl2pPr marL="457200" indent="0" algn="ctr">
               <a:buNone/>
               <a:defRPr>
                 <a:solidFill>
@@ -3195,7 +3195,7 @@
                 </a:solidFill>
               </a:defRPr>
             </a:lvl2pPr>
-            <a:lvl3pPr algn="ctr" indent="0" marL="914400">
+            <a:lvl3pPr marL="914400" indent="0" algn="ctr">
               <a:buNone/>
               <a:defRPr>
                 <a:solidFill>
@@ -3205,7 +3205,7 @@
                 </a:solidFill>
               </a:defRPr>
             </a:lvl3pPr>
-            <a:lvl4pPr algn="ctr" indent="0" marL="1371600">
+            <a:lvl4pPr marL="1371600" indent="0" algn="ctr">
               <a:buNone/>
               <a:defRPr>
                 <a:solidFill>
@@ -3215,7 +3215,7 @@
                 </a:solidFill>
               </a:defRPr>
             </a:lvl4pPr>
-            <a:lvl5pPr algn="ctr" indent="0" marL="1828800">
+            <a:lvl5pPr marL="1828800" indent="0" algn="ctr">
               <a:buNone/>
               <a:defRPr>
                 <a:solidFill>
@@ -3225,7 +3225,7 @@
                 </a:solidFill>
               </a:defRPr>
             </a:lvl5pPr>
-            <a:lvl6pPr algn="ctr" indent="0" marL="2286000">
+            <a:lvl6pPr marL="2286000" indent="0" algn="ctr">
               <a:buNone/>
               <a:defRPr>
                 <a:solidFill>
@@ -3235,7 +3235,7 @@
                 </a:solidFill>
               </a:defRPr>
             </a:lvl6pPr>
-            <a:lvl7pPr algn="ctr" indent="0" marL="2743200">
+            <a:lvl7pPr marL="2743200" indent="0" algn="ctr">
               <a:buNone/>
               <a:defRPr>
                 <a:solidFill>
@@ -3245,7 +3245,7 @@
                 </a:solidFill>
               </a:defRPr>
             </a:lvl7pPr>
-            <a:lvl8pPr algn="ctr" indent="0" marL="3200400">
+            <a:lvl8pPr marL="3200400" indent="0" algn="ctr">
               <a:buNone/>
               <a:defRPr>
                 <a:solidFill>
@@ -3255,7 +3255,7 @@
                 </a:solidFill>
               </a:defRPr>
             </a:lvl8pPr>
-            <a:lvl9pPr algn="ctr" indent="0" marL="3657600">
+            <a:lvl9pPr marL="3657600" indent="0" algn="ctr">
               <a:buNone/>
               <a:defRPr>
                 <a:solidFill>
@@ -3282,7 +3282,7 @@
             <a:spLocks noGrp="1"/>
           </p:cNvSpPr>
           <p:nvPr>
-            <p:ph idx="10" sz="half" type="dt"/>
+            <p:ph type="dt" sz="half" idx="10"/>
           </p:nvPr>
         </p:nvSpPr>
         <p:spPr/>
@@ -3306,7 +3306,7 @@
             <a:spLocks noGrp="1"/>
           </p:cNvSpPr>
           <p:nvPr>
-            <p:ph idx="11" sz="quarter" type="ftr"/>
+            <p:ph type="ftr" sz="quarter" idx="11"/>
           </p:nvPr>
         </p:nvSpPr>
         <p:spPr/>
@@ -3325,7 +3325,7 @@
             <a:spLocks noGrp="1"/>
           </p:cNvSpPr>
           <p:nvPr>
-            <p:ph idx="12" sz="quarter" type="sldNum"/>
+            <p:ph type="sldNum" sz="quarter" idx="12"/>
           </p:nvPr>
         </p:nvSpPr>
         <p:spPr/>
@@ -3351,7 +3351,7 @@
 </file>
 
 <file path=ppt/slideLayouts/slideLayout10.xml><?xml version="1.0" encoding="utf-8"?>
-<p:sldLayout xmlns:a="http://schemas.openxmlformats.org/drawingml/2006/main" xmlns:p="http://schemas.openxmlformats.org/presentationml/2006/main" xmlns:r="http://schemas.openxmlformats.org/officeDocument/2006/relationships" preserve="1" type="vertTx">
+<p:sldLayout xmlns:a="http://schemas.openxmlformats.org/drawingml/2006/main" xmlns:r="http://schemas.openxmlformats.org/officeDocument/2006/relationships" xmlns:p="http://schemas.openxmlformats.org/presentationml/2006/main" type="vertTx" preserve="1">
   <p:cSld name="Title and Vertical Text">
     <p:spTree>
       <p:nvGrpSpPr>
@@ -3397,7 +3397,7 @@
             <a:spLocks noGrp="1"/>
           </p:cNvSpPr>
           <p:nvPr>
-            <p:ph idx="1" orient="vert" type="body"/>
+            <p:ph type="body" orient="vert" idx="1"/>
           </p:nvPr>
         </p:nvSpPr>
         <p:spPr/>
@@ -3449,7 +3449,7 @@
             <a:spLocks noGrp="1"/>
           </p:cNvSpPr>
           <p:nvPr>
-            <p:ph idx="10" sz="half" type="dt"/>
+            <p:ph type="dt" sz="half" idx="10"/>
           </p:nvPr>
         </p:nvSpPr>
         <p:spPr/>
@@ -3473,7 +3473,7 @@
             <a:spLocks noGrp="1"/>
           </p:cNvSpPr>
           <p:nvPr>
-            <p:ph idx="11" sz="quarter" type="ftr"/>
+            <p:ph type="ftr" sz="quarter" idx="11"/>
           </p:nvPr>
         </p:nvSpPr>
         <p:spPr/>
@@ -3492,7 +3492,7 @@
             <a:spLocks noGrp="1"/>
           </p:cNvSpPr>
           <p:nvPr>
-            <p:ph idx="12" sz="quarter" type="sldNum"/>
+            <p:ph type="sldNum" sz="quarter" idx="12"/>
           </p:nvPr>
         </p:nvSpPr>
         <p:spPr/>
@@ -3518,7 +3518,7 @@
 </file>
 
 <file path=ppt/slideLayouts/slideLayout11.xml><?xml version="1.0" encoding="utf-8"?>
-<p:sldLayout xmlns:a="http://schemas.openxmlformats.org/drawingml/2006/main" xmlns:p="http://schemas.openxmlformats.org/presentationml/2006/main" xmlns:r="http://schemas.openxmlformats.org/officeDocument/2006/relationships" preserve="1" type="vertTitleAndTx">
+<p:sldLayout xmlns:a="http://schemas.openxmlformats.org/drawingml/2006/main" xmlns:r="http://schemas.openxmlformats.org/officeDocument/2006/relationships" xmlns:p="http://schemas.openxmlformats.org/presentationml/2006/main" type="vertTitleAndTx" preserve="1">
   <p:cSld name="Vertical Title and Text">
     <p:spTree>
       <p:nvGrpSpPr>
@@ -3541,7 +3541,7 @@
             <a:spLocks noGrp="1"/>
           </p:cNvSpPr>
           <p:nvPr>
-            <p:ph orient="vert" type="title"/>
+            <p:ph type="title" orient="vert"/>
           </p:nvPr>
         </p:nvSpPr>
         <p:spPr>
@@ -3569,7 +3569,7 @@
             <a:spLocks noGrp="1"/>
           </p:cNvSpPr>
           <p:nvPr>
-            <p:ph idx="1" orient="vert" type="body"/>
+            <p:ph type="body" orient="vert" idx="1"/>
           </p:nvPr>
         </p:nvSpPr>
         <p:spPr>
@@ -3626,7 +3626,7 @@
             <a:spLocks noGrp="1"/>
           </p:cNvSpPr>
           <p:nvPr>
-            <p:ph idx="10" sz="half" type="dt"/>
+            <p:ph type="dt" sz="half" idx="10"/>
           </p:nvPr>
         </p:nvSpPr>
         <p:spPr/>
@@ -3650,7 +3650,7 @@
             <a:spLocks noGrp="1"/>
           </p:cNvSpPr>
           <p:nvPr>
-            <p:ph idx="11" sz="quarter" type="ftr"/>
+            <p:ph type="ftr" sz="quarter" idx="11"/>
           </p:nvPr>
         </p:nvSpPr>
         <p:spPr/>
@@ -3669,7 +3669,7 @@
             <a:spLocks noGrp="1"/>
           </p:cNvSpPr>
           <p:nvPr>
-            <p:ph idx="12" sz="quarter" type="sldNum"/>
+            <p:ph type="sldNum" sz="quarter" idx="12"/>
           </p:nvPr>
         </p:nvSpPr>
         <p:spPr/>
@@ -3695,7 +3695,7 @@
 </file>
 
 <file path=ppt/slideLayouts/slideLayout2.xml><?xml version="1.0" encoding="utf-8"?>
-<p:sldLayout xmlns:a="http://schemas.openxmlformats.org/drawingml/2006/main" xmlns:p="http://schemas.openxmlformats.org/presentationml/2006/main" xmlns:r="http://schemas.openxmlformats.org/officeDocument/2006/relationships" preserve="1" type="obj">
+<p:sldLayout xmlns:a="http://schemas.openxmlformats.org/drawingml/2006/main" xmlns:r="http://schemas.openxmlformats.org/officeDocument/2006/relationships" xmlns:p="http://schemas.openxmlformats.org/presentationml/2006/main" type="obj" preserve="1">
   <p:cSld name="Title and Content">
     <p:spTree>
       <p:nvGrpSpPr>
@@ -3793,7 +3793,7 @@
             <a:spLocks noGrp="1"/>
           </p:cNvSpPr>
           <p:nvPr>
-            <p:ph idx="10" sz="half" type="dt"/>
+            <p:ph type="dt" sz="half" idx="10"/>
           </p:nvPr>
         </p:nvSpPr>
         <p:spPr/>
@@ -3817,7 +3817,7 @@
             <a:spLocks noGrp="1"/>
           </p:cNvSpPr>
           <p:nvPr>
-            <p:ph idx="11" sz="quarter" type="ftr"/>
+            <p:ph type="ftr" sz="quarter" idx="11"/>
           </p:nvPr>
         </p:nvSpPr>
         <p:spPr/>
@@ -3836,7 +3836,7 @@
             <a:spLocks noGrp="1"/>
           </p:cNvSpPr>
           <p:nvPr>
-            <p:ph idx="12" sz="quarter" type="sldNum"/>
+            <p:ph type="sldNum" sz="quarter" idx="12"/>
           </p:nvPr>
         </p:nvSpPr>
         <p:spPr/>
@@ -3862,7 +3862,7 @@
 </file>
 
 <file path=ppt/slideLayouts/slideLayout3.xml><?xml version="1.0" encoding="utf-8"?>
-<p:sldLayout xmlns:a="http://schemas.openxmlformats.org/drawingml/2006/main" xmlns:p="http://schemas.openxmlformats.org/presentationml/2006/main" xmlns:r="http://schemas.openxmlformats.org/officeDocument/2006/relationships" preserve="1" type="secHead">
+<p:sldLayout xmlns:a="http://schemas.openxmlformats.org/drawingml/2006/main" xmlns:r="http://schemas.openxmlformats.org/officeDocument/2006/relationships" xmlns:p="http://schemas.openxmlformats.org/presentationml/2006/main" type="secHead" preserve="1">
   <p:cSld name="Section Header">
     <p:spTree>
       <p:nvGrpSpPr>
@@ -3898,7 +3898,7 @@
           <a:bodyPr anchor="t"/>
           <a:lstStyle>
             <a:lvl1pPr algn="l">
-              <a:defRPr b="1" cap="all" sz="4000"/>
+              <a:defRPr sz="4000" b="1" cap="all"/>
             </a:lvl1pPr>
           </a:lstStyle>
           <a:p>
@@ -3917,7 +3917,7 @@
             <a:spLocks noGrp="1"/>
           </p:cNvSpPr>
           <p:nvPr>
-            <p:ph idx="1" type="body"/>
+            <p:ph type="body" idx="1"/>
           </p:nvPr>
         </p:nvSpPr>
         <p:spPr>
@@ -3929,7 +3929,7 @@
         <p:txBody>
           <a:bodyPr anchor="b"/>
           <a:lstStyle>
-            <a:lvl1pPr indent="0" marL="0">
+            <a:lvl1pPr marL="0" indent="0">
               <a:buNone/>
               <a:defRPr sz="2000">
                 <a:solidFill>
@@ -3939,7 +3939,7 @@
                 </a:solidFill>
               </a:defRPr>
             </a:lvl1pPr>
-            <a:lvl2pPr indent="0" marL="457200">
+            <a:lvl2pPr marL="457200" indent="0">
               <a:buNone/>
               <a:defRPr sz="1800">
                 <a:solidFill>
@@ -3949,7 +3949,7 @@
                 </a:solidFill>
               </a:defRPr>
             </a:lvl2pPr>
-            <a:lvl3pPr indent="0" marL="914400">
+            <a:lvl3pPr marL="914400" indent="0">
               <a:buNone/>
               <a:defRPr sz="1600">
                 <a:solidFill>
@@ -3959,7 +3959,7 @@
                 </a:solidFill>
               </a:defRPr>
             </a:lvl3pPr>
-            <a:lvl4pPr indent="0" marL="1371600">
+            <a:lvl4pPr marL="1371600" indent="0">
               <a:buNone/>
               <a:defRPr sz="1400">
                 <a:solidFill>
@@ -3969,7 +3969,7 @@
                 </a:solidFill>
               </a:defRPr>
             </a:lvl4pPr>
-            <a:lvl5pPr indent="0" marL="1828800">
+            <a:lvl5pPr marL="1828800" indent="0">
               <a:buNone/>
               <a:defRPr sz="1400">
                 <a:solidFill>
@@ -3979,7 +3979,7 @@
                 </a:solidFill>
               </a:defRPr>
             </a:lvl5pPr>
-            <a:lvl6pPr indent="0" marL="2286000">
+            <a:lvl6pPr marL="2286000" indent="0">
               <a:buNone/>
               <a:defRPr sz="1400">
                 <a:solidFill>
@@ -3989,7 +3989,7 @@
                 </a:solidFill>
               </a:defRPr>
             </a:lvl6pPr>
-            <a:lvl7pPr indent="0" marL="2743200">
+            <a:lvl7pPr marL="2743200" indent="0">
               <a:buNone/>
               <a:defRPr sz="1400">
                 <a:solidFill>
@@ -3999,7 +3999,7 @@
                 </a:solidFill>
               </a:defRPr>
             </a:lvl7pPr>
-            <a:lvl8pPr indent="0" marL="3200400">
+            <a:lvl8pPr marL="3200400" indent="0">
               <a:buNone/>
               <a:defRPr sz="1400">
                 <a:solidFill>
@@ -4009,7 +4009,7 @@
                 </a:solidFill>
               </a:defRPr>
             </a:lvl8pPr>
-            <a:lvl9pPr indent="0" marL="3657600">
+            <a:lvl9pPr marL="3657600" indent="0">
               <a:buNone/>
               <a:defRPr sz="1400">
                 <a:solidFill>
@@ -4036,7 +4036,7 @@
             <a:spLocks noGrp="1"/>
           </p:cNvSpPr>
           <p:nvPr>
-            <p:ph idx="10" sz="half" type="dt"/>
+            <p:ph type="dt" sz="half" idx="10"/>
           </p:nvPr>
         </p:nvSpPr>
         <p:spPr/>
@@ -4060,7 +4060,7 @@
             <a:spLocks noGrp="1"/>
           </p:cNvSpPr>
           <p:nvPr>
-            <p:ph idx="11" sz="quarter" type="ftr"/>
+            <p:ph type="ftr" sz="quarter" idx="11"/>
           </p:nvPr>
         </p:nvSpPr>
         <p:spPr/>
@@ -4079,7 +4079,7 @@
             <a:spLocks noGrp="1"/>
           </p:cNvSpPr>
           <p:nvPr>
-            <p:ph idx="12" sz="quarter" type="sldNum"/>
+            <p:ph type="sldNum" sz="quarter" idx="12"/>
           </p:nvPr>
         </p:nvSpPr>
         <p:spPr/>
@@ -4105,7 +4105,7 @@
 </file>
 
 <file path=ppt/slideLayouts/slideLayout4.xml><?xml version="1.0" encoding="utf-8"?>
-<p:sldLayout xmlns:a="http://schemas.openxmlformats.org/drawingml/2006/main" xmlns:p="http://schemas.openxmlformats.org/presentationml/2006/main" xmlns:r="http://schemas.openxmlformats.org/officeDocument/2006/relationships" preserve="1" type="twoObj">
+<p:sldLayout xmlns:a="http://schemas.openxmlformats.org/drawingml/2006/main" xmlns:r="http://schemas.openxmlformats.org/officeDocument/2006/relationships" xmlns:p="http://schemas.openxmlformats.org/presentationml/2006/main" type="twoObj" preserve="1">
   <p:cSld name="Two Content">
     <p:spTree>
       <p:nvGrpSpPr>
@@ -4151,7 +4151,7 @@
             <a:spLocks noGrp="1"/>
           </p:cNvSpPr>
           <p:nvPr>
-            <p:ph idx="1" sz="half"/>
+            <p:ph sz="half" idx="1"/>
           </p:nvPr>
         </p:nvSpPr>
         <p:spPr>
@@ -4236,7 +4236,7 @@
             <a:spLocks noGrp="1"/>
           </p:cNvSpPr>
           <p:nvPr>
-            <p:ph idx="2" sz="half"/>
+            <p:ph sz="half" idx="2"/>
           </p:nvPr>
         </p:nvSpPr>
         <p:spPr>
@@ -4321,7 +4321,7 @@
             <a:spLocks noGrp="1"/>
           </p:cNvSpPr>
           <p:nvPr>
-            <p:ph idx="10" sz="half" type="dt"/>
+            <p:ph type="dt" sz="half" idx="10"/>
           </p:nvPr>
         </p:nvSpPr>
         <p:spPr/>
@@ -4345,7 +4345,7 @@
             <a:spLocks noGrp="1"/>
           </p:cNvSpPr>
           <p:nvPr>
-            <p:ph idx="11" sz="quarter" type="ftr"/>
+            <p:ph type="ftr" sz="quarter" idx="11"/>
           </p:nvPr>
         </p:nvSpPr>
         <p:spPr/>
@@ -4364,7 +4364,7 @@
             <a:spLocks noGrp="1"/>
           </p:cNvSpPr>
           <p:nvPr>
-            <p:ph idx="12" sz="quarter" type="sldNum"/>
+            <p:ph type="sldNum" sz="quarter" idx="12"/>
           </p:nvPr>
         </p:nvSpPr>
         <p:spPr/>
@@ -4390,7 +4390,7 @@
 </file>
 
 <file path=ppt/slideLayouts/slideLayout5.xml><?xml version="1.0" encoding="utf-8"?>
-<p:sldLayout xmlns:a="http://schemas.openxmlformats.org/drawingml/2006/main" xmlns:p="http://schemas.openxmlformats.org/presentationml/2006/main" xmlns:r="http://schemas.openxmlformats.org/officeDocument/2006/relationships" preserve="1" type="twoTxTwoObj">
+<p:sldLayout xmlns:a="http://schemas.openxmlformats.org/drawingml/2006/main" xmlns:r="http://schemas.openxmlformats.org/officeDocument/2006/relationships" xmlns:p="http://schemas.openxmlformats.org/presentationml/2006/main" type="twoTxTwoObj" preserve="1">
   <p:cSld name="Comparison">
     <p:spTree>
       <p:nvGrpSpPr>
@@ -4440,7 +4440,7 @@
             <a:spLocks noGrp="1"/>
           </p:cNvSpPr>
           <p:nvPr>
-            <p:ph idx="1" type="body"/>
+            <p:ph type="body" idx="1"/>
           </p:nvPr>
         </p:nvSpPr>
         <p:spPr>
@@ -4452,41 +4452,41 @@
         <p:txBody>
           <a:bodyPr anchor="b"/>
           <a:lstStyle>
-            <a:lvl1pPr indent="0" marL="0">
+            <a:lvl1pPr marL="0" indent="0">
               <a:buNone/>
-              <a:defRPr b="1" sz="2400"/>
+              <a:defRPr sz="2400" b="1"/>
             </a:lvl1pPr>
-            <a:lvl2pPr indent="0" marL="457200">
+            <a:lvl2pPr marL="457200" indent="0">
               <a:buNone/>
-              <a:defRPr b="1" sz="2000"/>
+              <a:defRPr sz="2000" b="1"/>
             </a:lvl2pPr>
-            <a:lvl3pPr indent="0" marL="914400">
+            <a:lvl3pPr marL="914400" indent="0">
               <a:buNone/>
-              <a:defRPr b="1" sz="1800"/>
+              <a:defRPr sz="1800" b="1"/>
             </a:lvl3pPr>
-            <a:lvl4pPr indent="0" marL="1371600">
+            <a:lvl4pPr marL="1371600" indent="0">
               <a:buNone/>
-              <a:defRPr b="1" sz="1600"/>
+              <a:defRPr sz="1600" b="1"/>
             </a:lvl4pPr>
-            <a:lvl5pPr indent="0" marL="1828800">
+            <a:lvl5pPr marL="1828800" indent="0">
               <a:buNone/>
-              <a:defRPr b="1" sz="1600"/>
+              <a:defRPr sz="1600" b="1"/>
             </a:lvl5pPr>
-            <a:lvl6pPr indent="0" marL="2286000">
+            <a:lvl6pPr marL="2286000" indent="0">
               <a:buNone/>
-              <a:defRPr b="1" sz="1600"/>
+              <a:defRPr sz="1600" b="1"/>
             </a:lvl6pPr>
-            <a:lvl7pPr indent="0" marL="2743200">
+            <a:lvl7pPr marL="2743200" indent="0">
               <a:buNone/>
-              <a:defRPr b="1" sz="1600"/>
+              <a:defRPr sz="1600" b="1"/>
             </a:lvl7pPr>
-            <a:lvl8pPr indent="0" marL="3200400">
+            <a:lvl8pPr marL="3200400" indent="0">
               <a:buNone/>
-              <a:defRPr b="1" sz="1600"/>
+              <a:defRPr sz="1600" b="1"/>
             </a:lvl8pPr>
-            <a:lvl9pPr indent="0" marL="3657600">
+            <a:lvl9pPr marL="3657600" indent="0">
               <a:buNone/>
-              <a:defRPr b="1" sz="1600"/>
+              <a:defRPr sz="1600" b="1"/>
             </a:lvl9pPr>
           </a:lstStyle>
           <a:p>
@@ -4505,7 +4505,7 @@
             <a:spLocks noGrp="1"/>
           </p:cNvSpPr>
           <p:nvPr>
-            <p:ph idx="2" sz="half"/>
+            <p:ph sz="half" idx="2"/>
           </p:nvPr>
         </p:nvSpPr>
         <p:spPr>
@@ -4590,7 +4590,7 @@
             <a:spLocks noGrp="1"/>
           </p:cNvSpPr>
           <p:nvPr>
-            <p:ph idx="3" sz="quarter" type="body"/>
+            <p:ph type="body" sz="quarter" idx="3"/>
           </p:nvPr>
         </p:nvSpPr>
         <p:spPr>
@@ -4602,41 +4602,41 @@
         <p:txBody>
           <a:bodyPr anchor="b"/>
           <a:lstStyle>
-            <a:lvl1pPr indent="0" marL="0">
+            <a:lvl1pPr marL="0" indent="0">
               <a:buNone/>
-              <a:defRPr b="1" sz="2400"/>
+              <a:defRPr sz="2400" b="1"/>
             </a:lvl1pPr>
-            <a:lvl2pPr indent="0" marL="457200">
+            <a:lvl2pPr marL="457200" indent="0">
               <a:buNone/>
-              <a:defRPr b="1" sz="2000"/>
+              <a:defRPr sz="2000" b="1"/>
             </a:lvl2pPr>
-            <a:lvl3pPr indent="0" marL="914400">
+            <a:lvl3pPr marL="914400" indent="0">
               <a:buNone/>
-              <a:defRPr b="1" sz="1800"/>
+              <a:defRPr sz="1800" b="1"/>
             </a:lvl3pPr>
-            <a:lvl4pPr indent="0" marL="1371600">
+            <a:lvl4pPr marL="1371600" indent="0">
               <a:buNone/>
-              <a:defRPr b="1" sz="1600"/>
+              <a:defRPr sz="1600" b="1"/>
             </a:lvl4pPr>
-            <a:lvl5pPr indent="0" marL="1828800">
+            <a:lvl5pPr marL="1828800" indent="0">
               <a:buNone/>
-              <a:defRPr b="1" sz="1600"/>
+              <a:defRPr sz="1600" b="1"/>
             </a:lvl5pPr>
-            <a:lvl6pPr indent="0" marL="2286000">
+            <a:lvl6pPr marL="2286000" indent="0">
               <a:buNone/>
-              <a:defRPr b="1" sz="1600"/>
+              <a:defRPr sz="1600" b="1"/>
             </a:lvl6pPr>
-            <a:lvl7pPr indent="0" marL="2743200">
+            <a:lvl7pPr marL="2743200" indent="0">
               <a:buNone/>
-              <a:defRPr b="1" sz="1600"/>
+              <a:defRPr sz="1600" b="1"/>
             </a:lvl7pPr>
-            <a:lvl8pPr indent="0" marL="3200400">
+            <a:lvl8pPr marL="3200400" indent="0">
               <a:buNone/>
-              <a:defRPr b="1" sz="1600"/>
+              <a:defRPr sz="1600" b="1"/>
             </a:lvl8pPr>
-            <a:lvl9pPr indent="0" marL="3657600">
+            <a:lvl9pPr marL="3657600" indent="0">
               <a:buNone/>
-              <a:defRPr b="1" sz="1600"/>
+              <a:defRPr sz="1600" b="1"/>
             </a:lvl9pPr>
           </a:lstStyle>
           <a:p>
@@ -4655,7 +4655,7 @@
             <a:spLocks noGrp="1"/>
           </p:cNvSpPr>
           <p:nvPr>
-            <p:ph idx="4" sz="quarter"/>
+            <p:ph sz="quarter" idx="4"/>
           </p:nvPr>
         </p:nvSpPr>
         <p:spPr>
@@ -4740,7 +4740,7 @@
             <a:spLocks noGrp="1"/>
           </p:cNvSpPr>
           <p:nvPr>
-            <p:ph idx="10" sz="half" type="dt"/>
+            <p:ph type="dt" sz="half" idx="10"/>
           </p:nvPr>
         </p:nvSpPr>
         <p:spPr/>
@@ -4764,7 +4764,7 @@
             <a:spLocks noGrp="1"/>
           </p:cNvSpPr>
           <p:nvPr>
-            <p:ph idx="11" sz="quarter" type="ftr"/>
+            <p:ph type="ftr" sz="quarter" idx="11"/>
           </p:nvPr>
         </p:nvSpPr>
         <p:spPr/>
@@ -4783,7 +4783,7 @@
             <a:spLocks noGrp="1"/>
           </p:cNvSpPr>
           <p:nvPr>
-            <p:ph idx="12" sz="quarter" type="sldNum"/>
+            <p:ph type="sldNum" sz="quarter" idx="12"/>
           </p:nvPr>
         </p:nvSpPr>
         <p:spPr/>
@@ -4809,7 +4809,7 @@
 </file>
 
 <file path=ppt/slideLayouts/slideLayout6.xml><?xml version="1.0" encoding="utf-8"?>
-<p:sldLayout xmlns:a="http://schemas.openxmlformats.org/drawingml/2006/main" xmlns:p="http://schemas.openxmlformats.org/presentationml/2006/main" xmlns:r="http://schemas.openxmlformats.org/officeDocument/2006/relationships" preserve="1" type="titleOnly">
+<p:sldLayout xmlns:a="http://schemas.openxmlformats.org/drawingml/2006/main" xmlns:r="http://schemas.openxmlformats.org/officeDocument/2006/relationships" xmlns:p="http://schemas.openxmlformats.org/presentationml/2006/main" type="titleOnly" preserve="1">
   <p:cSld name="Title Only">
     <p:spTree>
       <p:nvGrpSpPr>
@@ -4855,7 +4855,7 @@
             <a:spLocks noGrp="1"/>
           </p:cNvSpPr>
           <p:nvPr>
-            <p:ph idx="10" sz="half" type="dt"/>
+            <p:ph type="dt" sz="half" idx="10"/>
           </p:nvPr>
         </p:nvSpPr>
         <p:spPr/>
@@ -4879,7 +4879,7 @@
             <a:spLocks noGrp="1"/>
           </p:cNvSpPr>
           <p:nvPr>
-            <p:ph idx="11" sz="quarter" type="ftr"/>
+            <p:ph type="ftr" sz="quarter" idx="11"/>
           </p:nvPr>
         </p:nvSpPr>
         <p:spPr/>
@@ -4898,7 +4898,7 @@
             <a:spLocks noGrp="1"/>
           </p:cNvSpPr>
           <p:nvPr>
-            <p:ph idx="12" sz="quarter" type="sldNum"/>
+            <p:ph type="sldNum" sz="quarter" idx="12"/>
           </p:nvPr>
         </p:nvSpPr>
         <p:spPr/>
@@ -4924,7 +4924,7 @@
 </file>
 
 <file path=ppt/slideLayouts/slideLayout7.xml><?xml version="1.0" encoding="utf-8"?>
-<p:sldLayout xmlns:a="http://schemas.openxmlformats.org/drawingml/2006/main" xmlns:p="http://schemas.openxmlformats.org/presentationml/2006/main" xmlns:r="http://schemas.openxmlformats.org/officeDocument/2006/relationships" preserve="1" type="blank">
+<p:sldLayout xmlns:a="http://schemas.openxmlformats.org/drawingml/2006/main" xmlns:r="http://schemas.openxmlformats.org/officeDocument/2006/relationships" xmlns:p="http://schemas.openxmlformats.org/presentationml/2006/main" type="blank" preserve="1">
   <p:cSld name="Blank">
     <p:spTree>
       <p:nvGrpSpPr>
@@ -4947,7 +4947,7 @@
             <a:spLocks noGrp="1"/>
           </p:cNvSpPr>
           <p:nvPr>
-            <p:ph idx="10" sz="half" type="dt"/>
+            <p:ph type="dt" sz="half" idx="10"/>
           </p:nvPr>
         </p:nvSpPr>
         <p:spPr/>
@@ -4971,7 +4971,7 @@
             <a:spLocks noGrp="1"/>
           </p:cNvSpPr>
           <p:nvPr>
-            <p:ph idx="11" sz="quarter" type="ftr"/>
+            <p:ph type="ftr" sz="quarter" idx="11"/>
           </p:nvPr>
         </p:nvSpPr>
         <p:spPr/>
@@ -4990,7 +4990,7 @@
             <a:spLocks noGrp="1"/>
           </p:cNvSpPr>
           <p:nvPr>
-            <p:ph idx="12" sz="quarter" type="sldNum"/>
+            <p:ph type="sldNum" sz="quarter" idx="12"/>
           </p:nvPr>
         </p:nvSpPr>
         <p:spPr/>
@@ -5016,7 +5016,7 @@
 </file>
 
 <file path=ppt/slideLayouts/slideLayout8.xml><?xml version="1.0" encoding="utf-8"?>
-<p:sldLayout xmlns:a="http://schemas.openxmlformats.org/drawingml/2006/main" xmlns:p="http://schemas.openxmlformats.org/presentationml/2006/main" xmlns:r="http://schemas.openxmlformats.org/officeDocument/2006/relationships" preserve="1" type="objTx">
+<p:sldLayout xmlns:a="http://schemas.openxmlformats.org/drawingml/2006/main" xmlns:r="http://schemas.openxmlformats.org/officeDocument/2006/relationships" xmlns:p="http://schemas.openxmlformats.org/presentationml/2006/main" type="objTx" preserve="1">
   <p:cSld name="Content with Caption">
     <p:spTree>
       <p:nvGrpSpPr>
@@ -5052,7 +5052,7 @@
           <a:bodyPr anchor="b"/>
           <a:lstStyle>
             <a:lvl1pPr algn="l">
-              <a:defRPr b="1" sz="2000"/>
+              <a:defRPr sz="2000" b="1"/>
             </a:lvl1pPr>
           </a:lstStyle>
           <a:p>
@@ -5156,7 +5156,7 @@
             <a:spLocks noGrp="1"/>
           </p:cNvSpPr>
           <p:nvPr>
-            <p:ph idx="2" sz="half" type="body"/>
+            <p:ph type="body" sz="half" idx="2"/>
           </p:nvPr>
         </p:nvSpPr>
         <p:spPr>
@@ -5168,39 +5168,39 @@
         <p:txBody>
           <a:bodyPr/>
           <a:lstStyle>
-            <a:lvl1pPr indent="0" marL="0">
+            <a:lvl1pPr marL="0" indent="0">
               <a:buNone/>
               <a:defRPr sz="1400"/>
             </a:lvl1pPr>
-            <a:lvl2pPr indent="0" marL="457200">
+            <a:lvl2pPr marL="457200" indent="0">
               <a:buNone/>
               <a:defRPr sz="1200"/>
             </a:lvl2pPr>
-            <a:lvl3pPr indent="0" marL="914400">
+            <a:lvl3pPr marL="914400" indent="0">
               <a:buNone/>
               <a:defRPr sz="1000"/>
             </a:lvl3pPr>
-            <a:lvl4pPr indent="0" marL="1371600">
+            <a:lvl4pPr marL="1371600" indent="0">
               <a:buNone/>
               <a:defRPr sz="900"/>
             </a:lvl4pPr>
-            <a:lvl5pPr indent="0" marL="1828800">
+            <a:lvl5pPr marL="1828800" indent="0">
               <a:buNone/>
               <a:defRPr sz="900"/>
             </a:lvl5pPr>
-            <a:lvl6pPr indent="0" marL="2286000">
+            <a:lvl6pPr marL="2286000" indent="0">
               <a:buNone/>
               <a:defRPr sz="900"/>
             </a:lvl6pPr>
-            <a:lvl7pPr indent="0" marL="2743200">
+            <a:lvl7pPr marL="2743200" indent="0">
               <a:buNone/>
               <a:defRPr sz="900"/>
             </a:lvl7pPr>
-            <a:lvl8pPr indent="0" marL="3200400">
+            <a:lvl8pPr marL="3200400" indent="0">
               <a:buNone/>
               <a:defRPr sz="900"/>
             </a:lvl8pPr>
-            <a:lvl9pPr indent="0" marL="3657600">
+            <a:lvl9pPr marL="3657600" indent="0">
               <a:buNone/>
               <a:defRPr sz="900"/>
             </a:lvl9pPr>
@@ -5221,7 +5221,7 @@
             <a:spLocks noGrp="1"/>
           </p:cNvSpPr>
           <p:nvPr>
-            <p:ph idx="10" sz="half" type="dt"/>
+            <p:ph type="dt" sz="half" idx="10"/>
           </p:nvPr>
         </p:nvSpPr>
         <p:spPr/>
@@ -5245,7 +5245,7 @@
             <a:spLocks noGrp="1"/>
           </p:cNvSpPr>
           <p:nvPr>
-            <p:ph idx="11" sz="quarter" type="ftr"/>
+            <p:ph type="ftr" sz="quarter" idx="11"/>
           </p:nvPr>
         </p:nvSpPr>
         <p:spPr/>
@@ -5264,7 +5264,7 @@
             <a:spLocks noGrp="1"/>
           </p:cNvSpPr>
           <p:nvPr>
-            <p:ph idx="12" sz="quarter" type="sldNum"/>
+            <p:ph type="sldNum" sz="quarter" idx="12"/>
           </p:nvPr>
         </p:nvSpPr>
         <p:spPr/>
@@ -5290,7 +5290,7 @@
 </file>
 
 <file path=ppt/slideLayouts/slideLayout9.xml><?xml version="1.0" encoding="utf-8"?>
-<p:sldLayout xmlns:a="http://schemas.openxmlformats.org/drawingml/2006/main" xmlns:p="http://schemas.openxmlformats.org/presentationml/2006/main" xmlns:r="http://schemas.openxmlformats.org/officeDocument/2006/relationships" preserve="1" type="picTx">
+<p:sldLayout xmlns:a="http://schemas.openxmlformats.org/drawingml/2006/main" xmlns:r="http://schemas.openxmlformats.org/officeDocument/2006/relationships" xmlns:p="http://schemas.openxmlformats.org/presentationml/2006/main" type="picTx" preserve="1">
   <p:cSld name="Picture with Caption">
     <p:spTree>
       <p:nvGrpSpPr>
@@ -5326,7 +5326,7 @@
           <a:bodyPr anchor="b"/>
           <a:lstStyle>
             <a:lvl1pPr algn="l">
-              <a:defRPr b="1" sz="2000"/>
+              <a:defRPr sz="2000" b="1"/>
             </a:lvl1pPr>
           </a:lstStyle>
           <a:p>
@@ -5345,7 +5345,7 @@
             <a:spLocks noGrp="1"/>
           </p:cNvSpPr>
           <p:nvPr>
-            <p:ph idx="1" type="pic"/>
+            <p:ph type="pic" idx="1"/>
           </p:nvPr>
         </p:nvSpPr>
         <p:spPr>
@@ -5357,39 +5357,39 @@
         <p:txBody>
           <a:bodyPr/>
           <a:lstStyle>
-            <a:lvl1pPr indent="0" marL="0">
+            <a:lvl1pPr marL="0" indent="0">
               <a:buNone/>
               <a:defRPr sz="3200"/>
             </a:lvl1pPr>
-            <a:lvl2pPr indent="0" marL="457200">
+            <a:lvl2pPr marL="457200" indent="0">
               <a:buNone/>
               <a:defRPr sz="2800"/>
             </a:lvl2pPr>
-            <a:lvl3pPr indent="0" marL="914400">
+            <a:lvl3pPr marL="914400" indent="0">
               <a:buNone/>
               <a:defRPr sz="2400"/>
             </a:lvl3pPr>
-            <a:lvl4pPr indent="0" marL="1371600">
+            <a:lvl4pPr marL="1371600" indent="0">
               <a:buNone/>
               <a:defRPr sz="2000"/>
             </a:lvl4pPr>
-            <a:lvl5pPr indent="0" marL="1828800">
+            <a:lvl5pPr marL="1828800" indent="0">
               <a:buNone/>
               <a:defRPr sz="2000"/>
             </a:lvl5pPr>
-            <a:lvl6pPr indent="0" marL="2286000">
+            <a:lvl6pPr marL="2286000" indent="0">
               <a:buNone/>
               <a:defRPr sz="2000"/>
             </a:lvl6pPr>
-            <a:lvl7pPr indent="0" marL="2743200">
+            <a:lvl7pPr marL="2743200" indent="0">
               <a:buNone/>
               <a:defRPr sz="2000"/>
             </a:lvl7pPr>
-            <a:lvl8pPr indent="0" marL="3200400">
+            <a:lvl8pPr marL="3200400" indent="0">
               <a:buNone/>
               <a:defRPr sz="2000"/>
             </a:lvl8pPr>
-            <a:lvl9pPr indent="0" marL="3657600">
+            <a:lvl9pPr marL="3657600" indent="0">
               <a:buNone/>
               <a:defRPr sz="2000"/>
             </a:lvl9pPr>
@@ -5406,7 +5406,7 @@
             <a:spLocks noGrp="1"/>
           </p:cNvSpPr>
           <p:nvPr>
-            <p:ph idx="2" sz="half" type="body"/>
+            <p:ph type="body" sz="half" idx="2"/>
           </p:nvPr>
         </p:nvSpPr>
         <p:spPr>
@@ -5418,39 +5418,39 @@
         <p:txBody>
           <a:bodyPr/>
           <a:lstStyle>
-            <a:lvl1pPr indent="0" marL="0">
+            <a:lvl1pPr marL="0" indent="0">
               <a:buNone/>
               <a:defRPr sz="1400"/>
             </a:lvl1pPr>
-            <a:lvl2pPr indent="0" marL="457200">
+            <a:lvl2pPr marL="457200" indent="0">
               <a:buNone/>
               <a:defRPr sz="1200"/>
             </a:lvl2pPr>
-            <a:lvl3pPr indent="0" marL="914400">
+            <a:lvl3pPr marL="914400" indent="0">
               <a:buNone/>
               <a:defRPr sz="1000"/>
             </a:lvl3pPr>
-            <a:lvl4pPr indent="0" marL="1371600">
+            <a:lvl4pPr marL="1371600" indent="0">
               <a:buNone/>
               <a:defRPr sz="900"/>
             </a:lvl4pPr>
-            <a:lvl5pPr indent="0" marL="1828800">
+            <a:lvl5pPr marL="1828800" indent="0">
               <a:buNone/>
               <a:defRPr sz="900"/>
             </a:lvl5pPr>
-            <a:lvl6pPr indent="0" marL="2286000">
+            <a:lvl6pPr marL="2286000" indent="0">
               <a:buNone/>
               <a:defRPr sz="900"/>
             </a:lvl6pPr>
-            <a:lvl7pPr indent="0" marL="2743200">
+            <a:lvl7pPr marL="2743200" indent="0">
               <a:buNone/>
               <a:defRPr sz="900"/>
             </a:lvl7pPr>
-            <a:lvl8pPr indent="0" marL="3200400">
+            <a:lvl8pPr marL="3200400" indent="0">
               <a:buNone/>
               <a:defRPr sz="900"/>
             </a:lvl8pPr>
-            <a:lvl9pPr indent="0" marL="3657600">
+            <a:lvl9pPr marL="3657600" indent="0">
               <a:buNone/>
               <a:defRPr sz="900"/>
             </a:lvl9pPr>
@@ -5471,7 +5471,7 @@
             <a:spLocks noGrp="1"/>
           </p:cNvSpPr>
           <p:nvPr>
-            <p:ph idx="10" sz="half" type="dt"/>
+            <p:ph type="dt" sz="half" idx="10"/>
           </p:nvPr>
         </p:nvSpPr>
         <p:spPr/>
@@ -5495,7 +5495,7 @@
             <a:spLocks noGrp="1"/>
           </p:cNvSpPr>
           <p:nvPr>
-            <p:ph idx="11" sz="quarter" type="ftr"/>
+            <p:ph type="ftr" sz="quarter" idx="11"/>
           </p:nvPr>
         </p:nvSpPr>
         <p:spPr/>
@@ -5514,7 +5514,7 @@
             <a:spLocks noGrp="1"/>
           </p:cNvSpPr>
           <p:nvPr>
-            <p:ph idx="12" sz="quarter" type="sldNum"/>
+            <p:ph type="sldNum" sz="quarter" idx="12"/>
           </p:nvPr>
         </p:nvSpPr>
         <p:spPr/>
@@ -5540,7 +5540,7 @@
 </file>
 
 <file path=ppt/slideMasters/slideMaster1.xml><?xml version="1.0" encoding="utf-8"?>
-<p:sldMaster xmlns:a="http://schemas.openxmlformats.org/drawingml/2006/main" xmlns:p="http://schemas.openxmlformats.org/presentationml/2006/main" xmlns:r="http://schemas.openxmlformats.org/officeDocument/2006/relationships">
+<p:sldMaster xmlns:a="http://schemas.openxmlformats.org/drawingml/2006/main" xmlns:r="http://schemas.openxmlformats.org/officeDocument/2006/relationships" xmlns:p="http://schemas.openxmlformats.org/presentationml/2006/main">
   <p:cSld>
     <p:bg>
       <p:bgRef idx="1001">
@@ -5581,7 +5581,7 @@
           </a:prstGeom>
         </p:spPr>
         <p:txBody>
-          <a:bodyPr anchor="ctr" bIns="45720" lIns="91440" rIns="91440" rtlCol="0" tIns="45720" vert="horz">
+          <a:bodyPr vert="horz" lIns="91440" tIns="45720" rIns="91440" bIns="45720" rtlCol="0" anchor="ctr">
             <a:normAutofit/>
           </a:bodyPr>
           <a:lstStyle/>
@@ -5601,7 +5601,7 @@
             <a:spLocks noGrp="1"/>
           </p:cNvSpPr>
           <p:nvPr>
-            <p:ph idx="1" type="body"/>
+            <p:ph type="body" idx="1"/>
           </p:nvPr>
         </p:nvSpPr>
         <p:spPr>
@@ -5614,7 +5614,7 @@
           </a:prstGeom>
         </p:spPr>
         <p:txBody>
-          <a:bodyPr bIns="45720" lIns="91440" rIns="91440" rtlCol="0" tIns="45720" vert="horz">
+          <a:bodyPr vert="horz" lIns="91440" tIns="45720" rIns="91440" bIns="45720" rtlCol="0">
             <a:normAutofit/>
           </a:bodyPr>
           <a:lstStyle/>
@@ -5663,7 +5663,7 @@
             <a:spLocks noGrp="1"/>
           </p:cNvSpPr>
           <p:nvPr>
-            <p:ph idx="2" sz="half" type="dt"/>
+            <p:ph type="dt" sz="half" idx="2"/>
           </p:nvPr>
         </p:nvSpPr>
         <p:spPr>
@@ -5676,7 +5676,7 @@
           </a:prstGeom>
         </p:spPr>
         <p:txBody>
-          <a:bodyPr anchor="ctr" bIns="45720" lIns="91440" rIns="91440" rtlCol="0" tIns="45720" vert="horz"/>
+          <a:bodyPr vert="horz" lIns="91440" tIns="45720" rIns="91440" bIns="45720" rtlCol="0" anchor="ctr"/>
           <a:lstStyle>
             <a:lvl1pPr algn="l">
               <a:defRPr sz="1200">
@@ -5705,7 +5705,7 @@
             <a:spLocks noGrp="1"/>
           </p:cNvSpPr>
           <p:nvPr>
-            <p:ph idx="3" sz="quarter" type="ftr"/>
+            <p:ph type="ftr" sz="quarter" idx="3"/>
           </p:nvPr>
         </p:nvSpPr>
         <p:spPr>
@@ -5718,7 +5718,7 @@
           </a:prstGeom>
         </p:spPr>
         <p:txBody>
-          <a:bodyPr anchor="ctr" bIns="45720" lIns="91440" rIns="91440" rtlCol="0" tIns="45720" vert="horz"/>
+          <a:bodyPr vert="horz" lIns="91440" tIns="45720" rIns="91440" bIns="45720" rtlCol="0" anchor="ctr"/>
           <a:lstStyle>
             <a:lvl1pPr algn="ctr">
               <a:defRPr sz="1200">
@@ -5742,7 +5742,7 @@
             <a:spLocks noGrp="1"/>
           </p:cNvSpPr>
           <p:nvPr>
-            <p:ph idx="4" sz="quarter" type="sldNum"/>
+            <p:ph type="sldNum" sz="quarter" idx="4"/>
           </p:nvPr>
         </p:nvSpPr>
         <p:spPr>
@@ -5755,7 +5755,7 @@
           </a:prstGeom>
         </p:spPr>
         <p:txBody>
-          <a:bodyPr anchor="ctr" bIns="45720" lIns="91440" rIns="91440" rtlCol="0" tIns="45720" vert="horz"/>
+          <a:bodyPr vert="horz" lIns="91440" tIns="45720" rIns="91440" bIns="45720" rtlCol="0" anchor="ctr"/>
           <a:lstStyle>
             <a:lvl1pPr algn="r">
               <a:defRPr sz="1200">
@@ -5779,7 +5779,7 @@
       </p:sp>
     </p:spTree>
   </p:cSld>
-  <p:clrMap accent1="accent1" accent2="accent2" accent3="accent3" accent4="accent4" accent5="accent5" accent6="accent6" bg1="lt1" bg2="lt2" folHlink="folHlink" hlink="hlink" tx1="dk1" tx2="dk2"/>
+  <p:clrMap bg1="lt1" tx1="dk1" bg2="lt2" tx2="dk2" accent1="accent1" accent2="accent2" accent3="accent3" accent4="accent4" accent5="accent5" accent6="accent6" hlink="hlink" folHlink="folHlink"/>
   <p:sldLayoutIdLst>
     <p:sldLayoutId id="2147483649" r:id="rId1"/>
     <p:sldLayoutId id="2147483650" r:id="rId2"/>
@@ -5795,12 +5795,12 @@
   </p:sldLayoutIdLst>
   <p:txStyles>
     <p:titleStyle>
-      <a:lvl1pPr algn="ctr" defTabSz="914400" eaLnBrk="1" hangingPunct="1" latinLnBrk="0" rtl="0">
+      <a:lvl1pPr algn="ctr" defTabSz="914400" rtl="0" eaLnBrk="1" latinLnBrk="0" hangingPunct="1">
         <a:spcBef>
           <a:spcPct val="0"/>
         </a:spcBef>
         <a:buNone/>
-        <a:defRPr kern="1200" sz="4400">
+        <a:defRPr sz="4400" kern="1200">
           <a:solidFill>
             <a:schemeClr val="tx1"/>
           </a:solidFill>
@@ -5811,13 +5811,13 @@
       </a:lvl1pPr>
     </p:titleStyle>
     <p:bodyStyle>
-      <a:lvl1pPr algn="l" defTabSz="914400" eaLnBrk="1" hangingPunct="1" indent="-342900" latinLnBrk="0" marL="342900" rtl="0">
+      <a:lvl1pPr marL="342900" indent="-342900" algn="l" defTabSz="914400" rtl="0" eaLnBrk="1" latinLnBrk="0" hangingPunct="1">
         <a:spcBef>
           <a:spcPct val="20000"/>
         </a:spcBef>
-        <a:buFont charset="0" pitchFamily="34" typeface="Arial"/>
+        <a:buFont typeface="Arial" pitchFamily="34" charset="0"/>
         <a:buChar char="•"/>
-        <a:defRPr kern="1200" sz="3200">
+        <a:defRPr sz="3200" kern="1200">
           <a:solidFill>
             <a:schemeClr val="tx1"/>
           </a:solidFill>
@@ -5826,13 +5826,13 @@
           <a:cs typeface="+mn-cs"/>
         </a:defRPr>
       </a:lvl1pPr>
-      <a:lvl2pPr algn="l" defTabSz="914400" eaLnBrk="1" hangingPunct="1" indent="-285750" latinLnBrk="0" marL="742950" rtl="0">
+      <a:lvl2pPr marL="742950" indent="-285750" algn="l" defTabSz="914400" rtl="0" eaLnBrk="1" latinLnBrk="0" hangingPunct="1">
         <a:spcBef>
           <a:spcPct val="20000"/>
         </a:spcBef>
-        <a:buFont charset="0" pitchFamily="34" typeface="Arial"/>
+        <a:buFont typeface="Arial" pitchFamily="34" charset="0"/>
         <a:buChar char="–"/>
-        <a:defRPr kern="1200" sz="2800">
+        <a:defRPr sz="2800" kern="1200">
           <a:solidFill>
             <a:schemeClr val="tx1"/>
           </a:solidFill>
@@ -5841,13 +5841,13 @@
           <a:cs typeface="+mn-cs"/>
         </a:defRPr>
       </a:lvl2pPr>
-      <a:lvl3pPr algn="l" defTabSz="914400" eaLnBrk="1" hangingPunct="1" indent="-228600" latinLnBrk="0" marL="1143000" rtl="0">
+      <a:lvl3pPr marL="1143000" indent="-228600" algn="l" defTabSz="914400" rtl="0" eaLnBrk="1" latinLnBrk="0" hangingPunct="1">
         <a:spcBef>
           <a:spcPct val="20000"/>
         </a:spcBef>
-        <a:buFont charset="0" pitchFamily="34" typeface="Arial"/>
+        <a:buFont typeface="Arial" pitchFamily="34" charset="0"/>
         <a:buChar char="•"/>
-        <a:defRPr kern="1200" sz="2400">
+        <a:defRPr sz="2400" kern="1200">
           <a:solidFill>
             <a:schemeClr val="tx1"/>
           </a:solidFill>
@@ -5856,13 +5856,13 @@
           <a:cs typeface="+mn-cs"/>
         </a:defRPr>
       </a:lvl3pPr>
-      <a:lvl4pPr algn="l" defTabSz="914400" eaLnBrk="1" hangingPunct="1" indent="-228600" latinLnBrk="0" marL="1600200" rtl="0">
+      <a:lvl4pPr marL="1600200" indent="-228600" algn="l" defTabSz="914400" rtl="0" eaLnBrk="1" latinLnBrk="0" hangingPunct="1">
         <a:spcBef>
           <a:spcPct val="20000"/>
         </a:spcBef>
-        <a:buFont charset="0" pitchFamily="34" typeface="Arial"/>
+        <a:buFont typeface="Arial" pitchFamily="34" charset="0"/>
         <a:buChar char="–"/>
-        <a:defRPr kern="1200" sz="2000">
+        <a:defRPr sz="2000" kern="1200">
           <a:solidFill>
             <a:schemeClr val="tx1"/>
           </a:solidFill>
@@ -5871,13 +5871,13 @@
           <a:cs typeface="+mn-cs"/>
         </a:defRPr>
       </a:lvl4pPr>
-      <a:lvl5pPr algn="l" defTabSz="914400" eaLnBrk="1" hangingPunct="1" indent="-228600" latinLnBrk="0" marL="2057400" rtl="0">
+      <a:lvl5pPr marL="2057400" indent="-228600" algn="l" defTabSz="914400" rtl="0" eaLnBrk="1" latinLnBrk="0" hangingPunct="1">
         <a:spcBef>
           <a:spcPct val="20000"/>
         </a:spcBef>
-        <a:buFont charset="0" pitchFamily="34" typeface="Arial"/>
+        <a:buFont typeface="Arial" pitchFamily="34" charset="0"/>
         <a:buChar char="»"/>
-        <a:defRPr kern="1200" sz="2000">
+        <a:defRPr sz="2000" kern="1200">
           <a:solidFill>
             <a:schemeClr val="tx1"/>
           </a:solidFill>
@@ -5886,13 +5886,13 @@
           <a:cs typeface="+mn-cs"/>
         </a:defRPr>
       </a:lvl5pPr>
-      <a:lvl6pPr algn="l" defTabSz="914400" eaLnBrk="1" hangingPunct="1" indent="-228600" latinLnBrk="0" marL="2514600" rtl="0">
+      <a:lvl6pPr marL="2514600" indent="-228600" algn="l" defTabSz="914400" rtl="0" eaLnBrk="1" latinLnBrk="0" hangingPunct="1">
         <a:spcBef>
           <a:spcPct val="20000"/>
         </a:spcBef>
-        <a:buFont charset="0" pitchFamily="34" typeface="Arial"/>
+        <a:buFont typeface="Arial" pitchFamily="34" charset="0"/>
         <a:buChar char="•"/>
-        <a:defRPr kern="1200" sz="2000">
+        <a:defRPr sz="2000" kern="1200">
           <a:solidFill>
             <a:schemeClr val="tx1"/>
           </a:solidFill>
@@ -5901,13 +5901,13 @@
           <a:cs typeface="+mn-cs"/>
         </a:defRPr>
       </a:lvl6pPr>
-      <a:lvl7pPr algn="l" defTabSz="914400" eaLnBrk="1" hangingPunct="1" indent="-228600" latinLnBrk="0" marL="2971800" rtl="0">
+      <a:lvl7pPr marL="2971800" indent="-228600" algn="l" defTabSz="914400" rtl="0" eaLnBrk="1" latinLnBrk="0" hangingPunct="1">
         <a:spcBef>
           <a:spcPct val="20000"/>
         </a:spcBef>
-        <a:buFont charset="0" pitchFamily="34" typeface="Arial"/>
+        <a:buFont typeface="Arial" pitchFamily="34" charset="0"/>
         <a:buChar char="•"/>
-        <a:defRPr kern="1200" sz="2000">
+        <a:defRPr sz="2000" kern="1200">
           <a:solidFill>
             <a:schemeClr val="tx1"/>
           </a:solidFill>
@@ -5916,13 +5916,13 @@
           <a:cs typeface="+mn-cs"/>
         </a:defRPr>
       </a:lvl7pPr>
-      <a:lvl8pPr algn="l" defTabSz="914400" eaLnBrk="1" hangingPunct="1" indent="-228600" latinLnBrk="0" marL="3429000" rtl="0">
+      <a:lvl8pPr marL="3429000" indent="-228600" algn="l" defTabSz="914400" rtl="0" eaLnBrk="1" latinLnBrk="0" hangingPunct="1">
         <a:spcBef>
           <a:spcPct val="20000"/>
         </a:spcBef>
-        <a:buFont charset="0" pitchFamily="34" typeface="Arial"/>
+        <a:buFont typeface="Arial" pitchFamily="34" charset="0"/>
         <a:buChar char="•"/>
-        <a:defRPr kern="1200" sz="2000">
+        <a:defRPr sz="2000" kern="1200">
           <a:solidFill>
             <a:schemeClr val="tx1"/>
           </a:solidFill>
@@ -5931,13 +5931,13 @@
           <a:cs typeface="+mn-cs"/>
         </a:defRPr>
       </a:lvl8pPr>
-      <a:lvl9pPr algn="l" defTabSz="914400" eaLnBrk="1" hangingPunct="1" indent="-228600" latinLnBrk="0" marL="3886200" rtl="0">
+      <a:lvl9pPr marL="3886200" indent="-228600" algn="l" defTabSz="914400" rtl="0" eaLnBrk="1" latinLnBrk="0" hangingPunct="1">
         <a:spcBef>
           <a:spcPct val="20000"/>
         </a:spcBef>
-        <a:buFont charset="0" pitchFamily="34" typeface="Arial"/>
+        <a:buFont typeface="Arial" pitchFamily="34" charset="0"/>
         <a:buChar char="•"/>
-        <a:defRPr kern="1200" sz="2000">
+        <a:defRPr sz="2000" kern="1200">
           <a:solidFill>
             <a:schemeClr val="tx1"/>
           </a:solidFill>
@@ -5951,8 +5951,8 @@
       <a:defPPr>
         <a:defRPr lang="en-US"/>
       </a:defPPr>
-      <a:lvl1pPr algn="l" defTabSz="914400" eaLnBrk="1" hangingPunct="1" latinLnBrk="0" marL="0" rtl="0">
-        <a:defRPr kern="1200" sz="1800">
+      <a:lvl1pPr marL="0" algn="l" defTabSz="914400" rtl="0" eaLnBrk="1" latinLnBrk="0" hangingPunct="1">
+        <a:defRPr sz="1800" kern="1200">
           <a:solidFill>
             <a:schemeClr val="tx1"/>
           </a:solidFill>
@@ -5961,8 +5961,8 @@
           <a:cs typeface="+mn-cs"/>
         </a:defRPr>
       </a:lvl1pPr>
-      <a:lvl2pPr algn="l" defTabSz="914400" eaLnBrk="1" hangingPunct="1" latinLnBrk="0" marL="457200" rtl="0">
-        <a:defRPr kern="1200" sz="1800">
+      <a:lvl2pPr marL="457200" algn="l" defTabSz="914400" rtl="0" eaLnBrk="1" latinLnBrk="0" hangingPunct="1">
+        <a:defRPr sz="1800" kern="1200">
           <a:solidFill>
             <a:schemeClr val="tx1"/>
           </a:solidFill>
@@ -5971,8 +5971,8 @@
           <a:cs typeface="+mn-cs"/>
         </a:defRPr>
       </a:lvl2pPr>
-      <a:lvl3pPr algn="l" defTabSz="914400" eaLnBrk="1" hangingPunct="1" latinLnBrk="0" marL="914400" rtl="0">
-        <a:defRPr kern="1200" sz="1800">
+      <a:lvl3pPr marL="914400" algn="l" defTabSz="914400" rtl="0" eaLnBrk="1" latinLnBrk="0" hangingPunct="1">
+        <a:defRPr sz="1800" kern="1200">
           <a:solidFill>
             <a:schemeClr val="tx1"/>
           </a:solidFill>
@@ -5981,8 +5981,8 @@
           <a:cs typeface="+mn-cs"/>
         </a:defRPr>
       </a:lvl3pPr>
-      <a:lvl4pPr algn="l" defTabSz="914400" eaLnBrk="1" hangingPunct="1" latinLnBrk="0" marL="1371600" rtl="0">
-        <a:defRPr kern="1200" sz="1800">
+      <a:lvl4pPr marL="1371600" algn="l" defTabSz="914400" rtl="0" eaLnBrk="1" latinLnBrk="0" hangingPunct="1">
+        <a:defRPr sz="1800" kern="1200">
           <a:solidFill>
             <a:schemeClr val="tx1"/>
           </a:solidFill>
@@ -5991,8 +5991,8 @@
           <a:cs typeface="+mn-cs"/>
         </a:defRPr>
       </a:lvl4pPr>
-      <a:lvl5pPr algn="l" defTabSz="914400" eaLnBrk="1" hangingPunct="1" latinLnBrk="0" marL="1828800" rtl="0">
-        <a:defRPr kern="1200" sz="1800">
+      <a:lvl5pPr marL="1828800" algn="l" defTabSz="914400" rtl="0" eaLnBrk="1" latinLnBrk="0" hangingPunct="1">
+        <a:defRPr sz="1800" kern="1200">
           <a:solidFill>
             <a:schemeClr val="tx1"/>
           </a:solidFill>
@@ -6001,8 +6001,8 @@
           <a:cs typeface="+mn-cs"/>
         </a:defRPr>
       </a:lvl5pPr>
-      <a:lvl6pPr algn="l" defTabSz="914400" eaLnBrk="1" hangingPunct="1" latinLnBrk="0" marL="2286000" rtl="0">
-        <a:defRPr kern="1200" sz="1800">
+      <a:lvl6pPr marL="2286000" algn="l" defTabSz="914400" rtl="0" eaLnBrk="1" latinLnBrk="0" hangingPunct="1">
+        <a:defRPr sz="1800" kern="1200">
           <a:solidFill>
             <a:schemeClr val="tx1"/>
           </a:solidFill>
@@ -6011,8 +6011,8 @@
           <a:cs typeface="+mn-cs"/>
         </a:defRPr>
       </a:lvl6pPr>
-      <a:lvl7pPr algn="l" defTabSz="914400" eaLnBrk="1" hangingPunct="1" latinLnBrk="0" marL="2743200" rtl="0">
-        <a:defRPr kern="1200" sz="1800">
+      <a:lvl7pPr marL="2743200" algn="l" defTabSz="914400" rtl="0" eaLnBrk="1" latinLnBrk="0" hangingPunct="1">
+        <a:defRPr sz="1800" kern="1200">
           <a:solidFill>
             <a:schemeClr val="tx1"/>
           </a:solidFill>
@@ -6021,8 +6021,8 @@
           <a:cs typeface="+mn-cs"/>
         </a:defRPr>
       </a:lvl7pPr>
-      <a:lvl8pPr algn="l" defTabSz="914400" eaLnBrk="1" hangingPunct="1" latinLnBrk="0" marL="3200400" rtl="0">
-        <a:defRPr kern="1200" sz="1800">
+      <a:lvl8pPr marL="3200400" algn="l" defTabSz="914400" rtl="0" eaLnBrk="1" latinLnBrk="0" hangingPunct="1">
+        <a:defRPr sz="1800" kern="1200">
           <a:solidFill>
             <a:schemeClr val="tx1"/>
           </a:solidFill>
@@ -6031,8 +6031,8 @@
           <a:cs typeface="+mn-cs"/>
         </a:defRPr>
       </a:lvl8pPr>
-      <a:lvl9pPr algn="l" defTabSz="914400" eaLnBrk="1" hangingPunct="1" latinLnBrk="0" marL="3657600" rtl="0">
-        <a:defRPr kern="1200" sz="1800">
+      <a:lvl9pPr marL="3657600" algn="l" defTabSz="914400" rtl="0" eaLnBrk="1" latinLnBrk="0" hangingPunct="1">
+        <a:defRPr sz="1800" kern="1200">
           <a:solidFill>
             <a:schemeClr val="tx1"/>
           </a:solidFill>
@@ -6065,7 +6065,7 @@
       </p:grpSpPr>
       <p:sp>
         <p:nvSpPr>
-          <p:cNvPr name="TextBox 1" id="2"/>
+          <p:cNvPr name="TextBox 2" id="2"/>
           <p:cNvSpPr txBox="true"/>
           <p:nvPr/>
         </p:nvSpPr>
@@ -6082,8 +6082,11 @@
           <a:bodyPr anchor="t" rtlCol="false"/>
           <a:lstStyle/>
           <a:p>
-            <a:pPr algn="l"/>
-            <a:r>
+            <a:pPr algn="l">
+              <a:defRPr/>
+            </a:pPr>
+            <a:r>
+              <a:rPr lang="de-DE"/>
               <a:t/>
             </a:r>
             <a:endParaRPr lang="en-US" sz="1100"/>
@@ -6102,7 +6105,7 @@
       </p:sp>
       <p:sp>
         <p:nvSpPr>
-          <p:cNvPr name="TextBox 2" id="3"/>
+          <p:cNvPr name="TextBox 3" id="3"/>
           <p:cNvSpPr txBox="true"/>
           <p:nvPr/>
         </p:nvSpPr>
@@ -6119,8 +6122,11 @@
           <a:bodyPr anchor="t" rtlCol="false"/>
           <a:lstStyle/>
           <a:p>
-            <a:pPr algn="l"/>
-            <a:r>
+            <a:pPr algn="l">
+              <a:defRPr/>
+            </a:pPr>
+            <a:r>
+              <a:rPr lang="de-DE"/>
               <a:t/>
             </a:r>
             <a:endParaRPr lang="en-US" sz="1100"/>
@@ -6140,7 +6146,7 @@
       </p:sp>
       <p:pic>
         <p:nvPicPr>
-          <p:cNvPr name="Picture 3" id="4"/>
+          <p:cNvPr name="Picture 4" id="4"/>
           <p:cNvPicPr>
             <a:picLocks noChangeAspect="true"/>
           </p:cNvPicPr>
@@ -6164,7 +6170,7 @@
       </p:pic>
       <p:sp>
         <p:nvSpPr>
-          <p:cNvPr name="TextBox 4" id="5"/>
+          <p:cNvPr name="TextBox 5" id="5"/>
           <p:cNvSpPr txBox="true"/>
           <p:nvPr/>
         </p:nvSpPr>
@@ -6181,8 +6187,11 @@
           <a:bodyPr anchor="t" rtlCol="false"/>
           <a:lstStyle/>
           <a:p>
-            <a:pPr algn="l"/>
-            <a:r>
+            <a:pPr algn="l">
+              <a:defRPr/>
+            </a:pPr>
+            <a:r>
+              <a:rPr lang="de-DE"/>
               <a:t/>
             </a:r>
             <a:endParaRPr lang="en-US" sz="1100"/>
@@ -6201,7 +6210,7 @@
       </p:sp>
       <p:sp>
         <p:nvSpPr>
-          <p:cNvPr name="TextBox 5" id="6"/>
+          <p:cNvPr name="TextBox 6" id="6"/>
           <p:cNvSpPr txBox="true"/>
           <p:nvPr/>
         </p:nvSpPr>
@@ -6218,8 +6227,11 @@
           <a:bodyPr anchor="t" rtlCol="false"/>
           <a:lstStyle/>
           <a:p>
-            <a:pPr algn="l"/>
-            <a:r>
+            <a:pPr algn="l">
+              <a:defRPr/>
+            </a:pPr>
+            <a:r>
+              <a:rPr lang="de-DE"/>
               <a:t/>
             </a:r>
             <a:endParaRPr lang="en-US" sz="1100"/>
@@ -6238,7 +6250,7 @@
       </p:sp>
       <p:sp>
         <p:nvSpPr>
-          <p:cNvPr name="TextBox 6" id="7"/>
+          <p:cNvPr name="TextBox 7" id="7"/>
           <p:cNvSpPr txBox="true"/>
           <p:nvPr/>
         </p:nvSpPr>
@@ -6255,8 +6267,11 @@
           <a:bodyPr anchor="t" rtlCol="false"/>
           <a:lstStyle/>
           <a:p>
-            <a:pPr algn="l"/>
-            <a:r>
+            <a:pPr algn="l">
+              <a:defRPr/>
+            </a:pPr>
+            <a:r>
+              <a:rPr lang="de-DE"/>
               <a:t/>
             </a:r>
             <a:endParaRPr lang="en-US" sz="1100"/>
@@ -6275,7 +6290,7 @@
       </p:sp>
       <p:sp>
         <p:nvSpPr>
-          <p:cNvPr name="TextBox 7" id="8"/>
+          <p:cNvPr name="TextBox 8" id="8"/>
           <p:cNvSpPr txBox="true"/>
           <p:nvPr/>
         </p:nvSpPr>
@@ -6292,8 +6307,11 @@
           <a:bodyPr anchor="t" rtlCol="false"/>
           <a:lstStyle/>
           <a:p>
-            <a:pPr algn="l"/>
-            <a:r>
+            <a:pPr algn="l">
+              <a:defRPr/>
+            </a:pPr>
+            <a:r>
+              <a:rPr lang="de-DE"/>
               <a:t/>
             </a:r>
             <a:endParaRPr lang="en-US" sz="1100"/>
@@ -6312,7 +6330,7 @@
       </p:sp>
       <p:sp>
         <p:nvSpPr>
-          <p:cNvPr name="TextBox 8" id="9"/>
+          <p:cNvPr name="TextBox 9" id="9"/>
           <p:cNvSpPr txBox="true"/>
           <p:nvPr/>
         </p:nvSpPr>
@@ -6329,8 +6347,11 @@
           <a:bodyPr anchor="t" rtlCol="false"/>
           <a:lstStyle/>
           <a:p>
-            <a:pPr algn="l"/>
-            <a:r>
+            <a:pPr algn="l">
+              <a:defRPr/>
+            </a:pPr>
+            <a:r>
+              <a:rPr lang="de-DE"/>
               <a:t/>
             </a:r>
             <a:endParaRPr lang="en-US" sz="1100"/>
@@ -6349,7 +6370,7 @@
       </p:sp>
       <p:sp>
         <p:nvSpPr>
-          <p:cNvPr name="TextBox 9" id="10"/>
+          <p:cNvPr name="TextBox 10" id="10"/>
           <p:cNvSpPr txBox="true"/>
           <p:nvPr/>
         </p:nvSpPr>
@@ -6366,8 +6387,11 @@
           <a:bodyPr anchor="t" rtlCol="false"/>
           <a:lstStyle/>
           <a:p>
-            <a:pPr algn="l"/>
-            <a:r>
+            <a:pPr algn="l">
+              <a:defRPr/>
+            </a:pPr>
+            <a:r>
+              <a:rPr lang="de-DE"/>
               <a:t/>
             </a:r>
             <a:endParaRPr lang="en-US" sz="1100"/>
@@ -6386,7 +6410,7 @@
       </p:sp>
       <p:sp>
         <p:nvSpPr>
-          <p:cNvPr name="TextBox 10" id="11"/>
+          <p:cNvPr name="TextBox 11" id="11"/>
           <p:cNvSpPr txBox="true"/>
           <p:nvPr/>
         </p:nvSpPr>
@@ -6403,8 +6427,11 @@
           <a:bodyPr anchor="t" rtlCol="false"/>
           <a:lstStyle/>
           <a:p>
-            <a:pPr algn="l"/>
-            <a:r>
+            <a:pPr algn="l">
+              <a:defRPr/>
+            </a:pPr>
+            <a:r>
+              <a:rPr lang="de-DE"/>
               <a:t/>
             </a:r>
             <a:endParaRPr lang="en-US" sz="1100"/>
@@ -6423,7 +6450,7 @@
       </p:sp>
       <p:sp>
         <p:nvSpPr>
-          <p:cNvPr name="TextBox 11" id="12"/>
+          <p:cNvPr name="TextBox 12" id="12"/>
           <p:cNvSpPr txBox="true"/>
           <p:nvPr/>
         </p:nvSpPr>
@@ -6440,8 +6467,11 @@
           <a:bodyPr anchor="t" rtlCol="false"/>
           <a:lstStyle/>
           <a:p>
-            <a:pPr algn="l"/>
-            <a:r>
+            <a:pPr algn="l">
+              <a:defRPr/>
+            </a:pPr>
+            <a:r>
+              <a:rPr lang="de-DE"/>
               <a:t/>
             </a:r>
             <a:endParaRPr lang="en-US" sz="1100"/>
@@ -6460,7 +6490,7 @@
       </p:sp>
       <p:sp>
         <p:nvSpPr>
-          <p:cNvPr name="TextBox 12" id="13"/>
+          <p:cNvPr name="TextBox 13" id="13"/>
           <p:cNvSpPr txBox="true"/>
           <p:nvPr/>
         </p:nvSpPr>
@@ -6477,8 +6507,11 @@
           <a:bodyPr anchor="t" rtlCol="false"/>
           <a:lstStyle/>
           <a:p>
-            <a:pPr algn="l"/>
-            <a:r>
+            <a:pPr algn="l">
+              <a:defRPr/>
+            </a:pPr>
+            <a:r>
+              <a:rPr lang="de-DE"/>
               <a:t/>
             </a:r>
             <a:endParaRPr lang="en-US" sz="1100"/>
@@ -6497,7 +6530,7 @@
       </p:sp>
       <p:sp>
         <p:nvSpPr>
-          <p:cNvPr name="TextBox 13" id="14"/>
+          <p:cNvPr name="TextBox 14" id="14"/>
           <p:cNvSpPr txBox="true"/>
           <p:nvPr/>
         </p:nvSpPr>
@@ -6514,8 +6547,11 @@
           <a:bodyPr anchor="t" rtlCol="false"/>
           <a:lstStyle/>
           <a:p>
-            <a:pPr algn="l"/>
-            <a:r>
+            <a:pPr algn="l">
+              <a:defRPr/>
+            </a:pPr>
+            <a:r>
+              <a:rPr lang="de-DE"/>
               <a:t/>
             </a:r>
             <a:endParaRPr lang="en-US" sz="1100"/>
@@ -6534,7 +6570,7 @@
       </p:sp>
       <p:sp>
         <p:nvSpPr>
-          <p:cNvPr name="TextBox 14" id="15"/>
+          <p:cNvPr name="TextBox 15" id="15"/>
           <p:cNvSpPr txBox="true"/>
           <p:nvPr/>
         </p:nvSpPr>
@@ -6551,8 +6587,11 @@
           <a:bodyPr anchor="t" rtlCol="false"/>
           <a:lstStyle/>
           <a:p>
-            <a:pPr algn="l"/>
-            <a:r>
+            <a:pPr algn="l">
+              <a:defRPr/>
+            </a:pPr>
+            <a:r>
+              <a:rPr lang="de-DE"/>
               <a:t/>
             </a:r>
             <a:endParaRPr lang="en-US" sz="1100"/>
@@ -6571,7 +6610,7 @@
       </p:sp>
       <p:sp>
         <p:nvSpPr>
-          <p:cNvPr name="TextBox 15" id="16"/>
+          <p:cNvPr name="TextBox 16" id="16"/>
           <p:cNvSpPr txBox="true"/>
           <p:nvPr/>
         </p:nvSpPr>
@@ -6588,8 +6627,11 @@
           <a:bodyPr anchor="t" rtlCol="false"/>
           <a:lstStyle/>
           <a:p>
-            <a:pPr algn="l"/>
-            <a:r>
+            <a:pPr algn="l">
+              <a:defRPr/>
+            </a:pPr>
+            <a:r>
+              <a:rPr lang="de-DE"/>
               <a:t/>
             </a:r>
             <a:endParaRPr lang="en-US" sz="1100"/>
@@ -6608,7 +6650,7 @@
       </p:sp>
       <p:sp>
         <p:nvSpPr>
-          <p:cNvPr name="TextBox 16" id="17"/>
+          <p:cNvPr name="TextBox 17" id="17"/>
           <p:cNvSpPr txBox="true"/>
           <p:nvPr/>
         </p:nvSpPr>
@@ -6625,8 +6667,11 @@
           <a:bodyPr anchor="t" rtlCol="false"/>
           <a:lstStyle/>
           <a:p>
-            <a:pPr algn="l"/>
-            <a:r>
+            <a:pPr algn="l">
+              <a:defRPr/>
+            </a:pPr>
+            <a:r>
+              <a:rPr lang="de-DE"/>
               <a:t/>
             </a:r>
             <a:endParaRPr lang="en-US" sz="1100"/>
@@ -6645,7 +6690,7 @@
       </p:sp>
       <p:sp>
         <p:nvSpPr>
-          <p:cNvPr name="TextBox 17" id="18"/>
+          <p:cNvPr name="TextBox 18" id="18"/>
           <p:cNvSpPr txBox="true"/>
           <p:nvPr/>
         </p:nvSpPr>
@@ -6662,8 +6707,11 @@
           <a:bodyPr anchor="t" rtlCol="false"/>
           <a:lstStyle/>
           <a:p>
-            <a:pPr algn="l"/>
-            <a:r>
+            <a:pPr algn="l">
+              <a:defRPr/>
+            </a:pPr>
+            <a:r>
+              <a:rPr lang="de-DE"/>
               <a:t/>
             </a:r>
             <a:endParaRPr lang="en-US" sz="1100"/>
@@ -6682,7 +6730,7 @@
       </p:sp>
       <p:sp>
         <p:nvSpPr>
-          <p:cNvPr name="TextBox 18" id="19"/>
+          <p:cNvPr name="TextBox 19" id="19"/>
           <p:cNvSpPr txBox="true"/>
           <p:nvPr/>
         </p:nvSpPr>
@@ -6699,8 +6747,11 @@
           <a:bodyPr anchor="t" rtlCol="false"/>
           <a:lstStyle/>
           <a:p>
-            <a:pPr algn="l"/>
-            <a:r>
+            <a:pPr algn="l">
+              <a:defRPr/>
+            </a:pPr>
+            <a:r>
+              <a:rPr lang="de-DE"/>
               <a:t/>
             </a:r>
             <a:endParaRPr lang="en-US" sz="1100"/>
@@ -6719,7 +6770,7 @@
       </p:sp>
       <p:sp>
         <p:nvSpPr>
-          <p:cNvPr name="TextBox 19" id="20"/>
+          <p:cNvPr name="TextBox 20" id="20"/>
           <p:cNvSpPr txBox="true"/>
           <p:nvPr/>
         </p:nvSpPr>
@@ -6736,8 +6787,11 @@
           <a:bodyPr anchor="t" rtlCol="false"/>
           <a:lstStyle/>
           <a:p>
-            <a:pPr algn="l"/>
-            <a:r>
+            <a:pPr algn="l">
+              <a:defRPr/>
+            </a:pPr>
+            <a:r>
+              <a:rPr lang="de-DE"/>
               <a:t/>
             </a:r>
             <a:endParaRPr lang="en-US" sz="1100"/>
@@ -6756,7 +6810,7 @@
       </p:sp>
       <p:sp>
         <p:nvSpPr>
-          <p:cNvPr name="TextBox 20" id="21"/>
+          <p:cNvPr name="TextBox 21" id="21"/>
           <p:cNvSpPr txBox="true"/>
           <p:nvPr/>
         </p:nvSpPr>
@@ -6773,8 +6827,11 @@
           <a:bodyPr anchor="t" rtlCol="false"/>
           <a:lstStyle/>
           <a:p>
-            <a:pPr algn="l"/>
-            <a:r>
+            <a:pPr algn="l">
+              <a:defRPr/>
+            </a:pPr>
+            <a:r>
+              <a:rPr lang="de-DE"/>
               <a:t/>
             </a:r>
             <a:endParaRPr lang="en-US" sz="1100"/>
@@ -6793,7 +6850,7 @@
       </p:sp>
       <p:sp>
         <p:nvSpPr>
-          <p:cNvPr name="TextBox 21" id="22"/>
+          <p:cNvPr name="TextBox 22" id="22"/>
           <p:cNvSpPr txBox="true"/>
           <p:nvPr/>
         </p:nvSpPr>
@@ -6810,8 +6867,11 @@
           <a:bodyPr anchor="t" rtlCol="false"/>
           <a:lstStyle/>
           <a:p>
-            <a:pPr algn="l"/>
-            <a:r>
+            <a:pPr algn="l">
+              <a:defRPr/>
+            </a:pPr>
+            <a:r>
+              <a:rPr lang="de-DE"/>
               <a:t/>
             </a:r>
             <a:endParaRPr lang="en-US" sz="1100"/>
@@ -6830,7 +6890,7 @@
       </p:sp>
       <p:sp>
         <p:nvSpPr>
-          <p:cNvPr name="TextBox 22" id="23"/>
+          <p:cNvPr name="TextBox 23" id="23"/>
           <p:cNvSpPr txBox="true"/>
           <p:nvPr/>
         </p:nvSpPr>
@@ -6847,8 +6907,11 @@
           <a:bodyPr anchor="t" rtlCol="false"/>
           <a:lstStyle/>
           <a:p>
-            <a:pPr algn="l"/>
-            <a:r>
+            <a:pPr algn="l">
+              <a:defRPr/>
+            </a:pPr>
+            <a:r>
+              <a:rPr lang="de-DE"/>
               <a:t/>
             </a:r>
             <a:endParaRPr lang="en-US" sz="1100"/>
@@ -6867,7 +6930,7 @@
       </p:sp>
       <p:sp>
         <p:nvSpPr>
-          <p:cNvPr name="TextBox 23" id="24"/>
+          <p:cNvPr name="TextBox 24" id="24"/>
           <p:cNvSpPr txBox="true"/>
           <p:nvPr/>
         </p:nvSpPr>
@@ -6884,8 +6947,11 @@
           <a:bodyPr anchor="t" rtlCol="false"/>
           <a:lstStyle/>
           <a:p>
-            <a:pPr algn="l"/>
-            <a:r>
+            <a:pPr algn="l">
+              <a:defRPr/>
+            </a:pPr>
+            <a:r>
+              <a:rPr lang="de-DE"/>
               <a:t/>
             </a:r>
             <a:endParaRPr lang="en-US" sz="1100"/>
@@ -6904,7 +6970,7 @@
       </p:sp>
       <p:sp>
         <p:nvSpPr>
-          <p:cNvPr name="TextBox 24" id="25"/>
+          <p:cNvPr name="TextBox 25" id="25"/>
           <p:cNvSpPr txBox="true"/>
           <p:nvPr/>
         </p:nvSpPr>
@@ -6921,8 +6987,11 @@
           <a:bodyPr anchor="t" rtlCol="false"/>
           <a:lstStyle/>
           <a:p>
-            <a:pPr algn="l"/>
-            <a:r>
+            <a:pPr algn="l">
+              <a:defRPr/>
+            </a:pPr>
+            <a:r>
+              <a:rPr lang="de-DE"/>
               <a:t/>
             </a:r>
             <a:endParaRPr lang="en-US" sz="1100"/>
@@ -6941,7 +7010,7 @@
       </p:sp>
       <p:sp>
         <p:nvSpPr>
-          <p:cNvPr name="TextBox 25" id="26"/>
+          <p:cNvPr name="TextBox 26" id="26"/>
           <p:cNvSpPr txBox="true"/>
           <p:nvPr/>
         </p:nvSpPr>
@@ -6958,8 +7027,11 @@
           <a:bodyPr anchor="t" rtlCol="false"/>
           <a:lstStyle/>
           <a:p>
-            <a:pPr algn="l"/>
-            <a:r>
+            <a:pPr algn="l">
+              <a:defRPr/>
+            </a:pPr>
+            <a:r>
+              <a:rPr lang="de-DE"/>
               <a:t/>
             </a:r>
             <a:endParaRPr lang="en-US" sz="1100"/>
@@ -6978,7 +7050,7 @@
       </p:sp>
       <p:sp>
         <p:nvSpPr>
-          <p:cNvPr name="TextBox 26" id="27"/>
+          <p:cNvPr name="TextBox 27" id="27"/>
           <p:cNvSpPr txBox="true"/>
           <p:nvPr/>
         </p:nvSpPr>
@@ -6995,8 +7067,11 @@
           <a:bodyPr anchor="t" rtlCol="false"/>
           <a:lstStyle/>
           <a:p>
-            <a:pPr algn="l"/>
-            <a:r>
+            <a:pPr algn="l">
+              <a:defRPr/>
+            </a:pPr>
+            <a:r>
+              <a:rPr lang="de-DE"/>
               <a:t/>
             </a:r>
             <a:endParaRPr lang="en-US" sz="1100"/>
@@ -7015,7 +7090,7 @@
       </p:sp>
       <p:sp>
         <p:nvSpPr>
-          <p:cNvPr name="TextBox 27" id="28"/>
+          <p:cNvPr name="TextBox 28" id="28"/>
           <p:cNvSpPr txBox="true"/>
           <p:nvPr/>
         </p:nvSpPr>
@@ -7032,8 +7107,11 @@
           <a:bodyPr anchor="t" rtlCol="false"/>
           <a:lstStyle/>
           <a:p>
-            <a:pPr algn="l"/>
-            <a:r>
+            <a:pPr algn="l">
+              <a:defRPr/>
+            </a:pPr>
+            <a:r>
+              <a:rPr lang="de-DE"/>
               <a:t/>
             </a:r>
             <a:endParaRPr lang="en-US" sz="1100"/>
@@ -7077,7 +7155,7 @@
       </p:grpSpPr>
       <p:sp>
         <p:nvSpPr>
-          <p:cNvPr name="TextBox 1" id="2"/>
+          <p:cNvPr name="TextBox 2" id="2"/>
           <p:cNvSpPr txBox="true"/>
           <p:nvPr/>
         </p:nvSpPr>
@@ -7094,8 +7172,11 @@
           <a:bodyPr anchor="t" rtlCol="false"/>
           <a:lstStyle/>
           <a:p>
-            <a:pPr algn="l"/>
-            <a:r>
+            <a:pPr algn="l">
+              <a:defRPr/>
+            </a:pPr>
+            <a:r>
+              <a:rPr lang="de-DE"/>
               <a:t/>
             </a:r>
             <a:endParaRPr lang="en-US" sz="1100"/>
@@ -7114,7 +7195,7 @@
       </p:sp>
       <p:sp>
         <p:nvSpPr>
-          <p:cNvPr name="TextBox 2" id="3"/>
+          <p:cNvPr name="TextBox 3" id="3"/>
           <p:cNvSpPr txBox="true"/>
           <p:nvPr/>
         </p:nvSpPr>
@@ -7131,8 +7212,11 @@
           <a:bodyPr anchor="t" rtlCol="false"/>
           <a:lstStyle/>
           <a:p>
-            <a:pPr algn="l"/>
-            <a:r>
+            <a:pPr algn="l">
+              <a:defRPr/>
+            </a:pPr>
+            <a:r>
+              <a:rPr lang="de-DE"/>
               <a:t/>
             </a:r>
             <a:endParaRPr lang="en-US" sz="1100"/>
@@ -7152,7 +7236,7 @@
       </p:sp>
       <p:pic>
         <p:nvPicPr>
-          <p:cNvPr name="Picture 3" id="4"/>
+          <p:cNvPr name="Picture 4" id="4"/>
           <p:cNvPicPr>
             <a:picLocks noChangeAspect="true"/>
           </p:cNvPicPr>
@@ -7167,7 +7251,7 @@
         <p:spPr>
           <a:xfrm>
             <a:off x="254000" y="254000"/>
-            <a:ext cx="2540000" cy="3517900"/>
+            <a:ext cx="2540000" cy="3225800"/>
           </a:xfrm>
           <a:prstGeom prst="rect">
             <a:avLst/>
@@ -7176,7 +7260,7 @@
       </p:pic>
       <p:sp>
         <p:nvSpPr>
-          <p:cNvPr name="TextBox 4" id="5"/>
+          <p:cNvPr name="TextBox 5" id="5"/>
           <p:cNvSpPr txBox="true"/>
           <p:nvPr/>
         </p:nvSpPr>
@@ -7193,8 +7277,11 @@
           <a:bodyPr anchor="t" rtlCol="false"/>
           <a:lstStyle/>
           <a:p>
-            <a:pPr algn="l"/>
-            <a:r>
+            <a:pPr algn="l">
+              <a:defRPr/>
+            </a:pPr>
+            <a:r>
+              <a:rPr lang="de-DE"/>
               <a:t/>
             </a:r>
             <a:endParaRPr lang="en-US" sz="1100"/>
@@ -7213,7 +7300,7 @@
       </p:sp>
       <p:sp>
         <p:nvSpPr>
-          <p:cNvPr name="TextBox 5" id="6"/>
+          <p:cNvPr name="TextBox 6" id="6"/>
           <p:cNvSpPr txBox="true"/>
           <p:nvPr/>
         </p:nvSpPr>
@@ -7230,8 +7317,11 @@
           <a:bodyPr anchor="t" rtlCol="false"/>
           <a:lstStyle/>
           <a:p>
-            <a:pPr algn="l"/>
-            <a:r>
+            <a:pPr algn="l">
+              <a:defRPr/>
+            </a:pPr>
+            <a:r>
+              <a:rPr lang="de-DE"/>
               <a:t/>
             </a:r>
             <a:endParaRPr lang="en-US" sz="1100"/>
@@ -7250,7 +7340,7 @@
       </p:sp>
       <p:sp>
         <p:nvSpPr>
-          <p:cNvPr name="TextBox 6" id="7"/>
+          <p:cNvPr name="TextBox 7" id="7"/>
           <p:cNvSpPr txBox="true"/>
           <p:nvPr/>
         </p:nvSpPr>
@@ -7267,8 +7357,11 @@
           <a:bodyPr anchor="t" rtlCol="false"/>
           <a:lstStyle/>
           <a:p>
-            <a:pPr algn="l"/>
-            <a:r>
+            <a:pPr algn="l">
+              <a:defRPr/>
+            </a:pPr>
+            <a:r>
+              <a:rPr lang="de-DE"/>
               <a:t/>
             </a:r>
             <a:endParaRPr lang="en-US" sz="1100"/>
@@ -7287,7 +7380,7 @@
       </p:sp>
       <p:sp>
         <p:nvSpPr>
-          <p:cNvPr name="TextBox 7" id="8"/>
+          <p:cNvPr name="TextBox 8" id="8"/>
           <p:cNvSpPr txBox="true"/>
           <p:nvPr/>
         </p:nvSpPr>
@@ -7304,8 +7397,11 @@
           <a:bodyPr anchor="t" rtlCol="false"/>
           <a:lstStyle/>
           <a:p>
-            <a:pPr algn="l"/>
-            <a:r>
+            <a:pPr algn="l">
+              <a:defRPr/>
+            </a:pPr>
+            <a:r>
+              <a:rPr lang="de-DE"/>
               <a:t/>
             </a:r>
             <a:endParaRPr lang="en-US" sz="1100"/>
@@ -7324,7 +7420,7 @@
       </p:sp>
       <p:sp>
         <p:nvSpPr>
-          <p:cNvPr name="TextBox 8" id="9"/>
+          <p:cNvPr name="TextBox 9" id="9"/>
           <p:cNvSpPr txBox="true"/>
           <p:nvPr/>
         </p:nvSpPr>
@@ -7341,8 +7437,11 @@
           <a:bodyPr anchor="t" rtlCol="false"/>
           <a:lstStyle/>
           <a:p>
-            <a:pPr algn="l"/>
-            <a:r>
+            <a:pPr algn="l">
+              <a:defRPr/>
+            </a:pPr>
+            <a:r>
+              <a:rPr lang="de-DE"/>
               <a:t/>
             </a:r>
             <a:endParaRPr lang="en-US" sz="1100"/>
@@ -7361,7 +7460,7 @@
       </p:sp>
       <p:sp>
         <p:nvSpPr>
-          <p:cNvPr name="TextBox 9" id="10"/>
+          <p:cNvPr name="TextBox 10" id="10"/>
           <p:cNvSpPr txBox="true"/>
           <p:nvPr/>
         </p:nvSpPr>
@@ -7378,8 +7477,11 @@
           <a:bodyPr anchor="t" rtlCol="false"/>
           <a:lstStyle/>
           <a:p>
-            <a:pPr algn="l"/>
-            <a:r>
+            <a:pPr algn="l">
+              <a:defRPr/>
+            </a:pPr>
+            <a:r>
+              <a:rPr lang="de-DE"/>
               <a:t/>
             </a:r>
             <a:endParaRPr lang="en-US" sz="1100"/>
@@ -7398,7 +7500,7 @@
       </p:sp>
       <p:sp>
         <p:nvSpPr>
-          <p:cNvPr name="TextBox 10" id="11"/>
+          <p:cNvPr name="TextBox 11" id="11"/>
           <p:cNvSpPr txBox="true"/>
           <p:nvPr/>
         </p:nvSpPr>
@@ -7415,8 +7517,11 @@
           <a:bodyPr anchor="t" rtlCol="false"/>
           <a:lstStyle/>
           <a:p>
-            <a:pPr algn="l"/>
-            <a:r>
+            <a:pPr algn="l">
+              <a:defRPr/>
+            </a:pPr>
+            <a:r>
+              <a:rPr lang="de-DE"/>
               <a:t/>
             </a:r>
             <a:endParaRPr lang="en-US" sz="1100"/>
@@ -7435,7 +7540,7 @@
       </p:sp>
       <p:sp>
         <p:nvSpPr>
-          <p:cNvPr name="TextBox 11" id="12"/>
+          <p:cNvPr name="TextBox 12" id="12"/>
           <p:cNvSpPr txBox="true"/>
           <p:nvPr/>
         </p:nvSpPr>
@@ -7452,8 +7557,11 @@
           <a:bodyPr anchor="t" rtlCol="false"/>
           <a:lstStyle/>
           <a:p>
-            <a:pPr algn="l"/>
-            <a:r>
+            <a:pPr algn="l">
+              <a:defRPr/>
+            </a:pPr>
+            <a:r>
+              <a:rPr lang="de-DE"/>
               <a:t/>
             </a:r>
             <a:endParaRPr lang="en-US" sz="1100"/>
@@ -7472,7 +7580,7 @@
       </p:sp>
       <p:sp>
         <p:nvSpPr>
-          <p:cNvPr name="TextBox 12" id="13"/>
+          <p:cNvPr name="TextBox 13" id="13"/>
           <p:cNvSpPr txBox="true"/>
           <p:nvPr/>
         </p:nvSpPr>
@@ -7489,8 +7597,11 @@
           <a:bodyPr anchor="t" rtlCol="false"/>
           <a:lstStyle/>
           <a:p>
-            <a:pPr algn="l"/>
-            <a:r>
+            <a:pPr algn="l">
+              <a:defRPr/>
+            </a:pPr>
+            <a:r>
+              <a:rPr lang="de-DE"/>
               <a:t/>
             </a:r>
             <a:endParaRPr lang="en-US" sz="1100"/>
@@ -7509,7 +7620,7 @@
       </p:sp>
       <p:sp>
         <p:nvSpPr>
-          <p:cNvPr name="TextBox 13" id="14"/>
+          <p:cNvPr name="TextBox 14" id="14"/>
           <p:cNvSpPr txBox="true"/>
           <p:nvPr/>
         </p:nvSpPr>
@@ -7526,8 +7637,11 @@
           <a:bodyPr anchor="t" rtlCol="false"/>
           <a:lstStyle/>
           <a:p>
-            <a:pPr algn="l"/>
-            <a:r>
+            <a:pPr algn="l">
+              <a:defRPr/>
+            </a:pPr>
+            <a:r>
+              <a:rPr lang="de-DE"/>
               <a:t/>
             </a:r>
             <a:endParaRPr lang="en-US" sz="1100"/>
@@ -7546,7 +7660,7 @@
       </p:sp>
       <p:sp>
         <p:nvSpPr>
-          <p:cNvPr name="TextBox 14" id="15"/>
+          <p:cNvPr name="TextBox 15" id="15"/>
           <p:cNvSpPr txBox="true"/>
           <p:nvPr/>
         </p:nvSpPr>
@@ -7563,8 +7677,11 @@
           <a:bodyPr anchor="t" rtlCol="false"/>
           <a:lstStyle/>
           <a:p>
-            <a:pPr algn="l"/>
-            <a:r>
+            <a:pPr algn="l">
+              <a:defRPr/>
+            </a:pPr>
+            <a:r>
+              <a:rPr lang="de-DE"/>
               <a:t/>
             </a:r>
             <a:endParaRPr lang="en-US" sz="1100"/>
@@ -7583,7 +7700,7 @@
       </p:sp>
       <p:sp>
         <p:nvSpPr>
-          <p:cNvPr name="TextBox 15" id="16"/>
+          <p:cNvPr name="TextBox 16" id="16"/>
           <p:cNvSpPr txBox="true"/>
           <p:nvPr/>
         </p:nvSpPr>
@@ -7600,8 +7717,11 @@
           <a:bodyPr anchor="t" rtlCol="false"/>
           <a:lstStyle/>
           <a:p>
-            <a:pPr algn="l"/>
-            <a:r>
+            <a:pPr algn="l">
+              <a:defRPr/>
+            </a:pPr>
+            <a:r>
+              <a:rPr lang="de-DE"/>
               <a:t/>
             </a:r>
             <a:endParaRPr lang="en-US" sz="1100"/>
@@ -7620,7 +7740,7 @@
       </p:sp>
       <p:sp>
         <p:nvSpPr>
-          <p:cNvPr name="TextBox 16" id="17"/>
+          <p:cNvPr name="TextBox 17" id="17"/>
           <p:cNvSpPr txBox="true"/>
           <p:nvPr/>
         </p:nvSpPr>
@@ -7637,8 +7757,11 @@
           <a:bodyPr anchor="t" rtlCol="false"/>
           <a:lstStyle/>
           <a:p>
-            <a:pPr algn="l"/>
-            <a:r>
+            <a:pPr algn="l">
+              <a:defRPr/>
+            </a:pPr>
+            <a:r>
+              <a:rPr lang="de-DE"/>
               <a:t/>
             </a:r>
             <a:endParaRPr lang="en-US" sz="1100"/>
@@ -7657,7 +7780,7 @@
       </p:sp>
       <p:sp>
         <p:nvSpPr>
-          <p:cNvPr name="TextBox 17" id="18"/>
+          <p:cNvPr name="TextBox 18" id="18"/>
           <p:cNvSpPr txBox="true"/>
           <p:nvPr/>
         </p:nvSpPr>
@@ -7674,8 +7797,11 @@
           <a:bodyPr anchor="t" rtlCol="false"/>
           <a:lstStyle/>
           <a:p>
-            <a:pPr algn="l"/>
-            <a:r>
+            <a:pPr algn="l">
+              <a:defRPr/>
+            </a:pPr>
+            <a:r>
+              <a:rPr lang="de-DE"/>
               <a:t/>
             </a:r>
             <a:endParaRPr lang="en-US" sz="1100"/>
@@ -7694,7 +7820,7 @@
       </p:sp>
       <p:sp>
         <p:nvSpPr>
-          <p:cNvPr name="TextBox 18" id="19"/>
+          <p:cNvPr name="TextBox 19" id="19"/>
           <p:cNvSpPr txBox="true"/>
           <p:nvPr/>
         </p:nvSpPr>
@@ -7711,8 +7837,11 @@
           <a:bodyPr anchor="t" rtlCol="false"/>
           <a:lstStyle/>
           <a:p>
-            <a:pPr algn="l"/>
-            <a:r>
+            <a:pPr algn="l">
+              <a:defRPr/>
+            </a:pPr>
+            <a:r>
+              <a:rPr lang="de-DE"/>
               <a:t/>
             </a:r>
             <a:endParaRPr lang="en-US" sz="1100"/>
@@ -7731,7 +7860,7 @@
       </p:sp>
       <p:sp>
         <p:nvSpPr>
-          <p:cNvPr name="TextBox 19" id="20"/>
+          <p:cNvPr name="TextBox 20" id="20"/>
           <p:cNvSpPr txBox="true"/>
           <p:nvPr/>
         </p:nvSpPr>
@@ -7748,8 +7877,11 @@
           <a:bodyPr anchor="t" rtlCol="false"/>
           <a:lstStyle/>
           <a:p>
-            <a:pPr algn="l"/>
-            <a:r>
+            <a:pPr algn="l">
+              <a:defRPr/>
+            </a:pPr>
+            <a:r>
+              <a:rPr lang="de-DE"/>
               <a:t/>
             </a:r>
             <a:endParaRPr lang="en-US" sz="1100"/>
@@ -7768,7 +7900,7 @@
       </p:sp>
       <p:sp>
         <p:nvSpPr>
-          <p:cNvPr name="TextBox 20" id="21"/>
+          <p:cNvPr name="TextBox 21" id="21"/>
           <p:cNvSpPr txBox="true"/>
           <p:nvPr/>
         </p:nvSpPr>
@@ -7785,8 +7917,11 @@
           <a:bodyPr anchor="t" rtlCol="false"/>
           <a:lstStyle/>
           <a:p>
-            <a:pPr algn="l"/>
-            <a:r>
+            <a:pPr algn="l">
+              <a:defRPr/>
+            </a:pPr>
+            <a:r>
+              <a:rPr lang="de-DE"/>
               <a:t/>
             </a:r>
             <a:endParaRPr lang="en-US" sz="1100"/>
@@ -7805,7 +7940,7 @@
       </p:sp>
       <p:sp>
         <p:nvSpPr>
-          <p:cNvPr name="TextBox 21" id="22"/>
+          <p:cNvPr name="TextBox 22" id="22"/>
           <p:cNvSpPr txBox="true"/>
           <p:nvPr/>
         </p:nvSpPr>
@@ -7822,8 +7957,11 @@
           <a:bodyPr anchor="t" rtlCol="false"/>
           <a:lstStyle/>
           <a:p>
-            <a:pPr algn="l"/>
-            <a:r>
+            <a:pPr algn="l">
+              <a:defRPr/>
+            </a:pPr>
+            <a:r>
+              <a:rPr lang="de-DE"/>
               <a:t/>
             </a:r>
             <a:endParaRPr lang="en-US" sz="1100"/>
@@ -7842,7 +7980,7 @@
       </p:sp>
       <p:sp>
         <p:nvSpPr>
-          <p:cNvPr name="TextBox 22" id="23"/>
+          <p:cNvPr name="TextBox 23" id="23"/>
           <p:cNvSpPr txBox="true"/>
           <p:nvPr/>
         </p:nvSpPr>
@@ -7859,8 +7997,11 @@
           <a:bodyPr anchor="t" rtlCol="false"/>
           <a:lstStyle/>
           <a:p>
-            <a:pPr algn="l"/>
-            <a:r>
+            <a:pPr algn="l">
+              <a:defRPr/>
+            </a:pPr>
+            <a:r>
+              <a:rPr lang="de-DE"/>
               <a:t/>
             </a:r>
             <a:endParaRPr lang="en-US" sz="1100"/>
@@ -7879,7 +8020,7 @@
       </p:sp>
       <p:sp>
         <p:nvSpPr>
-          <p:cNvPr name="TextBox 23" id="24"/>
+          <p:cNvPr name="TextBox 24" id="24"/>
           <p:cNvSpPr txBox="true"/>
           <p:nvPr/>
         </p:nvSpPr>
@@ -7896,8 +8037,11 @@
           <a:bodyPr anchor="t" rtlCol="false"/>
           <a:lstStyle/>
           <a:p>
-            <a:pPr algn="l"/>
-            <a:r>
+            <a:pPr algn="l">
+              <a:defRPr/>
+            </a:pPr>
+            <a:r>
+              <a:rPr lang="de-DE"/>
               <a:t/>
             </a:r>
             <a:endParaRPr lang="en-US" sz="1100"/>
@@ -7916,7 +8060,7 @@
       </p:sp>
       <p:sp>
         <p:nvSpPr>
-          <p:cNvPr name="TextBox 24" id="25"/>
+          <p:cNvPr name="TextBox 25" id="25"/>
           <p:cNvSpPr txBox="true"/>
           <p:nvPr/>
         </p:nvSpPr>
@@ -7933,8 +8077,11 @@
           <a:bodyPr anchor="t" rtlCol="false"/>
           <a:lstStyle/>
           <a:p>
-            <a:pPr algn="l"/>
-            <a:r>
+            <a:pPr algn="l">
+              <a:defRPr/>
+            </a:pPr>
+            <a:r>
+              <a:rPr lang="de-DE"/>
               <a:t/>
             </a:r>
             <a:endParaRPr lang="en-US" sz="1100"/>
@@ -7953,7 +8100,7 @@
       </p:sp>
       <p:sp>
         <p:nvSpPr>
-          <p:cNvPr name="TextBox 25" id="26"/>
+          <p:cNvPr name="TextBox 26" id="26"/>
           <p:cNvSpPr txBox="true"/>
           <p:nvPr/>
         </p:nvSpPr>
@@ -7970,8 +8117,11 @@
           <a:bodyPr anchor="t" rtlCol="false"/>
           <a:lstStyle/>
           <a:p>
-            <a:pPr algn="l"/>
-            <a:r>
+            <a:pPr algn="l">
+              <a:defRPr/>
+            </a:pPr>
+            <a:r>
+              <a:rPr lang="de-DE"/>
               <a:t/>
             </a:r>
             <a:endParaRPr lang="en-US" sz="1100"/>
@@ -7990,7 +8140,7 @@
       </p:sp>
       <p:sp>
         <p:nvSpPr>
-          <p:cNvPr name="TextBox 26" id="27"/>
+          <p:cNvPr name="TextBox 27" id="27"/>
           <p:cNvSpPr txBox="true"/>
           <p:nvPr/>
         </p:nvSpPr>
@@ -8007,8 +8157,11 @@
           <a:bodyPr anchor="t" rtlCol="false"/>
           <a:lstStyle/>
           <a:p>
-            <a:pPr algn="l"/>
-            <a:r>
+            <a:pPr algn="l">
+              <a:defRPr/>
+            </a:pPr>
+            <a:r>
+              <a:rPr lang="de-DE"/>
               <a:t/>
             </a:r>
             <a:endParaRPr lang="en-US" sz="1100"/>
@@ -8027,7 +8180,7 @@
       </p:sp>
       <p:sp>
         <p:nvSpPr>
-          <p:cNvPr name="TextBox 27" id="28"/>
+          <p:cNvPr name="TextBox 28" id="28"/>
           <p:cNvSpPr txBox="true"/>
           <p:nvPr/>
         </p:nvSpPr>
@@ -8044,8 +8197,11 @@
           <a:bodyPr anchor="t" rtlCol="false"/>
           <a:lstStyle/>
           <a:p>
-            <a:pPr algn="l"/>
-            <a:r>
+            <a:pPr algn="l">
+              <a:defRPr/>
+            </a:pPr>
+            <a:r>
+              <a:rPr lang="de-DE"/>
               <a:t/>
             </a:r>
             <a:endParaRPr lang="en-US" sz="1100"/>
@@ -8089,7 +8245,7 @@
       </p:grpSpPr>
       <p:sp>
         <p:nvSpPr>
-          <p:cNvPr name="TextBox 1" id="2"/>
+          <p:cNvPr name="TextBox 2" id="2"/>
           <p:cNvSpPr txBox="true"/>
           <p:nvPr/>
         </p:nvSpPr>
@@ -8106,8 +8262,11 @@
           <a:bodyPr anchor="t" rtlCol="false"/>
           <a:lstStyle/>
           <a:p>
-            <a:pPr algn="l"/>
-            <a:r>
+            <a:pPr algn="l">
+              <a:defRPr/>
+            </a:pPr>
+            <a:r>
+              <a:rPr lang="de-DE"/>
               <a:t/>
             </a:r>
             <a:endParaRPr lang="en-US" sz="1100"/>
@@ -8126,7 +8285,7 @@
       </p:sp>
       <p:sp>
         <p:nvSpPr>
-          <p:cNvPr name="TextBox 2" id="3"/>
+          <p:cNvPr name="TextBox 3" id="3"/>
           <p:cNvSpPr txBox="true"/>
           <p:nvPr/>
         </p:nvSpPr>
@@ -8143,8 +8302,11 @@
           <a:bodyPr anchor="t" rtlCol="false"/>
           <a:lstStyle/>
           <a:p>
-            <a:pPr algn="l"/>
-            <a:r>
+            <a:pPr algn="l">
+              <a:defRPr/>
+            </a:pPr>
+            <a:r>
+              <a:rPr lang="de-DE"/>
               <a:t/>
             </a:r>
             <a:endParaRPr lang="en-US" sz="1100"/>
@@ -8164,7 +8326,7 @@
       </p:sp>
       <p:pic>
         <p:nvPicPr>
-          <p:cNvPr name="Picture 3" id="4"/>
+          <p:cNvPr name="Picture 4" id="4"/>
           <p:cNvPicPr>
             <a:picLocks noChangeAspect="true"/>
           </p:cNvPicPr>
@@ -8179,7 +8341,7 @@
         <p:spPr>
           <a:xfrm>
             <a:off x="254000" y="254000"/>
-            <a:ext cx="2540000" cy="3200400"/>
+            <a:ext cx="2540000" cy="3530600"/>
           </a:xfrm>
           <a:prstGeom prst="rect">
             <a:avLst/>
@@ -8188,7 +8350,7 @@
       </p:pic>
       <p:sp>
         <p:nvSpPr>
-          <p:cNvPr name="TextBox 4" id="5"/>
+          <p:cNvPr name="TextBox 5" id="5"/>
           <p:cNvSpPr txBox="true"/>
           <p:nvPr/>
         </p:nvSpPr>
@@ -8205,8 +8367,11 @@
           <a:bodyPr anchor="t" rtlCol="false"/>
           <a:lstStyle/>
           <a:p>
-            <a:pPr algn="l"/>
-            <a:r>
+            <a:pPr algn="l">
+              <a:defRPr/>
+            </a:pPr>
+            <a:r>
+              <a:rPr lang="de-DE"/>
               <a:t/>
             </a:r>
             <a:endParaRPr lang="en-US" sz="1100"/>
@@ -8225,7 +8390,7 @@
       </p:sp>
       <p:sp>
         <p:nvSpPr>
-          <p:cNvPr name="TextBox 5" id="6"/>
+          <p:cNvPr name="TextBox 6" id="6"/>
           <p:cNvSpPr txBox="true"/>
           <p:nvPr/>
         </p:nvSpPr>
@@ -8242,8 +8407,11 @@
           <a:bodyPr anchor="t" rtlCol="false"/>
           <a:lstStyle/>
           <a:p>
-            <a:pPr algn="l"/>
-            <a:r>
+            <a:pPr algn="l">
+              <a:defRPr/>
+            </a:pPr>
+            <a:r>
+              <a:rPr lang="de-DE"/>
               <a:t/>
             </a:r>
             <a:endParaRPr lang="en-US" sz="1100"/>
@@ -8262,7 +8430,7 @@
       </p:sp>
       <p:sp>
         <p:nvSpPr>
-          <p:cNvPr name="TextBox 6" id="7"/>
+          <p:cNvPr name="TextBox 7" id="7"/>
           <p:cNvSpPr txBox="true"/>
           <p:nvPr/>
         </p:nvSpPr>
@@ -8279,8 +8447,11 @@
           <a:bodyPr anchor="t" rtlCol="false"/>
           <a:lstStyle/>
           <a:p>
-            <a:pPr algn="l"/>
-            <a:r>
+            <a:pPr algn="l">
+              <a:defRPr/>
+            </a:pPr>
+            <a:r>
+              <a:rPr lang="de-DE"/>
               <a:t/>
             </a:r>
             <a:endParaRPr lang="en-US" sz="1100"/>
@@ -8299,7 +8470,7 @@
       </p:sp>
       <p:sp>
         <p:nvSpPr>
-          <p:cNvPr name="TextBox 7" id="8"/>
+          <p:cNvPr name="TextBox 8" id="8"/>
           <p:cNvSpPr txBox="true"/>
           <p:nvPr/>
         </p:nvSpPr>
@@ -8316,8 +8487,11 @@
           <a:bodyPr anchor="t" rtlCol="false"/>
           <a:lstStyle/>
           <a:p>
-            <a:pPr algn="l"/>
-            <a:r>
+            <a:pPr algn="l">
+              <a:defRPr/>
+            </a:pPr>
+            <a:r>
+              <a:rPr lang="de-DE"/>
               <a:t/>
             </a:r>
             <a:endParaRPr lang="en-US" sz="1100"/>
@@ -8329,14 +8503,14 @@
                   <a:srgbClr val="0000FF"/>
                 </a:solidFill>
               </a:rPr>
-              <a:t>Victoria, Princess Royal.jpg</a:t>
-            </a:r>
-          </a:p>
-        </p:txBody>
-      </p:sp>
-      <p:sp>
-        <p:nvSpPr>
-          <p:cNvPr name="TextBox 8" id="9"/>
+              <a:t>Empress Viktoria of Germany (1840-1901).png</a:t>
+            </a:r>
+          </a:p>
+        </p:txBody>
+      </p:sp>
+      <p:sp>
+        <p:nvSpPr>
+          <p:cNvPr name="TextBox 9" id="9"/>
           <p:cNvSpPr txBox="true"/>
           <p:nvPr/>
         </p:nvSpPr>
@@ -8353,8 +8527,11 @@
           <a:bodyPr anchor="t" rtlCol="false"/>
           <a:lstStyle/>
           <a:p>
-            <a:pPr algn="l"/>
-            <a:r>
+            <a:pPr algn="l">
+              <a:defRPr/>
+            </a:pPr>
+            <a:r>
+              <a:rPr lang="de-DE"/>
               <a:t/>
             </a:r>
             <a:endParaRPr lang="en-US" sz="1100"/>
@@ -8373,7 +8550,7 @@
       </p:sp>
       <p:sp>
         <p:nvSpPr>
-          <p:cNvPr name="TextBox 9" id="10"/>
+          <p:cNvPr name="TextBox 10" id="10"/>
           <p:cNvSpPr txBox="true"/>
           <p:nvPr/>
         </p:nvSpPr>
@@ -8390,8 +8567,11 @@
           <a:bodyPr anchor="t" rtlCol="false"/>
           <a:lstStyle/>
           <a:p>
-            <a:pPr algn="l"/>
-            <a:r>
+            <a:pPr algn="l">
+              <a:defRPr/>
+            </a:pPr>
+            <a:r>
+              <a:rPr lang="de-DE"/>
               <a:t/>
             </a:r>
             <a:endParaRPr lang="en-US" sz="1100"/>
@@ -8410,7 +8590,7 @@
       </p:sp>
       <p:sp>
         <p:nvSpPr>
-          <p:cNvPr name="TextBox 10" id="11"/>
+          <p:cNvPr name="TextBox 11" id="11"/>
           <p:cNvSpPr txBox="true"/>
           <p:nvPr/>
         </p:nvSpPr>
@@ -8427,8 +8607,11 @@
           <a:bodyPr anchor="t" rtlCol="false"/>
           <a:lstStyle/>
           <a:p>
-            <a:pPr algn="l"/>
-            <a:r>
+            <a:pPr algn="l">
+              <a:defRPr/>
+            </a:pPr>
+            <a:r>
+              <a:rPr lang="de-DE"/>
               <a:t/>
             </a:r>
             <a:endParaRPr lang="en-US" sz="1100"/>
@@ -8447,7 +8630,7 @@
       </p:sp>
       <p:sp>
         <p:nvSpPr>
-          <p:cNvPr name="TextBox 11" id="12"/>
+          <p:cNvPr name="TextBox 12" id="12"/>
           <p:cNvSpPr txBox="true"/>
           <p:nvPr/>
         </p:nvSpPr>
@@ -8464,8 +8647,11 @@
           <a:bodyPr anchor="t" rtlCol="false"/>
           <a:lstStyle/>
           <a:p>
-            <a:pPr algn="l"/>
-            <a:r>
+            <a:pPr algn="l">
+              <a:defRPr/>
+            </a:pPr>
+            <a:r>
+              <a:rPr lang="de-DE"/>
               <a:t/>
             </a:r>
             <a:endParaRPr lang="en-US" sz="1100"/>
@@ -8484,7 +8670,7 @@
       </p:sp>
       <p:sp>
         <p:nvSpPr>
-          <p:cNvPr name="TextBox 12" id="13"/>
+          <p:cNvPr name="TextBox 13" id="13"/>
           <p:cNvSpPr txBox="true"/>
           <p:nvPr/>
         </p:nvSpPr>
@@ -8501,8 +8687,11 @@
           <a:bodyPr anchor="t" rtlCol="false"/>
           <a:lstStyle/>
           <a:p>
-            <a:pPr algn="l"/>
-            <a:r>
+            <a:pPr algn="l">
+              <a:defRPr/>
+            </a:pPr>
+            <a:r>
+              <a:rPr lang="de-DE"/>
               <a:t/>
             </a:r>
             <a:endParaRPr lang="en-US" sz="1100"/>
@@ -8521,7 +8710,7 @@
       </p:sp>
       <p:sp>
         <p:nvSpPr>
-          <p:cNvPr name="TextBox 13" id="14"/>
+          <p:cNvPr name="TextBox 14" id="14"/>
           <p:cNvSpPr txBox="true"/>
           <p:nvPr/>
         </p:nvSpPr>
@@ -8538,8 +8727,11 @@
           <a:bodyPr anchor="t" rtlCol="false"/>
           <a:lstStyle/>
           <a:p>
-            <a:pPr algn="l"/>
-            <a:r>
+            <a:pPr algn="l">
+              <a:defRPr/>
+            </a:pPr>
+            <a:r>
+              <a:rPr lang="de-DE"/>
               <a:t/>
             </a:r>
             <a:endParaRPr lang="en-US" sz="1100"/>
@@ -8558,7 +8750,7 @@
       </p:sp>
       <p:sp>
         <p:nvSpPr>
-          <p:cNvPr name="TextBox 14" id="15"/>
+          <p:cNvPr name="TextBox 15" id="15"/>
           <p:cNvSpPr txBox="true"/>
           <p:nvPr/>
         </p:nvSpPr>
@@ -8575,8 +8767,11 @@
           <a:bodyPr anchor="t" rtlCol="false"/>
           <a:lstStyle/>
           <a:p>
-            <a:pPr algn="l"/>
-            <a:r>
+            <a:pPr algn="l">
+              <a:defRPr/>
+            </a:pPr>
+            <a:r>
+              <a:rPr lang="de-DE"/>
               <a:t/>
             </a:r>
             <a:endParaRPr lang="en-US" sz="1100"/>
@@ -8595,7 +8790,7 @@
       </p:sp>
       <p:sp>
         <p:nvSpPr>
-          <p:cNvPr name="TextBox 15" id="16"/>
+          <p:cNvPr name="TextBox 16" id="16"/>
           <p:cNvSpPr txBox="true"/>
           <p:nvPr/>
         </p:nvSpPr>
@@ -8612,8 +8807,11 @@
           <a:bodyPr anchor="t" rtlCol="false"/>
           <a:lstStyle/>
           <a:p>
-            <a:pPr algn="l"/>
-            <a:r>
+            <a:pPr algn="l">
+              <a:defRPr/>
+            </a:pPr>
+            <a:r>
+              <a:rPr lang="de-DE"/>
               <a:t/>
             </a:r>
             <a:endParaRPr lang="en-US" sz="1100"/>
@@ -8632,7 +8830,7 @@
       </p:sp>
       <p:sp>
         <p:nvSpPr>
-          <p:cNvPr name="TextBox 16" id="17"/>
+          <p:cNvPr name="TextBox 17" id="17"/>
           <p:cNvSpPr txBox="true"/>
           <p:nvPr/>
         </p:nvSpPr>
@@ -8649,8 +8847,11 @@
           <a:bodyPr anchor="t" rtlCol="false"/>
           <a:lstStyle/>
           <a:p>
-            <a:pPr algn="l"/>
-            <a:r>
+            <a:pPr algn="l">
+              <a:defRPr/>
+            </a:pPr>
+            <a:r>
+              <a:rPr lang="de-DE"/>
               <a:t/>
             </a:r>
             <a:endParaRPr lang="en-US" sz="1100"/>
@@ -8669,7 +8870,7 @@
       </p:sp>
       <p:sp>
         <p:nvSpPr>
-          <p:cNvPr name="TextBox 17" id="18"/>
+          <p:cNvPr name="TextBox 18" id="18"/>
           <p:cNvSpPr txBox="true"/>
           <p:nvPr/>
         </p:nvSpPr>
@@ -8686,8 +8887,11 @@
           <a:bodyPr anchor="t" rtlCol="false"/>
           <a:lstStyle/>
           <a:p>
-            <a:pPr algn="l"/>
-            <a:r>
+            <a:pPr algn="l">
+              <a:defRPr/>
+            </a:pPr>
+            <a:r>
+              <a:rPr lang="de-DE"/>
               <a:t/>
             </a:r>
             <a:endParaRPr lang="en-US" sz="1100"/>
@@ -8706,7 +8910,7 @@
       </p:sp>
       <p:sp>
         <p:nvSpPr>
-          <p:cNvPr name="TextBox 18" id="19"/>
+          <p:cNvPr name="TextBox 19" id="19"/>
           <p:cNvSpPr txBox="true"/>
           <p:nvPr/>
         </p:nvSpPr>
@@ -8723,8 +8927,11 @@
           <a:bodyPr anchor="t" rtlCol="false"/>
           <a:lstStyle/>
           <a:p>
-            <a:pPr algn="l"/>
-            <a:r>
+            <a:pPr algn="l">
+              <a:defRPr/>
+            </a:pPr>
+            <a:r>
+              <a:rPr lang="de-DE"/>
               <a:t/>
             </a:r>
             <a:endParaRPr lang="en-US" sz="1100"/>
@@ -8743,7 +8950,7 @@
       </p:sp>
       <p:sp>
         <p:nvSpPr>
-          <p:cNvPr name="TextBox 19" id="20"/>
+          <p:cNvPr name="TextBox 20" id="20"/>
           <p:cNvSpPr txBox="true"/>
           <p:nvPr/>
         </p:nvSpPr>
@@ -8760,8 +8967,11 @@
           <a:bodyPr anchor="t" rtlCol="false"/>
           <a:lstStyle/>
           <a:p>
-            <a:pPr algn="l"/>
-            <a:r>
+            <a:pPr algn="l">
+              <a:defRPr/>
+            </a:pPr>
+            <a:r>
+              <a:rPr lang="de-DE"/>
               <a:t/>
             </a:r>
             <a:endParaRPr lang="en-US" sz="1100"/>
@@ -8780,7 +8990,7 @@
       </p:sp>
       <p:sp>
         <p:nvSpPr>
-          <p:cNvPr name="TextBox 20" id="21"/>
+          <p:cNvPr name="TextBox 21" id="21"/>
           <p:cNvSpPr txBox="true"/>
           <p:nvPr/>
         </p:nvSpPr>
@@ -8797,8 +9007,11 @@
           <a:bodyPr anchor="t" rtlCol="false"/>
           <a:lstStyle/>
           <a:p>
-            <a:pPr algn="l"/>
-            <a:r>
+            <a:pPr algn="l">
+              <a:defRPr/>
+            </a:pPr>
+            <a:r>
+              <a:rPr lang="de-DE"/>
               <a:t/>
             </a:r>
             <a:endParaRPr lang="en-US" sz="1100"/>
@@ -8817,7 +9030,7 @@
       </p:sp>
       <p:sp>
         <p:nvSpPr>
-          <p:cNvPr name="TextBox 21" id="22"/>
+          <p:cNvPr name="TextBox 22" id="22"/>
           <p:cNvSpPr txBox="true"/>
           <p:nvPr/>
         </p:nvSpPr>
@@ -8834,8 +9047,11 @@
           <a:bodyPr anchor="t" rtlCol="false"/>
           <a:lstStyle/>
           <a:p>
-            <a:pPr algn="l"/>
-            <a:r>
+            <a:pPr algn="l">
+              <a:defRPr/>
+            </a:pPr>
+            <a:r>
+              <a:rPr lang="de-DE"/>
               <a:t/>
             </a:r>
             <a:endParaRPr lang="en-US" sz="1100"/>
@@ -8854,7 +9070,7 @@
       </p:sp>
       <p:sp>
         <p:nvSpPr>
-          <p:cNvPr name="TextBox 22" id="23"/>
+          <p:cNvPr name="TextBox 23" id="23"/>
           <p:cNvSpPr txBox="true"/>
           <p:nvPr/>
         </p:nvSpPr>
@@ -8871,8 +9087,11 @@
           <a:bodyPr anchor="t" rtlCol="false"/>
           <a:lstStyle/>
           <a:p>
-            <a:pPr algn="l"/>
-            <a:r>
+            <a:pPr algn="l">
+              <a:defRPr/>
+            </a:pPr>
+            <a:r>
+              <a:rPr lang="de-DE"/>
               <a:t/>
             </a:r>
             <a:endParaRPr lang="en-US" sz="1100"/>
@@ -8891,7 +9110,7 @@
       </p:sp>
       <p:sp>
         <p:nvSpPr>
-          <p:cNvPr name="TextBox 23" id="24"/>
+          <p:cNvPr name="TextBox 24" id="24"/>
           <p:cNvSpPr txBox="true"/>
           <p:nvPr/>
         </p:nvSpPr>
@@ -8908,8 +9127,11 @@
           <a:bodyPr anchor="t" rtlCol="false"/>
           <a:lstStyle/>
           <a:p>
-            <a:pPr algn="l"/>
-            <a:r>
+            <a:pPr algn="l">
+              <a:defRPr/>
+            </a:pPr>
+            <a:r>
+              <a:rPr lang="de-DE"/>
               <a:t/>
             </a:r>
             <a:endParaRPr lang="en-US" sz="1100"/>
@@ -8928,7 +9150,7 @@
       </p:sp>
       <p:sp>
         <p:nvSpPr>
-          <p:cNvPr name="TextBox 24" id="25"/>
+          <p:cNvPr name="TextBox 25" id="25"/>
           <p:cNvSpPr txBox="true"/>
           <p:nvPr/>
         </p:nvSpPr>
@@ -8945,8 +9167,11 @@
           <a:bodyPr anchor="t" rtlCol="false"/>
           <a:lstStyle/>
           <a:p>
-            <a:pPr algn="l"/>
-            <a:r>
+            <a:pPr algn="l">
+              <a:defRPr/>
+            </a:pPr>
+            <a:r>
+              <a:rPr lang="de-DE"/>
               <a:t/>
             </a:r>
             <a:endParaRPr lang="en-US" sz="1100"/>
@@ -8965,7 +9190,7 @@
       </p:sp>
       <p:sp>
         <p:nvSpPr>
-          <p:cNvPr name="TextBox 25" id="26"/>
+          <p:cNvPr name="TextBox 26" id="26"/>
           <p:cNvSpPr txBox="true"/>
           <p:nvPr/>
         </p:nvSpPr>
@@ -8982,8 +9207,11 @@
           <a:bodyPr anchor="t" rtlCol="false"/>
           <a:lstStyle/>
           <a:p>
-            <a:pPr algn="l"/>
-            <a:r>
+            <a:pPr algn="l">
+              <a:defRPr/>
+            </a:pPr>
+            <a:r>
+              <a:rPr lang="de-DE"/>
               <a:t/>
             </a:r>
             <a:endParaRPr lang="en-US" sz="1100"/>
@@ -9027,7 +9255,7 @@
       </p:grpSpPr>
       <p:sp>
         <p:nvSpPr>
-          <p:cNvPr name="TextBox 1" id="2"/>
+          <p:cNvPr name="TextBox 2" id="2"/>
           <p:cNvSpPr txBox="true"/>
           <p:nvPr/>
         </p:nvSpPr>
@@ -9044,8 +9272,11 @@
           <a:bodyPr anchor="t" rtlCol="false"/>
           <a:lstStyle/>
           <a:p>
-            <a:pPr algn="l"/>
-            <a:r>
+            <a:pPr algn="l">
+              <a:defRPr/>
+            </a:pPr>
+            <a:r>
+              <a:rPr lang="de-DE"/>
               <a:t/>
             </a:r>
             <a:endParaRPr lang="en-US" sz="1100"/>
@@ -9064,7 +9295,7 @@
       </p:sp>
       <p:sp>
         <p:nvSpPr>
-          <p:cNvPr name="TextBox 2" id="3"/>
+          <p:cNvPr name="TextBox 3" id="3"/>
           <p:cNvSpPr txBox="true"/>
           <p:nvPr/>
         </p:nvSpPr>
@@ -9081,8 +9312,11 @@
           <a:bodyPr anchor="t" rtlCol="false"/>
           <a:lstStyle/>
           <a:p>
-            <a:pPr algn="l"/>
-            <a:r>
+            <a:pPr algn="l">
+              <a:defRPr/>
+            </a:pPr>
+            <a:r>
+              <a:rPr lang="de-DE"/>
               <a:t/>
             </a:r>
             <a:endParaRPr lang="en-US" sz="1100"/>
@@ -9102,7 +9336,7 @@
       </p:sp>
       <p:pic>
         <p:nvPicPr>
-          <p:cNvPr name="Picture 3" id="4"/>
+          <p:cNvPr name="Picture 4" id="4"/>
           <p:cNvPicPr>
             <a:picLocks noChangeAspect="true"/>
           </p:cNvPicPr>
@@ -9126,7 +9360,7 @@
       </p:pic>
       <p:sp>
         <p:nvSpPr>
-          <p:cNvPr name="TextBox 4" id="5"/>
+          <p:cNvPr name="TextBox 5" id="5"/>
           <p:cNvSpPr txBox="true"/>
           <p:nvPr/>
         </p:nvSpPr>
@@ -9143,8 +9377,11 @@
           <a:bodyPr anchor="t" rtlCol="false"/>
           <a:lstStyle/>
           <a:p>
-            <a:pPr algn="l"/>
-            <a:r>
+            <a:pPr algn="l">
+              <a:defRPr/>
+            </a:pPr>
+            <a:r>
+              <a:rPr lang="de-DE"/>
               <a:t/>
             </a:r>
             <a:endParaRPr lang="en-US" sz="1100"/>
@@ -9163,7 +9400,7 @@
       </p:sp>
       <p:sp>
         <p:nvSpPr>
-          <p:cNvPr name="TextBox 5" id="6"/>
+          <p:cNvPr name="TextBox 6" id="6"/>
           <p:cNvSpPr txBox="true"/>
           <p:nvPr/>
         </p:nvSpPr>
@@ -9180,8 +9417,11 @@
           <a:bodyPr anchor="t" rtlCol="false"/>
           <a:lstStyle/>
           <a:p>
-            <a:pPr algn="l"/>
-            <a:r>
+            <a:pPr algn="l">
+              <a:defRPr/>
+            </a:pPr>
+            <a:r>
+              <a:rPr lang="de-DE"/>
               <a:t/>
             </a:r>
             <a:endParaRPr lang="en-US" sz="1100"/>
@@ -9200,7 +9440,7 @@
       </p:sp>
       <p:sp>
         <p:nvSpPr>
-          <p:cNvPr name="TextBox 6" id="7"/>
+          <p:cNvPr name="TextBox 7" id="7"/>
           <p:cNvSpPr txBox="true"/>
           <p:nvPr/>
         </p:nvSpPr>
@@ -9217,8 +9457,11 @@
           <a:bodyPr anchor="t" rtlCol="false"/>
           <a:lstStyle/>
           <a:p>
-            <a:pPr algn="l"/>
-            <a:r>
+            <a:pPr algn="l">
+              <a:defRPr/>
+            </a:pPr>
+            <a:r>
+              <a:rPr lang="de-DE"/>
               <a:t/>
             </a:r>
             <a:endParaRPr lang="en-US" sz="1100"/>
@@ -9237,7 +9480,7 @@
       </p:sp>
       <p:sp>
         <p:nvSpPr>
-          <p:cNvPr name="TextBox 7" id="8"/>
+          <p:cNvPr name="TextBox 8" id="8"/>
           <p:cNvSpPr txBox="true"/>
           <p:nvPr/>
         </p:nvSpPr>
@@ -9254,8 +9497,11 @@
           <a:bodyPr anchor="t" rtlCol="false"/>
           <a:lstStyle/>
           <a:p>
-            <a:pPr algn="l"/>
-            <a:r>
+            <a:pPr algn="l">
+              <a:defRPr/>
+            </a:pPr>
+            <a:r>
+              <a:rPr lang="de-DE"/>
               <a:t/>
             </a:r>
             <a:endParaRPr lang="en-US" sz="1100"/>
@@ -9274,7 +9520,7 @@
       </p:sp>
       <p:sp>
         <p:nvSpPr>
-          <p:cNvPr name="TextBox 8" id="9"/>
+          <p:cNvPr name="TextBox 9" id="9"/>
           <p:cNvSpPr txBox="true"/>
           <p:nvPr/>
         </p:nvSpPr>
@@ -9291,8 +9537,11 @@
           <a:bodyPr anchor="t" rtlCol="false"/>
           <a:lstStyle/>
           <a:p>
-            <a:pPr algn="l"/>
-            <a:r>
+            <a:pPr algn="l">
+              <a:defRPr/>
+            </a:pPr>
+            <a:r>
+              <a:rPr lang="de-DE"/>
               <a:t/>
             </a:r>
             <a:endParaRPr lang="en-US" sz="1100"/>
@@ -9311,7 +9560,7 @@
       </p:sp>
       <p:sp>
         <p:nvSpPr>
-          <p:cNvPr name="TextBox 9" id="10"/>
+          <p:cNvPr name="TextBox 10" id="10"/>
           <p:cNvSpPr txBox="true"/>
           <p:nvPr/>
         </p:nvSpPr>
@@ -9328,8 +9577,11 @@
           <a:bodyPr anchor="t" rtlCol="false"/>
           <a:lstStyle/>
           <a:p>
-            <a:pPr algn="l"/>
-            <a:r>
+            <a:pPr algn="l">
+              <a:defRPr/>
+            </a:pPr>
+            <a:r>
+              <a:rPr lang="de-DE"/>
               <a:t/>
             </a:r>
             <a:endParaRPr lang="en-US" sz="1100"/>
@@ -9348,7 +9600,7 @@
       </p:sp>
       <p:sp>
         <p:nvSpPr>
-          <p:cNvPr name="TextBox 10" id="11"/>
+          <p:cNvPr name="TextBox 11" id="11"/>
           <p:cNvSpPr txBox="true"/>
           <p:nvPr/>
         </p:nvSpPr>
@@ -9365,8 +9617,11 @@
           <a:bodyPr anchor="t" rtlCol="false"/>
           <a:lstStyle/>
           <a:p>
-            <a:pPr algn="l"/>
-            <a:r>
+            <a:pPr algn="l">
+              <a:defRPr/>
+            </a:pPr>
+            <a:r>
+              <a:rPr lang="de-DE"/>
               <a:t/>
             </a:r>
             <a:endParaRPr lang="en-US" sz="1100"/>
@@ -9385,7 +9640,7 @@
       </p:sp>
       <p:sp>
         <p:nvSpPr>
-          <p:cNvPr name="TextBox 11" id="12"/>
+          <p:cNvPr name="TextBox 12" id="12"/>
           <p:cNvSpPr txBox="true"/>
           <p:nvPr/>
         </p:nvSpPr>
@@ -9402,8 +9657,11 @@
           <a:bodyPr anchor="t" rtlCol="false"/>
           <a:lstStyle/>
           <a:p>
-            <a:pPr algn="l"/>
-            <a:r>
+            <a:pPr algn="l">
+              <a:defRPr/>
+            </a:pPr>
+            <a:r>
+              <a:rPr lang="de-DE"/>
               <a:t/>
             </a:r>
             <a:endParaRPr lang="en-US" sz="1100"/>
@@ -9422,7 +9680,7 @@
       </p:sp>
       <p:sp>
         <p:nvSpPr>
-          <p:cNvPr name="TextBox 12" id="13"/>
+          <p:cNvPr name="TextBox 13" id="13"/>
           <p:cNvSpPr txBox="true"/>
           <p:nvPr/>
         </p:nvSpPr>
@@ -9439,8 +9697,11 @@
           <a:bodyPr anchor="t" rtlCol="false"/>
           <a:lstStyle/>
           <a:p>
-            <a:pPr algn="l"/>
-            <a:r>
+            <a:pPr algn="l">
+              <a:defRPr/>
+            </a:pPr>
+            <a:r>
+              <a:rPr lang="de-DE"/>
               <a:t/>
             </a:r>
             <a:endParaRPr lang="en-US" sz="1100"/>
@@ -9459,7 +9720,7 @@
       </p:sp>
       <p:sp>
         <p:nvSpPr>
-          <p:cNvPr name="TextBox 13" id="14"/>
+          <p:cNvPr name="TextBox 14" id="14"/>
           <p:cNvSpPr txBox="true"/>
           <p:nvPr/>
         </p:nvSpPr>
@@ -9476,8 +9737,11 @@
           <a:bodyPr anchor="t" rtlCol="false"/>
           <a:lstStyle/>
           <a:p>
-            <a:pPr algn="l"/>
-            <a:r>
+            <a:pPr algn="l">
+              <a:defRPr/>
+            </a:pPr>
+            <a:r>
+              <a:rPr lang="de-DE"/>
               <a:t/>
             </a:r>
             <a:endParaRPr lang="en-US" sz="1100"/>
@@ -9496,7 +9760,7 @@
       </p:sp>
       <p:sp>
         <p:nvSpPr>
-          <p:cNvPr name="TextBox 14" id="15"/>
+          <p:cNvPr name="TextBox 15" id="15"/>
           <p:cNvSpPr txBox="true"/>
           <p:nvPr/>
         </p:nvSpPr>
@@ -9513,8 +9777,11 @@
           <a:bodyPr anchor="t" rtlCol="false"/>
           <a:lstStyle/>
           <a:p>
-            <a:pPr algn="l"/>
-            <a:r>
+            <a:pPr algn="l">
+              <a:defRPr/>
+            </a:pPr>
+            <a:r>
+              <a:rPr lang="de-DE"/>
               <a:t/>
             </a:r>
             <a:endParaRPr lang="en-US" sz="1100"/>
@@ -9533,7 +9800,7 @@
       </p:sp>
       <p:sp>
         <p:nvSpPr>
-          <p:cNvPr name="TextBox 15" id="16"/>
+          <p:cNvPr name="TextBox 16" id="16"/>
           <p:cNvSpPr txBox="true"/>
           <p:nvPr/>
         </p:nvSpPr>
@@ -9550,8 +9817,11 @@
           <a:bodyPr anchor="t" rtlCol="false"/>
           <a:lstStyle/>
           <a:p>
-            <a:pPr algn="l"/>
-            <a:r>
+            <a:pPr algn="l">
+              <a:defRPr/>
+            </a:pPr>
+            <a:r>
+              <a:rPr lang="de-DE"/>
               <a:t/>
             </a:r>
             <a:endParaRPr lang="en-US" sz="1100"/>
@@ -9570,7 +9840,7 @@
       </p:sp>
       <p:sp>
         <p:nvSpPr>
-          <p:cNvPr name="TextBox 16" id="17"/>
+          <p:cNvPr name="TextBox 17" id="17"/>
           <p:cNvSpPr txBox="true"/>
           <p:nvPr/>
         </p:nvSpPr>
@@ -9587,8 +9857,11 @@
           <a:bodyPr anchor="t" rtlCol="false"/>
           <a:lstStyle/>
           <a:p>
-            <a:pPr algn="l"/>
-            <a:r>
+            <a:pPr algn="l">
+              <a:defRPr/>
+            </a:pPr>
+            <a:r>
+              <a:rPr lang="de-DE"/>
               <a:t/>
             </a:r>
             <a:endParaRPr lang="en-US" sz="1100"/>
@@ -9607,7 +9880,7 @@
       </p:sp>
       <p:sp>
         <p:nvSpPr>
-          <p:cNvPr name="TextBox 17" id="18"/>
+          <p:cNvPr name="TextBox 18" id="18"/>
           <p:cNvSpPr txBox="true"/>
           <p:nvPr/>
         </p:nvSpPr>
@@ -9624,8 +9897,11 @@
           <a:bodyPr anchor="t" rtlCol="false"/>
           <a:lstStyle/>
           <a:p>
-            <a:pPr algn="l"/>
-            <a:r>
+            <a:pPr algn="l">
+              <a:defRPr/>
+            </a:pPr>
+            <a:r>
+              <a:rPr lang="de-DE"/>
               <a:t/>
             </a:r>
             <a:endParaRPr lang="en-US" sz="1100"/>
@@ -9644,7 +9920,7 @@
       </p:sp>
       <p:sp>
         <p:nvSpPr>
-          <p:cNvPr name="TextBox 18" id="19"/>
+          <p:cNvPr name="TextBox 19" id="19"/>
           <p:cNvSpPr txBox="true"/>
           <p:nvPr/>
         </p:nvSpPr>
@@ -9661,8 +9937,11 @@
           <a:bodyPr anchor="t" rtlCol="false"/>
           <a:lstStyle/>
           <a:p>
-            <a:pPr algn="l"/>
-            <a:r>
+            <a:pPr algn="l">
+              <a:defRPr/>
+            </a:pPr>
+            <a:r>
+              <a:rPr lang="de-DE"/>
               <a:t/>
             </a:r>
             <a:endParaRPr lang="en-US" sz="1100"/>
@@ -9681,7 +9960,7 @@
       </p:sp>
       <p:sp>
         <p:nvSpPr>
-          <p:cNvPr name="TextBox 19" id="20"/>
+          <p:cNvPr name="TextBox 20" id="20"/>
           <p:cNvSpPr txBox="true"/>
           <p:nvPr/>
         </p:nvSpPr>
@@ -9698,8 +9977,11 @@
           <a:bodyPr anchor="t" rtlCol="false"/>
           <a:lstStyle/>
           <a:p>
-            <a:pPr algn="l"/>
-            <a:r>
+            <a:pPr algn="l">
+              <a:defRPr/>
+            </a:pPr>
+            <a:r>
+              <a:rPr lang="de-DE"/>
               <a:t/>
             </a:r>
             <a:endParaRPr lang="en-US" sz="1100"/>
@@ -9718,7 +10000,7 @@
       </p:sp>
       <p:sp>
         <p:nvSpPr>
-          <p:cNvPr name="TextBox 20" id="21"/>
+          <p:cNvPr name="TextBox 21" id="21"/>
           <p:cNvSpPr txBox="true"/>
           <p:nvPr/>
         </p:nvSpPr>
@@ -9735,8 +10017,11 @@
           <a:bodyPr anchor="t" rtlCol="false"/>
           <a:lstStyle/>
           <a:p>
-            <a:pPr algn="l"/>
-            <a:r>
+            <a:pPr algn="l">
+              <a:defRPr/>
+            </a:pPr>
+            <a:r>
+              <a:rPr lang="de-DE"/>
               <a:t/>
             </a:r>
             <a:endParaRPr lang="en-US" sz="1100"/>
@@ -9755,7 +10040,7 @@
       </p:sp>
       <p:sp>
         <p:nvSpPr>
-          <p:cNvPr name="TextBox 21" id="22"/>
+          <p:cNvPr name="TextBox 22" id="22"/>
           <p:cNvSpPr txBox="true"/>
           <p:nvPr/>
         </p:nvSpPr>
@@ -9772,8 +10057,11 @@
           <a:bodyPr anchor="t" rtlCol="false"/>
           <a:lstStyle/>
           <a:p>
-            <a:pPr algn="l"/>
-            <a:r>
+            <a:pPr algn="l">
+              <a:defRPr/>
+            </a:pPr>
+            <a:r>
+              <a:rPr lang="de-DE"/>
               <a:t/>
             </a:r>
             <a:endParaRPr lang="en-US" sz="1100"/>
@@ -9792,7 +10080,7 @@
       </p:sp>
       <p:sp>
         <p:nvSpPr>
-          <p:cNvPr name="TextBox 22" id="23"/>
+          <p:cNvPr name="TextBox 23" id="23"/>
           <p:cNvSpPr txBox="true"/>
           <p:nvPr/>
         </p:nvSpPr>
@@ -9809,8 +10097,11 @@
           <a:bodyPr anchor="t" rtlCol="false"/>
           <a:lstStyle/>
           <a:p>
-            <a:pPr algn="l"/>
-            <a:r>
+            <a:pPr algn="l">
+              <a:defRPr/>
+            </a:pPr>
+            <a:r>
+              <a:rPr lang="de-DE"/>
               <a:t/>
             </a:r>
             <a:endParaRPr lang="en-US" sz="1100"/>
@@ -9829,7 +10120,7 @@
       </p:sp>
       <p:sp>
         <p:nvSpPr>
-          <p:cNvPr name="TextBox 23" id="24"/>
+          <p:cNvPr name="TextBox 24" id="24"/>
           <p:cNvSpPr txBox="true"/>
           <p:nvPr/>
         </p:nvSpPr>
@@ -9846,8 +10137,11 @@
           <a:bodyPr anchor="t" rtlCol="false"/>
           <a:lstStyle/>
           <a:p>
-            <a:pPr algn="l"/>
-            <a:r>
+            <a:pPr algn="l">
+              <a:defRPr/>
+            </a:pPr>
+            <a:r>
+              <a:rPr lang="de-DE"/>
               <a:t/>
             </a:r>
             <a:endParaRPr lang="en-US" sz="1100"/>
@@ -9866,7 +10160,7 @@
       </p:sp>
       <p:sp>
         <p:nvSpPr>
-          <p:cNvPr name="TextBox 24" id="25"/>
+          <p:cNvPr name="TextBox 25" id="25"/>
           <p:cNvSpPr txBox="true"/>
           <p:nvPr/>
         </p:nvSpPr>
@@ -9883,8 +10177,11 @@
           <a:bodyPr anchor="t" rtlCol="false"/>
           <a:lstStyle/>
           <a:p>
-            <a:pPr algn="l"/>
-            <a:r>
+            <a:pPr algn="l">
+              <a:defRPr/>
+            </a:pPr>
+            <a:r>
+              <a:rPr lang="de-DE"/>
               <a:t/>
             </a:r>
             <a:endParaRPr lang="en-US" sz="1100"/>
@@ -9903,7 +10200,7 @@
       </p:sp>
       <p:sp>
         <p:nvSpPr>
-          <p:cNvPr name="TextBox 25" id="26"/>
+          <p:cNvPr name="TextBox 26" id="26"/>
           <p:cNvSpPr txBox="true"/>
           <p:nvPr/>
         </p:nvSpPr>
@@ -9920,8 +10217,11 @@
           <a:bodyPr anchor="t" rtlCol="false"/>
           <a:lstStyle/>
           <a:p>
-            <a:pPr algn="l"/>
-            <a:r>
+            <a:pPr algn="l">
+              <a:defRPr/>
+            </a:pPr>
+            <a:r>
+              <a:rPr lang="de-DE"/>
               <a:t/>
             </a:r>
             <a:endParaRPr lang="en-US" sz="1100"/>
@@ -9940,7 +10240,7 @@
       </p:sp>
       <p:sp>
         <p:nvSpPr>
-          <p:cNvPr name="TextBox 26" id="27"/>
+          <p:cNvPr name="TextBox 27" id="27"/>
           <p:cNvSpPr txBox="true"/>
           <p:nvPr/>
         </p:nvSpPr>
@@ -9957,8 +10257,11 @@
           <a:bodyPr anchor="t" rtlCol="false"/>
           <a:lstStyle/>
           <a:p>
-            <a:pPr algn="l"/>
-            <a:r>
+            <a:pPr algn="l">
+              <a:defRPr/>
+            </a:pPr>
+            <a:r>
+              <a:rPr lang="de-DE"/>
               <a:t/>
             </a:r>
             <a:endParaRPr lang="en-US" sz="1100"/>
@@ -9977,7 +10280,7 @@
       </p:sp>
       <p:sp>
         <p:nvSpPr>
-          <p:cNvPr name="TextBox 27" id="28"/>
+          <p:cNvPr name="TextBox 28" id="28"/>
           <p:cNvSpPr txBox="true"/>
           <p:nvPr/>
         </p:nvSpPr>
@@ -9994,8 +10297,11 @@
           <a:bodyPr anchor="t" rtlCol="false"/>
           <a:lstStyle/>
           <a:p>
-            <a:pPr algn="l"/>
-            <a:r>
+            <a:pPr algn="l">
+              <a:defRPr/>
+            </a:pPr>
+            <a:r>
+              <a:rPr lang="de-DE"/>
               <a:t/>
             </a:r>
             <a:endParaRPr lang="en-US" sz="1100"/>
@@ -10039,7 +10345,7 @@
       </p:grpSpPr>
       <p:sp>
         <p:nvSpPr>
-          <p:cNvPr name="TextBox 1" id="2"/>
+          <p:cNvPr name="TextBox 2" id="2"/>
           <p:cNvSpPr txBox="true"/>
           <p:nvPr/>
         </p:nvSpPr>
@@ -10056,8 +10362,11 @@
           <a:bodyPr anchor="t" rtlCol="false"/>
           <a:lstStyle/>
           <a:p>
-            <a:pPr algn="l"/>
-            <a:r>
+            <a:pPr algn="l">
+              <a:defRPr/>
+            </a:pPr>
+            <a:r>
+              <a:rPr lang="de-DE"/>
               <a:t/>
             </a:r>
             <a:endParaRPr lang="en-US" sz="1100"/>
@@ -10076,7 +10385,7 @@
       </p:sp>
       <p:sp>
         <p:nvSpPr>
-          <p:cNvPr name="TextBox 2" id="3"/>
+          <p:cNvPr name="TextBox 3" id="3"/>
           <p:cNvSpPr txBox="true"/>
           <p:nvPr/>
         </p:nvSpPr>
@@ -10093,8 +10402,11 @@
           <a:bodyPr anchor="t" rtlCol="false"/>
           <a:lstStyle/>
           <a:p>
-            <a:pPr algn="l"/>
-            <a:r>
+            <a:pPr algn="l">
+              <a:defRPr/>
+            </a:pPr>
+            <a:r>
+              <a:rPr lang="de-DE"/>
               <a:t/>
             </a:r>
             <a:endParaRPr lang="en-US" sz="1100"/>
@@ -10114,7 +10426,7 @@
       </p:sp>
       <p:pic>
         <p:nvPicPr>
-          <p:cNvPr name="Picture 3" id="4"/>
+          <p:cNvPr name="Picture 4" id="4"/>
           <p:cNvPicPr>
             <a:picLocks noChangeAspect="true"/>
           </p:cNvPicPr>
@@ -10129,7 +10441,7 @@
         <p:spPr>
           <a:xfrm>
             <a:off x="254000" y="254000"/>
-            <a:ext cx="2540000" cy="3327400"/>
+            <a:ext cx="2540000" cy="3378200"/>
           </a:xfrm>
           <a:prstGeom prst="rect">
             <a:avLst/>
@@ -10138,7 +10450,7 @@
       </p:pic>
       <p:sp>
         <p:nvSpPr>
-          <p:cNvPr name="TextBox 4" id="5"/>
+          <p:cNvPr name="TextBox 5" id="5"/>
           <p:cNvSpPr txBox="true"/>
           <p:nvPr/>
         </p:nvSpPr>
@@ -10155,8 +10467,11 @@
           <a:bodyPr anchor="t" rtlCol="false"/>
           <a:lstStyle/>
           <a:p>
-            <a:pPr algn="l"/>
-            <a:r>
+            <a:pPr algn="l">
+              <a:defRPr/>
+            </a:pPr>
+            <a:r>
+              <a:rPr lang="de-DE"/>
               <a:t/>
             </a:r>
             <a:endParaRPr lang="en-US" sz="1100"/>
@@ -10175,7 +10490,7 @@
       </p:sp>
       <p:sp>
         <p:nvSpPr>
-          <p:cNvPr name="TextBox 5" id="6"/>
+          <p:cNvPr name="TextBox 6" id="6"/>
           <p:cNvSpPr txBox="true"/>
           <p:nvPr/>
         </p:nvSpPr>
@@ -10192,8 +10507,11 @@
           <a:bodyPr anchor="t" rtlCol="false"/>
           <a:lstStyle/>
           <a:p>
-            <a:pPr algn="l"/>
-            <a:r>
+            <a:pPr algn="l">
+              <a:defRPr/>
+            </a:pPr>
+            <a:r>
+              <a:rPr lang="de-DE"/>
               <a:t/>
             </a:r>
             <a:endParaRPr lang="en-US" sz="1100"/>
@@ -10212,7 +10530,7 @@
       </p:sp>
       <p:sp>
         <p:nvSpPr>
-          <p:cNvPr name="TextBox 6" id="7"/>
+          <p:cNvPr name="TextBox 7" id="7"/>
           <p:cNvSpPr txBox="true"/>
           <p:nvPr/>
         </p:nvSpPr>
@@ -10229,8 +10547,11 @@
           <a:bodyPr anchor="t" rtlCol="false"/>
           <a:lstStyle/>
           <a:p>
-            <a:pPr algn="l"/>
-            <a:r>
+            <a:pPr algn="l">
+              <a:defRPr/>
+            </a:pPr>
+            <a:r>
+              <a:rPr lang="de-DE"/>
               <a:t/>
             </a:r>
             <a:endParaRPr lang="en-US" sz="1100"/>
@@ -10249,7 +10570,7 @@
       </p:sp>
       <p:sp>
         <p:nvSpPr>
-          <p:cNvPr name="TextBox 7" id="8"/>
+          <p:cNvPr name="TextBox 8" id="8"/>
           <p:cNvSpPr txBox="true"/>
           <p:nvPr/>
         </p:nvSpPr>
@@ -10266,8 +10587,11 @@
           <a:bodyPr anchor="t" rtlCol="false"/>
           <a:lstStyle/>
           <a:p>
-            <a:pPr algn="l"/>
-            <a:r>
+            <a:pPr algn="l">
+              <a:defRPr/>
+            </a:pPr>
+            <a:r>
+              <a:rPr lang="de-DE"/>
               <a:t/>
             </a:r>
             <a:endParaRPr lang="en-US" sz="1100"/>
@@ -10286,7 +10610,7 @@
       </p:sp>
       <p:sp>
         <p:nvSpPr>
-          <p:cNvPr name="TextBox 8" id="9"/>
+          <p:cNvPr name="TextBox 9" id="9"/>
           <p:cNvSpPr txBox="true"/>
           <p:nvPr/>
         </p:nvSpPr>
@@ -10303,8 +10627,11 @@
           <a:bodyPr anchor="t" rtlCol="false"/>
           <a:lstStyle/>
           <a:p>
-            <a:pPr algn="l"/>
-            <a:r>
+            <a:pPr algn="l">
+              <a:defRPr/>
+            </a:pPr>
+            <a:r>
+              <a:rPr lang="de-DE"/>
               <a:t/>
             </a:r>
             <a:endParaRPr lang="en-US" sz="1100"/>
@@ -10323,7 +10650,7 @@
       </p:sp>
       <p:sp>
         <p:nvSpPr>
-          <p:cNvPr name="TextBox 9" id="10"/>
+          <p:cNvPr name="TextBox 10" id="10"/>
           <p:cNvSpPr txBox="true"/>
           <p:nvPr/>
         </p:nvSpPr>
@@ -10340,8 +10667,11 @@
           <a:bodyPr anchor="t" rtlCol="false"/>
           <a:lstStyle/>
           <a:p>
-            <a:pPr algn="l"/>
-            <a:r>
+            <a:pPr algn="l">
+              <a:defRPr/>
+            </a:pPr>
+            <a:r>
+              <a:rPr lang="de-DE"/>
               <a:t/>
             </a:r>
             <a:endParaRPr lang="en-US" sz="1100"/>
@@ -10360,7 +10690,7 @@
       </p:sp>
       <p:sp>
         <p:nvSpPr>
-          <p:cNvPr name="TextBox 10" id="11"/>
+          <p:cNvPr name="TextBox 11" id="11"/>
           <p:cNvSpPr txBox="true"/>
           <p:nvPr/>
         </p:nvSpPr>
@@ -10377,8 +10707,11 @@
           <a:bodyPr anchor="t" rtlCol="false"/>
           <a:lstStyle/>
           <a:p>
-            <a:pPr algn="l"/>
-            <a:r>
+            <a:pPr algn="l">
+              <a:defRPr/>
+            </a:pPr>
+            <a:r>
+              <a:rPr lang="de-DE"/>
               <a:t/>
             </a:r>
             <a:endParaRPr lang="en-US" sz="1100"/>
@@ -10397,7 +10730,7 @@
       </p:sp>
       <p:sp>
         <p:nvSpPr>
-          <p:cNvPr name="TextBox 11" id="12"/>
+          <p:cNvPr name="TextBox 12" id="12"/>
           <p:cNvSpPr txBox="true"/>
           <p:nvPr/>
         </p:nvSpPr>
@@ -10414,8 +10747,11 @@
           <a:bodyPr anchor="t" rtlCol="false"/>
           <a:lstStyle/>
           <a:p>
-            <a:pPr algn="l"/>
-            <a:r>
+            <a:pPr algn="l">
+              <a:defRPr/>
+            </a:pPr>
+            <a:r>
+              <a:rPr lang="de-DE"/>
               <a:t/>
             </a:r>
             <a:endParaRPr lang="en-US" sz="1100"/>
@@ -10434,7 +10770,7 @@
       </p:sp>
       <p:sp>
         <p:nvSpPr>
-          <p:cNvPr name="TextBox 12" id="13"/>
+          <p:cNvPr name="TextBox 13" id="13"/>
           <p:cNvSpPr txBox="true"/>
           <p:nvPr/>
         </p:nvSpPr>
@@ -10451,8 +10787,11 @@
           <a:bodyPr anchor="t" rtlCol="false"/>
           <a:lstStyle/>
           <a:p>
-            <a:pPr algn="l"/>
-            <a:r>
+            <a:pPr algn="l">
+              <a:defRPr/>
+            </a:pPr>
+            <a:r>
+              <a:rPr lang="de-DE"/>
               <a:t/>
             </a:r>
             <a:endParaRPr lang="en-US" sz="1100"/>
@@ -10471,7 +10810,7 @@
       </p:sp>
       <p:sp>
         <p:nvSpPr>
-          <p:cNvPr name="TextBox 13" id="14"/>
+          <p:cNvPr name="TextBox 14" id="14"/>
           <p:cNvSpPr txBox="true"/>
           <p:nvPr/>
         </p:nvSpPr>
@@ -10488,8 +10827,11 @@
           <a:bodyPr anchor="t" rtlCol="false"/>
           <a:lstStyle/>
           <a:p>
-            <a:pPr algn="l"/>
-            <a:r>
+            <a:pPr algn="l">
+              <a:defRPr/>
+            </a:pPr>
+            <a:r>
+              <a:rPr lang="de-DE"/>
               <a:t/>
             </a:r>
             <a:endParaRPr lang="en-US" sz="1100"/>
@@ -10508,7 +10850,7 @@
       </p:sp>
       <p:sp>
         <p:nvSpPr>
-          <p:cNvPr name="TextBox 14" id="15"/>
+          <p:cNvPr name="TextBox 15" id="15"/>
           <p:cNvSpPr txBox="true"/>
           <p:nvPr/>
         </p:nvSpPr>
@@ -10525,8 +10867,11 @@
           <a:bodyPr anchor="t" rtlCol="false"/>
           <a:lstStyle/>
           <a:p>
-            <a:pPr algn="l"/>
-            <a:r>
+            <a:pPr algn="l">
+              <a:defRPr/>
+            </a:pPr>
+            <a:r>
+              <a:rPr lang="de-DE"/>
               <a:t/>
             </a:r>
             <a:endParaRPr lang="en-US" sz="1100"/>
@@ -10545,7 +10890,7 @@
       </p:sp>
       <p:sp>
         <p:nvSpPr>
-          <p:cNvPr name="TextBox 15" id="16"/>
+          <p:cNvPr name="TextBox 16" id="16"/>
           <p:cNvSpPr txBox="true"/>
           <p:nvPr/>
         </p:nvSpPr>
@@ -10562,8 +10907,11 @@
           <a:bodyPr anchor="t" rtlCol="false"/>
           <a:lstStyle/>
           <a:p>
-            <a:pPr algn="l"/>
-            <a:r>
+            <a:pPr algn="l">
+              <a:defRPr/>
+            </a:pPr>
+            <a:r>
+              <a:rPr lang="de-DE"/>
               <a:t/>
             </a:r>
             <a:endParaRPr lang="en-US" sz="1100"/>
@@ -10582,7 +10930,7 @@
       </p:sp>
       <p:sp>
         <p:nvSpPr>
-          <p:cNvPr name="TextBox 16" id="17"/>
+          <p:cNvPr name="TextBox 17" id="17"/>
           <p:cNvSpPr txBox="true"/>
           <p:nvPr/>
         </p:nvSpPr>
@@ -10599,8 +10947,11 @@
           <a:bodyPr anchor="t" rtlCol="false"/>
           <a:lstStyle/>
           <a:p>
-            <a:pPr algn="l"/>
-            <a:r>
+            <a:pPr algn="l">
+              <a:defRPr/>
+            </a:pPr>
+            <a:r>
+              <a:rPr lang="de-DE"/>
               <a:t/>
             </a:r>
             <a:endParaRPr lang="en-US" sz="1100"/>
@@ -10619,7 +10970,7 @@
       </p:sp>
       <p:sp>
         <p:nvSpPr>
-          <p:cNvPr name="TextBox 17" id="18"/>
+          <p:cNvPr name="TextBox 18" id="18"/>
           <p:cNvSpPr txBox="true"/>
           <p:nvPr/>
         </p:nvSpPr>
@@ -10636,8 +10987,11 @@
           <a:bodyPr anchor="t" rtlCol="false"/>
           <a:lstStyle/>
           <a:p>
-            <a:pPr algn="l"/>
-            <a:r>
+            <a:pPr algn="l">
+              <a:defRPr/>
+            </a:pPr>
+            <a:r>
+              <a:rPr lang="de-DE"/>
               <a:t/>
             </a:r>
             <a:endParaRPr lang="en-US" sz="1100"/>
@@ -10656,7 +11010,7 @@
       </p:sp>
       <p:sp>
         <p:nvSpPr>
-          <p:cNvPr name="TextBox 18" id="19"/>
+          <p:cNvPr name="TextBox 19" id="19"/>
           <p:cNvSpPr txBox="true"/>
           <p:nvPr/>
         </p:nvSpPr>
@@ -10673,8 +11027,11 @@
           <a:bodyPr anchor="t" rtlCol="false"/>
           <a:lstStyle/>
           <a:p>
-            <a:pPr algn="l"/>
-            <a:r>
+            <a:pPr algn="l">
+              <a:defRPr/>
+            </a:pPr>
+            <a:r>
+              <a:rPr lang="de-DE"/>
               <a:t/>
             </a:r>
             <a:endParaRPr lang="en-US" sz="1100"/>
@@ -10693,7 +11050,7 @@
       </p:sp>
       <p:sp>
         <p:nvSpPr>
-          <p:cNvPr name="TextBox 19" id="20"/>
+          <p:cNvPr name="TextBox 20" id="20"/>
           <p:cNvSpPr txBox="true"/>
           <p:nvPr/>
         </p:nvSpPr>
@@ -10710,8 +11067,11 @@
           <a:bodyPr anchor="t" rtlCol="false"/>
           <a:lstStyle/>
           <a:p>
-            <a:pPr algn="l"/>
-            <a:r>
+            <a:pPr algn="l">
+              <a:defRPr/>
+            </a:pPr>
+            <a:r>
+              <a:rPr lang="de-DE"/>
               <a:t/>
             </a:r>
             <a:endParaRPr lang="en-US" sz="1100"/>
@@ -10730,7 +11090,7 @@
       </p:sp>
       <p:sp>
         <p:nvSpPr>
-          <p:cNvPr name="TextBox 20" id="21"/>
+          <p:cNvPr name="TextBox 21" id="21"/>
           <p:cNvSpPr txBox="true"/>
           <p:nvPr/>
         </p:nvSpPr>
@@ -10747,8 +11107,11 @@
           <a:bodyPr anchor="t" rtlCol="false"/>
           <a:lstStyle/>
           <a:p>
-            <a:pPr algn="l"/>
-            <a:r>
+            <a:pPr algn="l">
+              <a:defRPr/>
+            </a:pPr>
+            <a:r>
+              <a:rPr lang="de-DE"/>
               <a:t/>
             </a:r>
             <a:endParaRPr lang="en-US" sz="1100"/>
@@ -10767,7 +11130,7 @@
       </p:sp>
       <p:sp>
         <p:nvSpPr>
-          <p:cNvPr name="TextBox 21" id="22"/>
+          <p:cNvPr name="TextBox 22" id="22"/>
           <p:cNvSpPr txBox="true"/>
           <p:nvPr/>
         </p:nvSpPr>
@@ -10784,8 +11147,11 @@
           <a:bodyPr anchor="t" rtlCol="false"/>
           <a:lstStyle/>
           <a:p>
-            <a:pPr algn="l"/>
-            <a:r>
+            <a:pPr algn="l">
+              <a:defRPr/>
+            </a:pPr>
+            <a:r>
+              <a:rPr lang="de-DE"/>
               <a:t/>
             </a:r>
             <a:endParaRPr lang="en-US" sz="1100"/>
@@ -10804,7 +11170,7 @@
       </p:sp>
       <p:sp>
         <p:nvSpPr>
-          <p:cNvPr name="TextBox 22" id="23"/>
+          <p:cNvPr name="TextBox 23" id="23"/>
           <p:cNvSpPr txBox="true"/>
           <p:nvPr/>
         </p:nvSpPr>
@@ -10821,8 +11187,11 @@
           <a:bodyPr anchor="t" rtlCol="false"/>
           <a:lstStyle/>
           <a:p>
-            <a:pPr algn="l"/>
-            <a:r>
+            <a:pPr algn="l">
+              <a:defRPr/>
+            </a:pPr>
+            <a:r>
+              <a:rPr lang="de-DE"/>
               <a:t/>
             </a:r>
             <a:endParaRPr lang="en-US" sz="1100"/>
@@ -10841,7 +11210,7 @@
       </p:sp>
       <p:sp>
         <p:nvSpPr>
-          <p:cNvPr name="TextBox 23" id="24"/>
+          <p:cNvPr name="TextBox 24" id="24"/>
           <p:cNvSpPr txBox="true"/>
           <p:nvPr/>
         </p:nvSpPr>
@@ -10858,8 +11227,11 @@
           <a:bodyPr anchor="t" rtlCol="false"/>
           <a:lstStyle/>
           <a:p>
-            <a:pPr algn="l"/>
-            <a:r>
+            <a:pPr algn="l">
+              <a:defRPr/>
+            </a:pPr>
+            <a:r>
+              <a:rPr lang="de-DE"/>
               <a:t/>
             </a:r>
             <a:endParaRPr lang="en-US" sz="1100"/>
@@ -10878,7 +11250,7 @@
       </p:sp>
       <p:sp>
         <p:nvSpPr>
-          <p:cNvPr name="TextBox 24" id="25"/>
+          <p:cNvPr name="TextBox 25" id="25"/>
           <p:cNvSpPr txBox="true"/>
           <p:nvPr/>
         </p:nvSpPr>
@@ -10895,8 +11267,11 @@
           <a:bodyPr anchor="t" rtlCol="false"/>
           <a:lstStyle/>
           <a:p>
-            <a:pPr algn="l"/>
-            <a:r>
+            <a:pPr algn="l">
+              <a:defRPr/>
+            </a:pPr>
+            <a:r>
+              <a:rPr lang="de-DE"/>
               <a:t/>
             </a:r>
             <a:endParaRPr lang="en-US" sz="1100"/>
@@ -10915,7 +11290,7 @@
       </p:sp>
       <p:sp>
         <p:nvSpPr>
-          <p:cNvPr name="TextBox 25" id="26"/>
+          <p:cNvPr name="TextBox 26" id="26"/>
           <p:cNvSpPr txBox="true"/>
           <p:nvPr/>
         </p:nvSpPr>
@@ -10932,8 +11307,11 @@
           <a:bodyPr anchor="t" rtlCol="false"/>
           <a:lstStyle/>
           <a:p>
-            <a:pPr algn="l"/>
-            <a:r>
+            <a:pPr algn="l">
+              <a:defRPr/>
+            </a:pPr>
+            <a:r>
+              <a:rPr lang="de-DE"/>
               <a:t/>
             </a:r>
             <a:endParaRPr lang="en-US" sz="1100"/>
@@ -10952,7 +11330,7 @@
       </p:sp>
       <p:sp>
         <p:nvSpPr>
-          <p:cNvPr name="TextBox 26" id="27"/>
+          <p:cNvPr name="TextBox 27" id="27"/>
           <p:cNvSpPr txBox="true"/>
           <p:nvPr/>
         </p:nvSpPr>
@@ -10969,8 +11347,11 @@
           <a:bodyPr anchor="t" rtlCol="false"/>
           <a:lstStyle/>
           <a:p>
-            <a:pPr algn="l"/>
-            <a:r>
+            <a:pPr algn="l">
+              <a:defRPr/>
+            </a:pPr>
+            <a:r>
+              <a:rPr lang="de-DE"/>
               <a:t/>
             </a:r>
             <a:endParaRPr lang="en-US" sz="1100"/>
@@ -10989,7 +11370,7 @@
       </p:sp>
       <p:sp>
         <p:nvSpPr>
-          <p:cNvPr name="TextBox 27" id="28"/>
+          <p:cNvPr name="TextBox 28" id="28"/>
           <p:cNvSpPr txBox="true"/>
           <p:nvPr/>
         </p:nvSpPr>
@@ -11006,8 +11387,11 @@
           <a:bodyPr anchor="t" rtlCol="false"/>
           <a:lstStyle/>
           <a:p>
-            <a:pPr algn="l"/>
-            <a:r>
+            <a:pPr algn="l">
+              <a:defRPr/>
+            </a:pPr>
+            <a:r>
+              <a:rPr lang="de-DE"/>
               <a:t/>
             </a:r>
             <a:endParaRPr lang="en-US" sz="1100"/>
@@ -11051,7 +11435,7 @@
       </p:grpSpPr>
       <p:sp>
         <p:nvSpPr>
-          <p:cNvPr name="TextBox 1" id="2"/>
+          <p:cNvPr name="TextBox 2" id="2"/>
           <p:cNvSpPr txBox="true"/>
           <p:nvPr/>
         </p:nvSpPr>
@@ -11068,8 +11452,11 @@
           <a:bodyPr anchor="t" rtlCol="false"/>
           <a:lstStyle/>
           <a:p>
-            <a:pPr algn="l"/>
-            <a:r>
+            <a:pPr algn="l">
+              <a:defRPr/>
+            </a:pPr>
+            <a:r>
+              <a:rPr lang="de-DE"/>
               <a:t/>
             </a:r>
             <a:endParaRPr lang="en-US" sz="1100"/>
@@ -11088,7 +11475,7 @@
       </p:sp>
       <p:sp>
         <p:nvSpPr>
-          <p:cNvPr name="TextBox 2" id="3"/>
+          <p:cNvPr name="TextBox 3" id="3"/>
           <p:cNvSpPr txBox="true"/>
           <p:nvPr/>
         </p:nvSpPr>
@@ -11105,8 +11492,11 @@
           <a:bodyPr anchor="t" rtlCol="false"/>
           <a:lstStyle/>
           <a:p>
-            <a:pPr algn="l"/>
-            <a:r>
+            <a:pPr algn="l">
+              <a:defRPr/>
+            </a:pPr>
+            <a:r>
+              <a:rPr lang="de-DE"/>
               <a:t/>
             </a:r>
             <a:endParaRPr lang="en-US" sz="1100"/>
@@ -11126,7 +11516,7 @@
       </p:sp>
       <p:pic>
         <p:nvPicPr>
-          <p:cNvPr name="Picture 3" id="4"/>
+          <p:cNvPr name="Picture 4" id="4"/>
           <p:cNvPicPr>
             <a:picLocks noChangeAspect="true"/>
           </p:cNvPicPr>
@@ -11150,7 +11540,7 @@
       </p:pic>
       <p:sp>
         <p:nvSpPr>
-          <p:cNvPr name="TextBox 4" id="5"/>
+          <p:cNvPr name="TextBox 5" id="5"/>
           <p:cNvSpPr txBox="true"/>
           <p:nvPr/>
         </p:nvSpPr>
@@ -11167,8 +11557,11 @@
           <a:bodyPr anchor="t" rtlCol="false"/>
           <a:lstStyle/>
           <a:p>
-            <a:pPr algn="l"/>
-            <a:r>
+            <a:pPr algn="l">
+              <a:defRPr/>
+            </a:pPr>
+            <a:r>
+              <a:rPr lang="de-DE"/>
               <a:t/>
             </a:r>
             <a:endParaRPr lang="en-US" sz="1100"/>
@@ -11187,7 +11580,7 @@
       </p:sp>
       <p:sp>
         <p:nvSpPr>
-          <p:cNvPr name="TextBox 5" id="6"/>
+          <p:cNvPr name="TextBox 6" id="6"/>
           <p:cNvSpPr txBox="true"/>
           <p:nvPr/>
         </p:nvSpPr>
@@ -11204,8 +11597,11 @@
           <a:bodyPr anchor="t" rtlCol="false"/>
           <a:lstStyle/>
           <a:p>
-            <a:pPr algn="l"/>
-            <a:r>
+            <a:pPr algn="l">
+              <a:defRPr/>
+            </a:pPr>
+            <a:r>
+              <a:rPr lang="de-DE"/>
               <a:t/>
             </a:r>
             <a:endParaRPr lang="en-US" sz="1100"/>
@@ -11224,7 +11620,7 @@
       </p:sp>
       <p:sp>
         <p:nvSpPr>
-          <p:cNvPr name="TextBox 6" id="7"/>
+          <p:cNvPr name="TextBox 7" id="7"/>
           <p:cNvSpPr txBox="true"/>
           <p:nvPr/>
         </p:nvSpPr>
@@ -11241,8 +11637,11 @@
           <a:bodyPr anchor="t" rtlCol="false"/>
           <a:lstStyle/>
           <a:p>
-            <a:pPr algn="l"/>
-            <a:r>
+            <a:pPr algn="l">
+              <a:defRPr/>
+            </a:pPr>
+            <a:r>
+              <a:rPr lang="de-DE"/>
               <a:t/>
             </a:r>
             <a:endParaRPr lang="en-US" sz="1100"/>
@@ -11261,7 +11660,7 @@
       </p:sp>
       <p:sp>
         <p:nvSpPr>
-          <p:cNvPr name="TextBox 7" id="8"/>
+          <p:cNvPr name="TextBox 8" id="8"/>
           <p:cNvSpPr txBox="true"/>
           <p:nvPr/>
         </p:nvSpPr>
@@ -11278,8 +11677,11 @@
           <a:bodyPr anchor="t" rtlCol="false"/>
           <a:lstStyle/>
           <a:p>
-            <a:pPr algn="l"/>
-            <a:r>
+            <a:pPr algn="l">
+              <a:defRPr/>
+            </a:pPr>
+            <a:r>
+              <a:rPr lang="de-DE"/>
               <a:t/>
             </a:r>
             <a:endParaRPr lang="en-US" sz="1100"/>
@@ -11298,7 +11700,7 @@
       </p:sp>
       <p:sp>
         <p:nvSpPr>
-          <p:cNvPr name="TextBox 8" id="9"/>
+          <p:cNvPr name="TextBox 9" id="9"/>
           <p:cNvSpPr txBox="true"/>
           <p:nvPr/>
         </p:nvSpPr>
@@ -11315,8 +11717,11 @@
           <a:bodyPr anchor="t" rtlCol="false"/>
           <a:lstStyle/>
           <a:p>
-            <a:pPr algn="l"/>
-            <a:r>
+            <a:pPr algn="l">
+              <a:defRPr/>
+            </a:pPr>
+            <a:r>
+              <a:rPr lang="de-DE"/>
               <a:t/>
             </a:r>
             <a:endParaRPr lang="en-US" sz="1100"/>
@@ -11335,7 +11740,7 @@
       </p:sp>
       <p:sp>
         <p:nvSpPr>
-          <p:cNvPr name="TextBox 9" id="10"/>
+          <p:cNvPr name="TextBox 10" id="10"/>
           <p:cNvSpPr txBox="true"/>
           <p:nvPr/>
         </p:nvSpPr>
@@ -11352,8 +11757,11 @@
           <a:bodyPr anchor="t" rtlCol="false"/>
           <a:lstStyle/>
           <a:p>
-            <a:pPr algn="l"/>
-            <a:r>
+            <a:pPr algn="l">
+              <a:defRPr/>
+            </a:pPr>
+            <a:r>
+              <a:rPr lang="de-DE"/>
               <a:t/>
             </a:r>
             <a:endParaRPr lang="en-US" sz="1100"/>
@@ -11372,7 +11780,7 @@
       </p:sp>
       <p:sp>
         <p:nvSpPr>
-          <p:cNvPr name="TextBox 10" id="11"/>
+          <p:cNvPr name="TextBox 11" id="11"/>
           <p:cNvSpPr txBox="true"/>
           <p:nvPr/>
         </p:nvSpPr>
@@ -11389,8 +11797,11 @@
           <a:bodyPr anchor="t" rtlCol="false"/>
           <a:lstStyle/>
           <a:p>
-            <a:pPr algn="l"/>
-            <a:r>
+            <a:pPr algn="l">
+              <a:defRPr/>
+            </a:pPr>
+            <a:r>
+              <a:rPr lang="de-DE"/>
               <a:t/>
             </a:r>
             <a:endParaRPr lang="en-US" sz="1100"/>
@@ -11409,7 +11820,7 @@
       </p:sp>
       <p:sp>
         <p:nvSpPr>
-          <p:cNvPr name="TextBox 11" id="12"/>
+          <p:cNvPr name="TextBox 12" id="12"/>
           <p:cNvSpPr txBox="true"/>
           <p:nvPr/>
         </p:nvSpPr>
@@ -11426,8 +11837,11 @@
           <a:bodyPr anchor="t" rtlCol="false"/>
           <a:lstStyle/>
           <a:p>
-            <a:pPr algn="l"/>
-            <a:r>
+            <a:pPr algn="l">
+              <a:defRPr/>
+            </a:pPr>
+            <a:r>
+              <a:rPr lang="de-DE"/>
               <a:t/>
             </a:r>
             <a:endParaRPr lang="en-US" sz="1100"/>
@@ -11446,7 +11860,7 @@
       </p:sp>
       <p:sp>
         <p:nvSpPr>
-          <p:cNvPr name="TextBox 12" id="13"/>
+          <p:cNvPr name="TextBox 13" id="13"/>
           <p:cNvSpPr txBox="true"/>
           <p:nvPr/>
         </p:nvSpPr>
@@ -11463,8 +11877,11 @@
           <a:bodyPr anchor="t" rtlCol="false"/>
           <a:lstStyle/>
           <a:p>
-            <a:pPr algn="l"/>
-            <a:r>
+            <a:pPr algn="l">
+              <a:defRPr/>
+            </a:pPr>
+            <a:r>
+              <a:rPr lang="de-DE"/>
               <a:t/>
             </a:r>
             <a:endParaRPr lang="en-US" sz="1100"/>
@@ -11483,7 +11900,7 @@
       </p:sp>
       <p:sp>
         <p:nvSpPr>
-          <p:cNvPr name="TextBox 13" id="14"/>
+          <p:cNvPr name="TextBox 14" id="14"/>
           <p:cNvSpPr txBox="true"/>
           <p:nvPr/>
         </p:nvSpPr>
@@ -11500,8 +11917,11 @@
           <a:bodyPr anchor="t" rtlCol="false"/>
           <a:lstStyle/>
           <a:p>
-            <a:pPr algn="l"/>
-            <a:r>
+            <a:pPr algn="l">
+              <a:defRPr/>
+            </a:pPr>
+            <a:r>
+              <a:rPr lang="de-DE"/>
               <a:t/>
             </a:r>
             <a:endParaRPr lang="en-US" sz="1100"/>
@@ -11520,7 +11940,7 @@
       </p:sp>
       <p:sp>
         <p:nvSpPr>
-          <p:cNvPr name="TextBox 14" id="15"/>
+          <p:cNvPr name="TextBox 15" id="15"/>
           <p:cNvSpPr txBox="true"/>
           <p:nvPr/>
         </p:nvSpPr>
@@ -11537,8 +11957,11 @@
           <a:bodyPr anchor="t" rtlCol="false"/>
           <a:lstStyle/>
           <a:p>
-            <a:pPr algn="l"/>
-            <a:r>
+            <a:pPr algn="l">
+              <a:defRPr/>
+            </a:pPr>
+            <a:r>
+              <a:rPr lang="de-DE"/>
               <a:t/>
             </a:r>
             <a:endParaRPr lang="en-US" sz="1100"/>
@@ -11557,7 +11980,7 @@
       </p:sp>
       <p:sp>
         <p:nvSpPr>
-          <p:cNvPr name="TextBox 15" id="16"/>
+          <p:cNvPr name="TextBox 16" id="16"/>
           <p:cNvSpPr txBox="true"/>
           <p:nvPr/>
         </p:nvSpPr>
@@ -11574,8 +11997,11 @@
           <a:bodyPr anchor="t" rtlCol="false"/>
           <a:lstStyle/>
           <a:p>
-            <a:pPr algn="l"/>
-            <a:r>
+            <a:pPr algn="l">
+              <a:defRPr/>
+            </a:pPr>
+            <a:r>
+              <a:rPr lang="de-DE"/>
               <a:t/>
             </a:r>
             <a:endParaRPr lang="en-US" sz="1100"/>
@@ -11594,7 +12020,7 @@
       </p:sp>
       <p:sp>
         <p:nvSpPr>
-          <p:cNvPr name="TextBox 16" id="17"/>
+          <p:cNvPr name="TextBox 17" id="17"/>
           <p:cNvSpPr txBox="true"/>
           <p:nvPr/>
         </p:nvSpPr>
@@ -11611,8 +12037,11 @@
           <a:bodyPr anchor="t" rtlCol="false"/>
           <a:lstStyle/>
           <a:p>
-            <a:pPr algn="l"/>
-            <a:r>
+            <a:pPr algn="l">
+              <a:defRPr/>
+            </a:pPr>
+            <a:r>
+              <a:rPr lang="de-DE"/>
               <a:t/>
             </a:r>
             <a:endParaRPr lang="en-US" sz="1100"/>
@@ -11631,7 +12060,7 @@
       </p:sp>
       <p:sp>
         <p:nvSpPr>
-          <p:cNvPr name="TextBox 17" id="18"/>
+          <p:cNvPr name="TextBox 18" id="18"/>
           <p:cNvSpPr txBox="true"/>
           <p:nvPr/>
         </p:nvSpPr>
@@ -11648,8 +12077,11 @@
           <a:bodyPr anchor="t" rtlCol="false"/>
           <a:lstStyle/>
           <a:p>
-            <a:pPr algn="l"/>
-            <a:r>
+            <a:pPr algn="l">
+              <a:defRPr/>
+            </a:pPr>
+            <a:r>
+              <a:rPr lang="de-DE"/>
               <a:t/>
             </a:r>
             <a:endParaRPr lang="en-US" sz="1100"/>
@@ -11668,7 +12100,7 @@
       </p:sp>
       <p:sp>
         <p:nvSpPr>
-          <p:cNvPr name="TextBox 18" id="19"/>
+          <p:cNvPr name="TextBox 19" id="19"/>
           <p:cNvSpPr txBox="true"/>
           <p:nvPr/>
         </p:nvSpPr>
@@ -11685,8 +12117,11 @@
           <a:bodyPr anchor="t" rtlCol="false"/>
           <a:lstStyle/>
           <a:p>
-            <a:pPr algn="l"/>
-            <a:r>
+            <a:pPr algn="l">
+              <a:defRPr/>
+            </a:pPr>
+            <a:r>
+              <a:rPr lang="de-DE"/>
               <a:t/>
             </a:r>
             <a:endParaRPr lang="en-US" sz="1100"/>
@@ -11705,7 +12140,7 @@
       </p:sp>
       <p:sp>
         <p:nvSpPr>
-          <p:cNvPr name="TextBox 19" id="20"/>
+          <p:cNvPr name="TextBox 20" id="20"/>
           <p:cNvSpPr txBox="true"/>
           <p:nvPr/>
         </p:nvSpPr>
@@ -11722,8 +12157,11 @@
           <a:bodyPr anchor="t" rtlCol="false"/>
           <a:lstStyle/>
           <a:p>
-            <a:pPr algn="l"/>
-            <a:r>
+            <a:pPr algn="l">
+              <a:defRPr/>
+            </a:pPr>
+            <a:r>
+              <a:rPr lang="de-DE"/>
               <a:t/>
             </a:r>
             <a:endParaRPr lang="en-US" sz="1100"/>
@@ -11742,7 +12180,7 @@
       </p:sp>
       <p:sp>
         <p:nvSpPr>
-          <p:cNvPr name="TextBox 20" id="21"/>
+          <p:cNvPr name="TextBox 21" id="21"/>
           <p:cNvSpPr txBox="true"/>
           <p:nvPr/>
         </p:nvSpPr>
@@ -11759,8 +12197,11 @@
           <a:bodyPr anchor="t" rtlCol="false"/>
           <a:lstStyle/>
           <a:p>
-            <a:pPr algn="l"/>
-            <a:r>
+            <a:pPr algn="l">
+              <a:defRPr/>
+            </a:pPr>
+            <a:r>
+              <a:rPr lang="de-DE"/>
               <a:t/>
             </a:r>
             <a:endParaRPr lang="en-US" sz="1100"/>
@@ -11779,7 +12220,7 @@
       </p:sp>
       <p:sp>
         <p:nvSpPr>
-          <p:cNvPr name="TextBox 21" id="22"/>
+          <p:cNvPr name="TextBox 22" id="22"/>
           <p:cNvSpPr txBox="true"/>
           <p:nvPr/>
         </p:nvSpPr>
@@ -11796,8 +12237,11 @@
           <a:bodyPr anchor="t" rtlCol="false"/>
           <a:lstStyle/>
           <a:p>
-            <a:pPr algn="l"/>
-            <a:r>
+            <a:pPr algn="l">
+              <a:defRPr/>
+            </a:pPr>
+            <a:r>
+              <a:rPr lang="de-DE"/>
               <a:t/>
             </a:r>
             <a:endParaRPr lang="en-US" sz="1100"/>
@@ -11816,7 +12260,7 @@
       </p:sp>
       <p:sp>
         <p:nvSpPr>
-          <p:cNvPr name="TextBox 22" id="23"/>
+          <p:cNvPr name="TextBox 23" id="23"/>
           <p:cNvSpPr txBox="true"/>
           <p:nvPr/>
         </p:nvSpPr>
@@ -11833,8 +12277,11 @@
           <a:bodyPr anchor="t" rtlCol="false"/>
           <a:lstStyle/>
           <a:p>
-            <a:pPr algn="l"/>
-            <a:r>
+            <a:pPr algn="l">
+              <a:defRPr/>
+            </a:pPr>
+            <a:r>
+              <a:rPr lang="de-DE"/>
               <a:t/>
             </a:r>
             <a:endParaRPr lang="en-US" sz="1100"/>
@@ -11853,7 +12300,7 @@
       </p:sp>
       <p:sp>
         <p:nvSpPr>
-          <p:cNvPr name="TextBox 23" id="24"/>
+          <p:cNvPr name="TextBox 24" id="24"/>
           <p:cNvSpPr txBox="true"/>
           <p:nvPr/>
         </p:nvSpPr>
@@ -11870,8 +12317,11 @@
           <a:bodyPr anchor="t" rtlCol="false"/>
           <a:lstStyle/>
           <a:p>
-            <a:pPr algn="l"/>
-            <a:r>
+            <a:pPr algn="l">
+              <a:defRPr/>
+            </a:pPr>
+            <a:r>
+              <a:rPr lang="de-DE"/>
               <a:t/>
             </a:r>
             <a:endParaRPr lang="en-US" sz="1100"/>
@@ -11890,7 +12340,7 @@
       </p:sp>
       <p:sp>
         <p:nvSpPr>
-          <p:cNvPr name="TextBox 24" id="25"/>
+          <p:cNvPr name="TextBox 25" id="25"/>
           <p:cNvSpPr txBox="true"/>
           <p:nvPr/>
         </p:nvSpPr>
@@ -11907,8 +12357,11 @@
           <a:bodyPr anchor="t" rtlCol="false"/>
           <a:lstStyle/>
           <a:p>
-            <a:pPr algn="l"/>
-            <a:r>
+            <a:pPr algn="l">
+              <a:defRPr/>
+            </a:pPr>
+            <a:r>
+              <a:rPr lang="de-DE"/>
               <a:t/>
             </a:r>
             <a:endParaRPr lang="en-US" sz="1100"/>
@@ -11927,7 +12380,7 @@
       </p:sp>
       <p:sp>
         <p:nvSpPr>
-          <p:cNvPr name="TextBox 25" id="26"/>
+          <p:cNvPr name="TextBox 26" id="26"/>
           <p:cNvSpPr txBox="true"/>
           <p:nvPr/>
         </p:nvSpPr>
@@ -11944,8 +12397,11 @@
           <a:bodyPr anchor="t" rtlCol="false"/>
           <a:lstStyle/>
           <a:p>
-            <a:pPr algn="l"/>
-            <a:r>
+            <a:pPr algn="l">
+              <a:defRPr/>
+            </a:pPr>
+            <a:r>
+              <a:rPr lang="de-DE"/>
               <a:t/>
             </a:r>
             <a:endParaRPr lang="en-US" sz="1100"/>
@@ -11989,7 +12445,7 @@
       </p:grpSpPr>
       <p:sp>
         <p:nvSpPr>
-          <p:cNvPr name="TextBox 1" id="2"/>
+          <p:cNvPr name="TextBox 2" id="2"/>
           <p:cNvSpPr txBox="true"/>
           <p:nvPr/>
         </p:nvSpPr>
@@ -12006,8 +12462,11 @@
           <a:bodyPr anchor="t" rtlCol="false"/>
           <a:lstStyle/>
           <a:p>
-            <a:pPr algn="l"/>
-            <a:r>
+            <a:pPr algn="l">
+              <a:defRPr/>
+            </a:pPr>
+            <a:r>
+              <a:rPr lang="de-DE"/>
               <a:t/>
             </a:r>
             <a:endParaRPr lang="en-US" sz="1100"/>
@@ -12026,7 +12485,7 @@
       </p:sp>
       <p:sp>
         <p:nvSpPr>
-          <p:cNvPr name="TextBox 2" id="3"/>
+          <p:cNvPr name="TextBox 3" id="3"/>
           <p:cNvSpPr txBox="true"/>
           <p:nvPr/>
         </p:nvSpPr>
@@ -12043,8 +12502,11 @@
           <a:bodyPr anchor="t" rtlCol="false"/>
           <a:lstStyle/>
           <a:p>
-            <a:pPr algn="l"/>
-            <a:r>
+            <a:pPr algn="l">
+              <a:defRPr/>
+            </a:pPr>
+            <a:r>
+              <a:rPr lang="de-DE"/>
               <a:t/>
             </a:r>
             <a:endParaRPr lang="en-US" sz="1100"/>
@@ -12064,7 +12526,7 @@
       </p:sp>
       <p:pic>
         <p:nvPicPr>
-          <p:cNvPr name="Picture 3" id="4"/>
+          <p:cNvPr name="Picture 4" id="4"/>
           <p:cNvPicPr>
             <a:picLocks noChangeAspect="true"/>
           </p:cNvPicPr>
@@ -12088,7 +12550,7 @@
       </p:pic>
       <p:sp>
         <p:nvSpPr>
-          <p:cNvPr name="TextBox 4" id="5"/>
+          <p:cNvPr name="TextBox 5" id="5"/>
           <p:cNvSpPr txBox="true"/>
           <p:nvPr/>
         </p:nvSpPr>
@@ -12105,8 +12567,11 @@
           <a:bodyPr anchor="t" rtlCol="false"/>
           <a:lstStyle/>
           <a:p>
-            <a:pPr algn="l"/>
-            <a:r>
+            <a:pPr algn="l">
+              <a:defRPr/>
+            </a:pPr>
+            <a:r>
+              <a:rPr lang="de-DE"/>
               <a:t/>
             </a:r>
             <a:endParaRPr lang="en-US" sz="1100"/>
@@ -12125,7 +12590,7 @@
       </p:sp>
       <p:sp>
         <p:nvSpPr>
-          <p:cNvPr name="TextBox 5" id="6"/>
+          <p:cNvPr name="TextBox 6" id="6"/>
           <p:cNvSpPr txBox="true"/>
           <p:nvPr/>
         </p:nvSpPr>
@@ -12142,8 +12607,11 @@
           <a:bodyPr anchor="t" rtlCol="false"/>
           <a:lstStyle/>
           <a:p>
-            <a:pPr algn="l"/>
-            <a:r>
+            <a:pPr algn="l">
+              <a:defRPr/>
+            </a:pPr>
+            <a:r>
+              <a:rPr lang="de-DE"/>
               <a:t/>
             </a:r>
             <a:endParaRPr lang="en-US" sz="1100"/>
@@ -12162,7 +12630,7 @@
       </p:sp>
       <p:sp>
         <p:nvSpPr>
-          <p:cNvPr name="TextBox 6" id="7"/>
+          <p:cNvPr name="TextBox 7" id="7"/>
           <p:cNvSpPr txBox="true"/>
           <p:nvPr/>
         </p:nvSpPr>
@@ -12179,8 +12647,11 @@
           <a:bodyPr anchor="t" rtlCol="false"/>
           <a:lstStyle/>
           <a:p>
-            <a:pPr algn="l"/>
-            <a:r>
+            <a:pPr algn="l">
+              <a:defRPr/>
+            </a:pPr>
+            <a:r>
+              <a:rPr lang="de-DE"/>
               <a:t/>
             </a:r>
             <a:endParaRPr lang="en-US" sz="1100"/>
@@ -12199,7 +12670,7 @@
       </p:sp>
       <p:sp>
         <p:nvSpPr>
-          <p:cNvPr name="TextBox 7" id="8"/>
+          <p:cNvPr name="TextBox 8" id="8"/>
           <p:cNvSpPr txBox="true"/>
           <p:nvPr/>
         </p:nvSpPr>
@@ -12216,8 +12687,11 @@
           <a:bodyPr anchor="t" rtlCol="false"/>
           <a:lstStyle/>
           <a:p>
-            <a:pPr algn="l"/>
-            <a:r>
+            <a:pPr algn="l">
+              <a:defRPr/>
+            </a:pPr>
+            <a:r>
+              <a:rPr lang="de-DE"/>
               <a:t/>
             </a:r>
             <a:endParaRPr lang="en-US" sz="1100"/>
@@ -12236,7 +12710,7 @@
       </p:sp>
       <p:sp>
         <p:nvSpPr>
-          <p:cNvPr name="TextBox 8" id="9"/>
+          <p:cNvPr name="TextBox 9" id="9"/>
           <p:cNvSpPr txBox="true"/>
           <p:nvPr/>
         </p:nvSpPr>
@@ -12253,8 +12727,11 @@
           <a:bodyPr anchor="t" rtlCol="false"/>
           <a:lstStyle/>
           <a:p>
-            <a:pPr algn="l"/>
-            <a:r>
+            <a:pPr algn="l">
+              <a:defRPr/>
+            </a:pPr>
+            <a:r>
+              <a:rPr lang="de-DE"/>
               <a:t/>
             </a:r>
             <a:endParaRPr lang="en-US" sz="1100"/>
@@ -12273,7 +12750,7 @@
       </p:sp>
       <p:sp>
         <p:nvSpPr>
-          <p:cNvPr name="TextBox 9" id="10"/>
+          <p:cNvPr name="TextBox 10" id="10"/>
           <p:cNvSpPr txBox="true"/>
           <p:nvPr/>
         </p:nvSpPr>
@@ -12290,8 +12767,11 @@
           <a:bodyPr anchor="t" rtlCol="false"/>
           <a:lstStyle/>
           <a:p>
-            <a:pPr algn="l"/>
-            <a:r>
+            <a:pPr algn="l">
+              <a:defRPr/>
+            </a:pPr>
+            <a:r>
+              <a:rPr lang="de-DE"/>
               <a:t/>
             </a:r>
             <a:endParaRPr lang="en-US" sz="1100"/>
@@ -12310,7 +12790,7 @@
       </p:sp>
       <p:sp>
         <p:nvSpPr>
-          <p:cNvPr name="TextBox 10" id="11"/>
+          <p:cNvPr name="TextBox 11" id="11"/>
           <p:cNvSpPr txBox="true"/>
           <p:nvPr/>
         </p:nvSpPr>
@@ -12327,8 +12807,11 @@
           <a:bodyPr anchor="t" rtlCol="false"/>
           <a:lstStyle/>
           <a:p>
-            <a:pPr algn="l"/>
-            <a:r>
+            <a:pPr algn="l">
+              <a:defRPr/>
+            </a:pPr>
+            <a:r>
+              <a:rPr lang="de-DE"/>
               <a:t/>
             </a:r>
             <a:endParaRPr lang="en-US" sz="1100"/>
@@ -12347,7 +12830,7 @@
       </p:sp>
       <p:sp>
         <p:nvSpPr>
-          <p:cNvPr name="TextBox 11" id="12"/>
+          <p:cNvPr name="TextBox 12" id="12"/>
           <p:cNvSpPr txBox="true"/>
           <p:nvPr/>
         </p:nvSpPr>
@@ -12364,8 +12847,11 @@
           <a:bodyPr anchor="t" rtlCol="false"/>
           <a:lstStyle/>
           <a:p>
-            <a:pPr algn="l"/>
-            <a:r>
+            <a:pPr algn="l">
+              <a:defRPr/>
+            </a:pPr>
+            <a:r>
+              <a:rPr lang="de-DE"/>
               <a:t/>
             </a:r>
             <a:endParaRPr lang="en-US" sz="1100"/>
@@ -12384,7 +12870,7 @@
       </p:sp>
       <p:sp>
         <p:nvSpPr>
-          <p:cNvPr name="TextBox 12" id="13"/>
+          <p:cNvPr name="TextBox 13" id="13"/>
           <p:cNvSpPr txBox="true"/>
           <p:nvPr/>
         </p:nvSpPr>
@@ -12401,8 +12887,11 @@
           <a:bodyPr anchor="t" rtlCol="false"/>
           <a:lstStyle/>
           <a:p>
-            <a:pPr algn="l"/>
-            <a:r>
+            <a:pPr algn="l">
+              <a:defRPr/>
+            </a:pPr>
+            <a:r>
+              <a:rPr lang="de-DE"/>
               <a:t/>
             </a:r>
             <a:endParaRPr lang="en-US" sz="1100"/>
@@ -12421,7 +12910,7 @@
       </p:sp>
       <p:sp>
         <p:nvSpPr>
-          <p:cNvPr name="TextBox 13" id="14"/>
+          <p:cNvPr name="TextBox 14" id="14"/>
           <p:cNvSpPr txBox="true"/>
           <p:nvPr/>
         </p:nvSpPr>
@@ -12438,8 +12927,11 @@
           <a:bodyPr anchor="t" rtlCol="false"/>
           <a:lstStyle/>
           <a:p>
-            <a:pPr algn="l"/>
-            <a:r>
+            <a:pPr algn="l">
+              <a:defRPr/>
+            </a:pPr>
+            <a:r>
+              <a:rPr lang="de-DE"/>
               <a:t/>
             </a:r>
             <a:endParaRPr lang="en-US" sz="1100"/>
@@ -12458,7 +12950,7 @@
       </p:sp>
       <p:sp>
         <p:nvSpPr>
-          <p:cNvPr name="TextBox 14" id="15"/>
+          <p:cNvPr name="TextBox 15" id="15"/>
           <p:cNvSpPr txBox="true"/>
           <p:nvPr/>
         </p:nvSpPr>
@@ -12475,8 +12967,11 @@
           <a:bodyPr anchor="t" rtlCol="false"/>
           <a:lstStyle/>
           <a:p>
-            <a:pPr algn="l"/>
-            <a:r>
+            <a:pPr algn="l">
+              <a:defRPr/>
+            </a:pPr>
+            <a:r>
+              <a:rPr lang="de-DE"/>
               <a:t/>
             </a:r>
             <a:endParaRPr lang="en-US" sz="1100"/>
@@ -12495,7 +12990,7 @@
       </p:sp>
       <p:sp>
         <p:nvSpPr>
-          <p:cNvPr name="TextBox 15" id="16"/>
+          <p:cNvPr name="TextBox 16" id="16"/>
           <p:cNvSpPr txBox="true"/>
           <p:nvPr/>
         </p:nvSpPr>
@@ -12512,8 +13007,11 @@
           <a:bodyPr anchor="t" rtlCol="false"/>
           <a:lstStyle/>
           <a:p>
-            <a:pPr algn="l"/>
-            <a:r>
+            <a:pPr algn="l">
+              <a:defRPr/>
+            </a:pPr>
+            <a:r>
+              <a:rPr lang="de-DE"/>
               <a:t/>
             </a:r>
             <a:endParaRPr lang="en-US" sz="1100"/>
@@ -12532,7 +13030,7 @@
       </p:sp>
       <p:sp>
         <p:nvSpPr>
-          <p:cNvPr name="TextBox 16" id="17"/>
+          <p:cNvPr name="TextBox 17" id="17"/>
           <p:cNvSpPr txBox="true"/>
           <p:nvPr/>
         </p:nvSpPr>
@@ -12549,8 +13047,11 @@
           <a:bodyPr anchor="t" rtlCol="false"/>
           <a:lstStyle/>
           <a:p>
-            <a:pPr algn="l"/>
-            <a:r>
+            <a:pPr algn="l">
+              <a:defRPr/>
+            </a:pPr>
+            <a:r>
+              <a:rPr lang="de-DE"/>
               <a:t/>
             </a:r>
             <a:endParaRPr lang="en-US" sz="1100"/>
@@ -12569,7 +13070,7 @@
       </p:sp>
       <p:sp>
         <p:nvSpPr>
-          <p:cNvPr name="TextBox 17" id="18"/>
+          <p:cNvPr name="TextBox 18" id="18"/>
           <p:cNvSpPr txBox="true"/>
           <p:nvPr/>
         </p:nvSpPr>
@@ -12586,8 +13087,11 @@
           <a:bodyPr anchor="t" rtlCol="false"/>
           <a:lstStyle/>
           <a:p>
-            <a:pPr algn="l"/>
-            <a:r>
+            <a:pPr algn="l">
+              <a:defRPr/>
+            </a:pPr>
+            <a:r>
+              <a:rPr lang="de-DE"/>
               <a:t/>
             </a:r>
             <a:endParaRPr lang="en-US" sz="1100"/>
@@ -12606,7 +13110,7 @@
       </p:sp>
       <p:sp>
         <p:nvSpPr>
-          <p:cNvPr name="TextBox 18" id="19"/>
+          <p:cNvPr name="TextBox 19" id="19"/>
           <p:cNvSpPr txBox="true"/>
           <p:nvPr/>
         </p:nvSpPr>
@@ -12623,8 +13127,11 @@
           <a:bodyPr anchor="t" rtlCol="false"/>
           <a:lstStyle/>
           <a:p>
-            <a:pPr algn="l"/>
-            <a:r>
+            <a:pPr algn="l">
+              <a:defRPr/>
+            </a:pPr>
+            <a:r>
+              <a:rPr lang="de-DE"/>
               <a:t/>
             </a:r>
             <a:endParaRPr lang="en-US" sz="1100"/>
@@ -12643,7 +13150,7 @@
       </p:sp>
       <p:sp>
         <p:nvSpPr>
-          <p:cNvPr name="TextBox 19" id="20"/>
+          <p:cNvPr name="TextBox 20" id="20"/>
           <p:cNvSpPr txBox="true"/>
           <p:nvPr/>
         </p:nvSpPr>
@@ -12660,8 +13167,11 @@
           <a:bodyPr anchor="t" rtlCol="false"/>
           <a:lstStyle/>
           <a:p>
-            <a:pPr algn="l"/>
-            <a:r>
+            <a:pPr algn="l">
+              <a:defRPr/>
+            </a:pPr>
+            <a:r>
+              <a:rPr lang="de-DE"/>
               <a:t/>
             </a:r>
             <a:endParaRPr lang="en-US" sz="1100"/>
@@ -12680,7 +13190,7 @@
       </p:sp>
       <p:sp>
         <p:nvSpPr>
-          <p:cNvPr name="TextBox 20" id="21"/>
+          <p:cNvPr name="TextBox 21" id="21"/>
           <p:cNvSpPr txBox="true"/>
           <p:nvPr/>
         </p:nvSpPr>
@@ -12697,8 +13207,11 @@
           <a:bodyPr anchor="t" rtlCol="false"/>
           <a:lstStyle/>
           <a:p>
-            <a:pPr algn="l"/>
-            <a:r>
+            <a:pPr algn="l">
+              <a:defRPr/>
+            </a:pPr>
+            <a:r>
+              <a:rPr lang="de-DE"/>
               <a:t/>
             </a:r>
             <a:endParaRPr lang="en-US" sz="1100"/>
@@ -12717,7 +13230,7 @@
       </p:sp>
       <p:sp>
         <p:nvSpPr>
-          <p:cNvPr name="TextBox 21" id="22"/>
+          <p:cNvPr name="TextBox 22" id="22"/>
           <p:cNvSpPr txBox="true"/>
           <p:nvPr/>
         </p:nvSpPr>
@@ -12734,8 +13247,11 @@
           <a:bodyPr anchor="t" rtlCol="false"/>
           <a:lstStyle/>
           <a:p>
-            <a:pPr algn="l"/>
-            <a:r>
+            <a:pPr algn="l">
+              <a:defRPr/>
+            </a:pPr>
+            <a:r>
+              <a:rPr lang="de-DE"/>
               <a:t/>
             </a:r>
             <a:endParaRPr lang="en-US" sz="1100"/>
@@ -12754,7 +13270,7 @@
       </p:sp>
       <p:sp>
         <p:nvSpPr>
-          <p:cNvPr name="TextBox 22" id="23"/>
+          <p:cNvPr name="TextBox 23" id="23"/>
           <p:cNvSpPr txBox="true"/>
           <p:nvPr/>
         </p:nvSpPr>
@@ -12771,8 +13287,11 @@
           <a:bodyPr anchor="t" rtlCol="false"/>
           <a:lstStyle/>
           <a:p>
-            <a:pPr algn="l"/>
-            <a:r>
+            <a:pPr algn="l">
+              <a:defRPr/>
+            </a:pPr>
+            <a:r>
+              <a:rPr lang="de-DE"/>
               <a:t/>
             </a:r>
             <a:endParaRPr lang="en-US" sz="1100"/>
@@ -12791,7 +13310,7 @@
       </p:sp>
       <p:sp>
         <p:nvSpPr>
-          <p:cNvPr name="TextBox 23" id="24"/>
+          <p:cNvPr name="TextBox 24" id="24"/>
           <p:cNvSpPr txBox="true"/>
           <p:nvPr/>
         </p:nvSpPr>
@@ -12808,8 +13327,11 @@
           <a:bodyPr anchor="t" rtlCol="false"/>
           <a:lstStyle/>
           <a:p>
-            <a:pPr algn="l"/>
-            <a:r>
+            <a:pPr algn="l">
+              <a:defRPr/>
+            </a:pPr>
+            <a:r>
+              <a:rPr lang="de-DE"/>
               <a:t/>
             </a:r>
             <a:endParaRPr lang="en-US" sz="1100"/>
@@ -12828,7 +13350,7 @@
       </p:sp>
       <p:sp>
         <p:nvSpPr>
-          <p:cNvPr name="TextBox 24" id="25"/>
+          <p:cNvPr name="TextBox 25" id="25"/>
           <p:cNvSpPr txBox="true"/>
           <p:nvPr/>
         </p:nvSpPr>
@@ -12845,8 +13367,11 @@
           <a:bodyPr anchor="t" rtlCol="false"/>
           <a:lstStyle/>
           <a:p>
-            <a:pPr algn="l"/>
-            <a:r>
+            <a:pPr algn="l">
+              <a:defRPr/>
+            </a:pPr>
+            <a:r>
+              <a:rPr lang="de-DE"/>
               <a:t/>
             </a:r>
             <a:endParaRPr lang="en-US" sz="1100"/>
@@ -12865,7 +13390,7 @@
       </p:sp>
       <p:sp>
         <p:nvSpPr>
-          <p:cNvPr name="TextBox 25" id="26"/>
+          <p:cNvPr name="TextBox 26" id="26"/>
           <p:cNvSpPr txBox="true"/>
           <p:nvPr/>
         </p:nvSpPr>
@@ -12882,8 +13407,11 @@
           <a:bodyPr anchor="t" rtlCol="false"/>
           <a:lstStyle/>
           <a:p>
-            <a:pPr algn="l"/>
-            <a:r>
+            <a:pPr algn="l">
+              <a:defRPr/>
+            </a:pPr>
+            <a:r>
+              <a:rPr lang="de-DE"/>
               <a:t/>
             </a:r>
             <a:endParaRPr lang="en-US" sz="1100"/>
@@ -12927,7 +13455,7 @@
       </p:grpSpPr>
       <p:sp>
         <p:nvSpPr>
-          <p:cNvPr name="TextBox 1" id="2"/>
+          <p:cNvPr name="TextBox 2" id="2"/>
           <p:cNvSpPr txBox="true"/>
           <p:nvPr/>
         </p:nvSpPr>
@@ -12944,8 +13472,11 @@
           <a:bodyPr anchor="t" rtlCol="false"/>
           <a:lstStyle/>
           <a:p>
-            <a:pPr algn="l"/>
-            <a:r>
+            <a:pPr algn="l">
+              <a:defRPr/>
+            </a:pPr>
+            <a:r>
+              <a:rPr lang="de-DE"/>
               <a:t/>
             </a:r>
             <a:endParaRPr lang="en-US" sz="1100"/>
@@ -12964,7 +13495,7 @@
       </p:sp>
       <p:sp>
         <p:nvSpPr>
-          <p:cNvPr name="TextBox 2" id="3"/>
+          <p:cNvPr name="TextBox 3" id="3"/>
           <p:cNvSpPr txBox="true"/>
           <p:nvPr/>
         </p:nvSpPr>
@@ -12981,8 +13512,11 @@
           <a:bodyPr anchor="t" rtlCol="false"/>
           <a:lstStyle/>
           <a:p>
-            <a:pPr algn="l"/>
-            <a:r>
+            <a:pPr algn="l">
+              <a:defRPr/>
+            </a:pPr>
+            <a:r>
+              <a:rPr lang="de-DE"/>
               <a:t/>
             </a:r>
             <a:endParaRPr lang="en-US" sz="1100"/>
@@ -13002,7 +13536,7 @@
       </p:sp>
       <p:pic>
         <p:nvPicPr>
-          <p:cNvPr name="Picture 3" id="4"/>
+          <p:cNvPr name="Picture 4" id="4"/>
           <p:cNvPicPr>
             <a:picLocks noChangeAspect="true"/>
           </p:cNvPicPr>
@@ -13026,7 +13560,7 @@
       </p:pic>
       <p:sp>
         <p:nvSpPr>
-          <p:cNvPr name="TextBox 4" id="5"/>
+          <p:cNvPr name="TextBox 5" id="5"/>
           <p:cNvSpPr txBox="true"/>
           <p:nvPr/>
         </p:nvSpPr>
@@ -13043,8 +13577,11 @@
           <a:bodyPr anchor="t" rtlCol="false"/>
           <a:lstStyle/>
           <a:p>
-            <a:pPr algn="l"/>
-            <a:r>
+            <a:pPr algn="l">
+              <a:defRPr/>
+            </a:pPr>
+            <a:r>
+              <a:rPr lang="de-DE"/>
               <a:t/>
             </a:r>
             <a:endParaRPr lang="en-US" sz="1100"/>
@@ -13063,7 +13600,7 @@
       </p:sp>
       <p:sp>
         <p:nvSpPr>
-          <p:cNvPr name="TextBox 5" id="6"/>
+          <p:cNvPr name="TextBox 6" id="6"/>
           <p:cNvSpPr txBox="true"/>
           <p:nvPr/>
         </p:nvSpPr>
@@ -13080,8 +13617,11 @@
           <a:bodyPr anchor="t" rtlCol="false"/>
           <a:lstStyle/>
           <a:p>
-            <a:pPr algn="l"/>
-            <a:r>
+            <a:pPr algn="l">
+              <a:defRPr/>
+            </a:pPr>
+            <a:r>
+              <a:rPr lang="de-DE"/>
               <a:t/>
             </a:r>
             <a:endParaRPr lang="en-US" sz="1100"/>
@@ -13100,7 +13640,7 @@
       </p:sp>
       <p:sp>
         <p:nvSpPr>
-          <p:cNvPr name="TextBox 6" id="7"/>
+          <p:cNvPr name="TextBox 7" id="7"/>
           <p:cNvSpPr txBox="true"/>
           <p:nvPr/>
         </p:nvSpPr>
@@ -13117,8 +13657,11 @@
           <a:bodyPr anchor="t" rtlCol="false"/>
           <a:lstStyle/>
           <a:p>
-            <a:pPr algn="l"/>
-            <a:r>
+            <a:pPr algn="l">
+              <a:defRPr/>
+            </a:pPr>
+            <a:r>
+              <a:rPr lang="de-DE"/>
               <a:t/>
             </a:r>
             <a:endParaRPr lang="en-US" sz="1100"/>
@@ -13137,7 +13680,7 @@
       </p:sp>
       <p:sp>
         <p:nvSpPr>
-          <p:cNvPr name="TextBox 7" id="8"/>
+          <p:cNvPr name="TextBox 8" id="8"/>
           <p:cNvSpPr txBox="true"/>
           <p:nvPr/>
         </p:nvSpPr>
@@ -13154,8 +13697,11 @@
           <a:bodyPr anchor="t" rtlCol="false"/>
           <a:lstStyle/>
           <a:p>
-            <a:pPr algn="l"/>
-            <a:r>
+            <a:pPr algn="l">
+              <a:defRPr/>
+            </a:pPr>
+            <a:r>
+              <a:rPr lang="de-DE"/>
               <a:t/>
             </a:r>
             <a:endParaRPr lang="en-US" sz="1100"/>
@@ -13174,7 +13720,7 @@
       </p:sp>
       <p:sp>
         <p:nvSpPr>
-          <p:cNvPr name="TextBox 8" id="9"/>
+          <p:cNvPr name="TextBox 9" id="9"/>
           <p:cNvSpPr txBox="true"/>
           <p:nvPr/>
         </p:nvSpPr>
@@ -13191,8 +13737,11 @@
           <a:bodyPr anchor="t" rtlCol="false"/>
           <a:lstStyle/>
           <a:p>
-            <a:pPr algn="l"/>
-            <a:r>
+            <a:pPr algn="l">
+              <a:defRPr/>
+            </a:pPr>
+            <a:r>
+              <a:rPr lang="de-DE"/>
               <a:t/>
             </a:r>
             <a:endParaRPr lang="en-US" sz="1100"/>
@@ -13211,7 +13760,7 @@
       </p:sp>
       <p:sp>
         <p:nvSpPr>
-          <p:cNvPr name="TextBox 9" id="10"/>
+          <p:cNvPr name="TextBox 10" id="10"/>
           <p:cNvSpPr txBox="true"/>
           <p:nvPr/>
         </p:nvSpPr>
@@ -13228,8 +13777,11 @@
           <a:bodyPr anchor="t" rtlCol="false"/>
           <a:lstStyle/>
           <a:p>
-            <a:pPr algn="l"/>
-            <a:r>
+            <a:pPr algn="l">
+              <a:defRPr/>
+            </a:pPr>
+            <a:r>
+              <a:rPr lang="de-DE"/>
               <a:t/>
             </a:r>
             <a:endParaRPr lang="en-US" sz="1100"/>
@@ -13248,7 +13800,7 @@
       </p:sp>
       <p:sp>
         <p:nvSpPr>
-          <p:cNvPr name="TextBox 10" id="11"/>
+          <p:cNvPr name="TextBox 11" id="11"/>
           <p:cNvSpPr txBox="true"/>
           <p:nvPr/>
         </p:nvSpPr>
@@ -13265,8 +13817,11 @@
           <a:bodyPr anchor="t" rtlCol="false"/>
           <a:lstStyle/>
           <a:p>
-            <a:pPr algn="l"/>
-            <a:r>
+            <a:pPr algn="l">
+              <a:defRPr/>
+            </a:pPr>
+            <a:r>
+              <a:rPr lang="de-DE"/>
               <a:t/>
             </a:r>
             <a:endParaRPr lang="en-US" sz="1100"/>
@@ -13285,7 +13840,7 @@
       </p:sp>
       <p:sp>
         <p:nvSpPr>
-          <p:cNvPr name="TextBox 11" id="12"/>
+          <p:cNvPr name="TextBox 12" id="12"/>
           <p:cNvSpPr txBox="true"/>
           <p:nvPr/>
         </p:nvSpPr>
@@ -13302,8 +13857,11 @@
           <a:bodyPr anchor="t" rtlCol="false"/>
           <a:lstStyle/>
           <a:p>
-            <a:pPr algn="l"/>
-            <a:r>
+            <a:pPr algn="l">
+              <a:defRPr/>
+            </a:pPr>
+            <a:r>
+              <a:rPr lang="de-DE"/>
               <a:t/>
             </a:r>
             <a:endParaRPr lang="en-US" sz="1100"/>
@@ -13322,7 +13880,7 @@
       </p:sp>
       <p:sp>
         <p:nvSpPr>
-          <p:cNvPr name="TextBox 12" id="13"/>
+          <p:cNvPr name="TextBox 13" id="13"/>
           <p:cNvSpPr txBox="true"/>
           <p:nvPr/>
         </p:nvSpPr>
@@ -13339,8 +13897,11 @@
           <a:bodyPr anchor="t" rtlCol="false"/>
           <a:lstStyle/>
           <a:p>
-            <a:pPr algn="l"/>
-            <a:r>
+            <a:pPr algn="l">
+              <a:defRPr/>
+            </a:pPr>
+            <a:r>
+              <a:rPr lang="de-DE"/>
               <a:t/>
             </a:r>
             <a:endParaRPr lang="en-US" sz="1100"/>
@@ -13359,7 +13920,7 @@
       </p:sp>
       <p:sp>
         <p:nvSpPr>
-          <p:cNvPr name="TextBox 13" id="14"/>
+          <p:cNvPr name="TextBox 14" id="14"/>
           <p:cNvSpPr txBox="true"/>
           <p:nvPr/>
         </p:nvSpPr>
@@ -13376,8 +13937,11 @@
           <a:bodyPr anchor="t" rtlCol="false"/>
           <a:lstStyle/>
           <a:p>
-            <a:pPr algn="l"/>
-            <a:r>
+            <a:pPr algn="l">
+              <a:defRPr/>
+            </a:pPr>
+            <a:r>
+              <a:rPr lang="de-DE"/>
               <a:t/>
             </a:r>
             <a:endParaRPr lang="en-US" sz="1100"/>
@@ -13396,7 +13960,7 @@
       </p:sp>
       <p:sp>
         <p:nvSpPr>
-          <p:cNvPr name="TextBox 14" id="15"/>
+          <p:cNvPr name="TextBox 15" id="15"/>
           <p:cNvSpPr txBox="true"/>
           <p:nvPr/>
         </p:nvSpPr>
@@ -13413,8 +13977,11 @@
           <a:bodyPr anchor="t" rtlCol="false"/>
           <a:lstStyle/>
           <a:p>
-            <a:pPr algn="l"/>
-            <a:r>
+            <a:pPr algn="l">
+              <a:defRPr/>
+            </a:pPr>
+            <a:r>
+              <a:rPr lang="de-DE"/>
               <a:t/>
             </a:r>
             <a:endParaRPr lang="en-US" sz="1100"/>
@@ -13433,7 +14000,7 @@
       </p:sp>
       <p:sp>
         <p:nvSpPr>
-          <p:cNvPr name="TextBox 15" id="16"/>
+          <p:cNvPr name="TextBox 16" id="16"/>
           <p:cNvSpPr txBox="true"/>
           <p:nvPr/>
         </p:nvSpPr>
@@ -13450,8 +14017,11 @@
           <a:bodyPr anchor="t" rtlCol="false"/>
           <a:lstStyle/>
           <a:p>
-            <a:pPr algn="l"/>
-            <a:r>
+            <a:pPr algn="l">
+              <a:defRPr/>
+            </a:pPr>
+            <a:r>
+              <a:rPr lang="de-DE"/>
               <a:t/>
             </a:r>
             <a:endParaRPr lang="en-US" sz="1100"/>
@@ -13470,7 +14040,7 @@
       </p:sp>
       <p:sp>
         <p:nvSpPr>
-          <p:cNvPr name="TextBox 16" id="17"/>
+          <p:cNvPr name="TextBox 17" id="17"/>
           <p:cNvSpPr txBox="true"/>
           <p:nvPr/>
         </p:nvSpPr>
@@ -13487,8 +14057,11 @@
           <a:bodyPr anchor="t" rtlCol="false"/>
           <a:lstStyle/>
           <a:p>
-            <a:pPr algn="l"/>
-            <a:r>
+            <a:pPr algn="l">
+              <a:defRPr/>
+            </a:pPr>
+            <a:r>
+              <a:rPr lang="de-DE"/>
               <a:t/>
             </a:r>
             <a:endParaRPr lang="en-US" sz="1100"/>
@@ -13507,7 +14080,7 @@
       </p:sp>
       <p:sp>
         <p:nvSpPr>
-          <p:cNvPr name="TextBox 17" id="18"/>
+          <p:cNvPr name="TextBox 18" id="18"/>
           <p:cNvSpPr txBox="true"/>
           <p:nvPr/>
         </p:nvSpPr>
@@ -13524,8 +14097,11 @@
           <a:bodyPr anchor="t" rtlCol="false"/>
           <a:lstStyle/>
           <a:p>
-            <a:pPr algn="l"/>
-            <a:r>
+            <a:pPr algn="l">
+              <a:defRPr/>
+            </a:pPr>
+            <a:r>
+              <a:rPr lang="de-DE"/>
               <a:t/>
             </a:r>
             <a:endParaRPr lang="en-US" sz="1100"/>
@@ -13544,7 +14120,7 @@
       </p:sp>
       <p:sp>
         <p:nvSpPr>
-          <p:cNvPr name="TextBox 18" id="19"/>
+          <p:cNvPr name="TextBox 19" id="19"/>
           <p:cNvSpPr txBox="true"/>
           <p:nvPr/>
         </p:nvSpPr>
@@ -13561,8 +14137,11 @@
           <a:bodyPr anchor="t" rtlCol="false"/>
           <a:lstStyle/>
           <a:p>
-            <a:pPr algn="l"/>
-            <a:r>
+            <a:pPr algn="l">
+              <a:defRPr/>
+            </a:pPr>
+            <a:r>
+              <a:rPr lang="de-DE"/>
               <a:t/>
             </a:r>
             <a:endParaRPr lang="en-US" sz="1100"/>
@@ -13581,7 +14160,7 @@
       </p:sp>
       <p:sp>
         <p:nvSpPr>
-          <p:cNvPr name="TextBox 19" id="20"/>
+          <p:cNvPr name="TextBox 20" id="20"/>
           <p:cNvSpPr txBox="true"/>
           <p:nvPr/>
         </p:nvSpPr>
@@ -13598,8 +14177,11 @@
           <a:bodyPr anchor="t" rtlCol="false"/>
           <a:lstStyle/>
           <a:p>
-            <a:pPr algn="l"/>
-            <a:r>
+            <a:pPr algn="l">
+              <a:defRPr/>
+            </a:pPr>
+            <a:r>
+              <a:rPr lang="de-DE"/>
               <a:t/>
             </a:r>
             <a:endParaRPr lang="en-US" sz="1100"/>
@@ -13618,7 +14200,7 @@
       </p:sp>
       <p:sp>
         <p:nvSpPr>
-          <p:cNvPr name="TextBox 20" id="21"/>
+          <p:cNvPr name="TextBox 21" id="21"/>
           <p:cNvSpPr txBox="true"/>
           <p:nvPr/>
         </p:nvSpPr>
@@ -13635,8 +14217,11 @@
           <a:bodyPr anchor="t" rtlCol="false"/>
           <a:lstStyle/>
           <a:p>
-            <a:pPr algn="l"/>
-            <a:r>
+            <a:pPr algn="l">
+              <a:defRPr/>
+            </a:pPr>
+            <a:r>
+              <a:rPr lang="de-DE"/>
               <a:t/>
             </a:r>
             <a:endParaRPr lang="en-US" sz="1100"/>
@@ -13655,7 +14240,7 @@
       </p:sp>
       <p:sp>
         <p:nvSpPr>
-          <p:cNvPr name="TextBox 21" id="22"/>
+          <p:cNvPr name="TextBox 22" id="22"/>
           <p:cNvSpPr txBox="true"/>
           <p:nvPr/>
         </p:nvSpPr>
@@ -13672,8 +14257,11 @@
           <a:bodyPr anchor="t" rtlCol="false"/>
           <a:lstStyle/>
           <a:p>
-            <a:pPr algn="l"/>
-            <a:r>
+            <a:pPr algn="l">
+              <a:defRPr/>
+            </a:pPr>
+            <a:r>
+              <a:rPr lang="de-DE"/>
               <a:t/>
             </a:r>
             <a:endParaRPr lang="en-US" sz="1100"/>
@@ -13692,7 +14280,7 @@
       </p:sp>
       <p:sp>
         <p:nvSpPr>
-          <p:cNvPr name="TextBox 22" id="23"/>
+          <p:cNvPr name="TextBox 23" id="23"/>
           <p:cNvSpPr txBox="true"/>
           <p:nvPr/>
         </p:nvSpPr>
@@ -13709,8 +14297,11 @@
           <a:bodyPr anchor="t" rtlCol="false"/>
           <a:lstStyle/>
           <a:p>
-            <a:pPr algn="l"/>
-            <a:r>
+            <a:pPr algn="l">
+              <a:defRPr/>
+            </a:pPr>
+            <a:r>
+              <a:rPr lang="de-DE"/>
               <a:t/>
             </a:r>
             <a:endParaRPr lang="en-US" sz="1100"/>
@@ -13729,7 +14320,7 @@
       </p:sp>
       <p:sp>
         <p:nvSpPr>
-          <p:cNvPr name="TextBox 23" id="24"/>
+          <p:cNvPr name="TextBox 24" id="24"/>
           <p:cNvSpPr txBox="true"/>
           <p:nvPr/>
         </p:nvSpPr>
@@ -13746,8 +14337,11 @@
           <a:bodyPr anchor="t" rtlCol="false"/>
           <a:lstStyle/>
           <a:p>
-            <a:pPr algn="l"/>
-            <a:r>
+            <a:pPr algn="l">
+              <a:defRPr/>
+            </a:pPr>
+            <a:r>
+              <a:rPr lang="de-DE"/>
               <a:t/>
             </a:r>
             <a:endParaRPr lang="en-US" sz="1100"/>
@@ -13766,7 +14360,7 @@
       </p:sp>
       <p:sp>
         <p:nvSpPr>
-          <p:cNvPr name="TextBox 24" id="25"/>
+          <p:cNvPr name="TextBox 25" id="25"/>
           <p:cNvSpPr txBox="true"/>
           <p:nvPr/>
         </p:nvSpPr>
@@ -13783,8 +14377,11 @@
           <a:bodyPr anchor="t" rtlCol="false"/>
           <a:lstStyle/>
           <a:p>
-            <a:pPr algn="l"/>
-            <a:r>
+            <a:pPr algn="l">
+              <a:defRPr/>
+            </a:pPr>
+            <a:r>
+              <a:rPr lang="de-DE"/>
               <a:t/>
             </a:r>
             <a:endParaRPr lang="en-US" sz="1100"/>
@@ -13803,7 +14400,7 @@
       </p:sp>
       <p:sp>
         <p:nvSpPr>
-          <p:cNvPr name="TextBox 25" id="26"/>
+          <p:cNvPr name="TextBox 26" id="26"/>
           <p:cNvSpPr txBox="true"/>
           <p:nvPr/>
         </p:nvSpPr>
@@ -13820,8 +14417,11 @@
           <a:bodyPr anchor="t" rtlCol="false"/>
           <a:lstStyle/>
           <a:p>
-            <a:pPr algn="l"/>
-            <a:r>
+            <a:pPr algn="l">
+              <a:defRPr/>
+            </a:pPr>
+            <a:r>
+              <a:rPr lang="de-DE"/>
               <a:t/>
             </a:r>
             <a:endParaRPr lang="en-US" sz="1100"/>
@@ -13840,7 +14440,7 @@
       </p:sp>
       <p:sp>
         <p:nvSpPr>
-          <p:cNvPr name="TextBox 26" id="27"/>
+          <p:cNvPr name="TextBox 27" id="27"/>
           <p:cNvSpPr txBox="true"/>
           <p:nvPr/>
         </p:nvSpPr>
@@ -13857,8 +14457,11 @@
           <a:bodyPr anchor="t" rtlCol="false"/>
           <a:lstStyle/>
           <a:p>
-            <a:pPr algn="l"/>
-            <a:r>
+            <a:pPr algn="l">
+              <a:defRPr/>
+            </a:pPr>
+            <a:r>
+              <a:rPr lang="de-DE"/>
               <a:t/>
             </a:r>
             <a:endParaRPr lang="en-US" sz="1100"/>
@@ -13877,7 +14480,7 @@
       </p:sp>
       <p:sp>
         <p:nvSpPr>
-          <p:cNvPr name="TextBox 27" id="28"/>
+          <p:cNvPr name="TextBox 28" id="28"/>
           <p:cNvSpPr txBox="true"/>
           <p:nvPr/>
         </p:nvSpPr>
@@ -13894,8 +14497,11 @@
           <a:bodyPr anchor="t" rtlCol="false"/>
           <a:lstStyle/>
           <a:p>
-            <a:pPr algn="l"/>
-            <a:r>
+            <a:pPr algn="l">
+              <a:defRPr/>
+            </a:pPr>
+            <a:r>
+              <a:rPr lang="de-DE"/>
               <a:t/>
             </a:r>
             <a:endParaRPr lang="en-US" sz="1100"/>
@@ -13939,7 +14545,7 @@
       </p:grpSpPr>
       <p:sp>
         <p:nvSpPr>
-          <p:cNvPr name="TextBox 1" id="2"/>
+          <p:cNvPr name="TextBox 2" id="2"/>
           <p:cNvSpPr txBox="true"/>
           <p:nvPr/>
         </p:nvSpPr>
@@ -13956,8 +14562,11 @@
           <a:bodyPr anchor="t" rtlCol="false"/>
           <a:lstStyle/>
           <a:p>
-            <a:pPr algn="l"/>
-            <a:r>
+            <a:pPr algn="l">
+              <a:defRPr/>
+            </a:pPr>
+            <a:r>
+              <a:rPr lang="de-DE"/>
               <a:t/>
             </a:r>
             <a:endParaRPr lang="en-US" sz="1100"/>
@@ -13976,7 +14585,7 @@
       </p:sp>
       <p:sp>
         <p:nvSpPr>
-          <p:cNvPr name="TextBox 2" id="3"/>
+          <p:cNvPr name="TextBox 3" id="3"/>
           <p:cNvSpPr txBox="true"/>
           <p:nvPr/>
         </p:nvSpPr>
@@ -13993,8 +14602,11 @@
           <a:bodyPr anchor="t" rtlCol="false"/>
           <a:lstStyle/>
           <a:p>
-            <a:pPr algn="l"/>
-            <a:r>
+            <a:pPr algn="l">
+              <a:defRPr/>
+            </a:pPr>
+            <a:r>
+              <a:rPr lang="de-DE"/>
               <a:t/>
             </a:r>
             <a:endParaRPr lang="en-US" sz="1100"/>
@@ -14014,7 +14626,7 @@
       </p:sp>
       <p:sp>
         <p:nvSpPr>
-          <p:cNvPr name="TextBox 3" id="4"/>
+          <p:cNvPr name="TextBox 4" id="4"/>
           <p:cNvSpPr txBox="true"/>
           <p:nvPr/>
         </p:nvSpPr>
@@ -14031,8 +14643,11 @@
           <a:bodyPr anchor="t" rtlCol="false"/>
           <a:lstStyle/>
           <a:p>
-            <a:pPr algn="l"/>
-            <a:r>
+            <a:pPr algn="l">
+              <a:defRPr/>
+            </a:pPr>
+            <a:r>
+              <a:rPr lang="de-DE"/>
               <a:t/>
             </a:r>
             <a:endParaRPr lang="en-US" sz="1100"/>
@@ -14051,7 +14666,7 @@
       </p:sp>
       <p:sp>
         <p:nvSpPr>
-          <p:cNvPr name="TextBox 4" id="5"/>
+          <p:cNvPr name="TextBox 5" id="5"/>
           <p:cNvSpPr txBox="true"/>
           <p:nvPr/>
         </p:nvSpPr>
@@ -14068,8 +14683,11 @@
           <a:bodyPr anchor="t" rtlCol="false"/>
           <a:lstStyle/>
           <a:p>
-            <a:pPr algn="l"/>
-            <a:r>
+            <a:pPr algn="l">
+              <a:defRPr/>
+            </a:pPr>
+            <a:r>
+              <a:rPr lang="de-DE"/>
               <a:t/>
             </a:r>
             <a:endParaRPr lang="en-US" sz="1100"/>
@@ -14088,7 +14706,7 @@
       </p:sp>
       <p:sp>
         <p:nvSpPr>
-          <p:cNvPr name="TextBox 5" id="6"/>
+          <p:cNvPr name="TextBox 6" id="6"/>
           <p:cNvSpPr txBox="true"/>
           <p:nvPr/>
         </p:nvSpPr>
@@ -14105,8 +14723,11 @@
           <a:bodyPr anchor="t" rtlCol="false"/>
           <a:lstStyle/>
           <a:p>
-            <a:pPr algn="l"/>
-            <a:r>
+            <a:pPr algn="l">
+              <a:defRPr/>
+            </a:pPr>
+            <a:r>
+              <a:rPr lang="de-DE"/>
               <a:t/>
             </a:r>
             <a:endParaRPr lang="en-US" sz="1100"/>
@@ -14125,7 +14746,7 @@
       </p:sp>
       <p:sp>
         <p:nvSpPr>
-          <p:cNvPr name="TextBox 6" id="7"/>
+          <p:cNvPr name="TextBox 7" id="7"/>
           <p:cNvSpPr txBox="true"/>
           <p:nvPr/>
         </p:nvSpPr>
@@ -14142,8 +14763,11 @@
           <a:bodyPr anchor="t" rtlCol="false"/>
           <a:lstStyle/>
           <a:p>
-            <a:pPr algn="l"/>
-            <a:r>
+            <a:pPr algn="l">
+              <a:defRPr/>
+            </a:pPr>
+            <a:r>
+              <a:rPr lang="de-DE"/>
               <a:t/>
             </a:r>
             <a:endParaRPr lang="en-US" sz="1100"/>
@@ -14162,7 +14786,7 @@
       </p:sp>
       <p:sp>
         <p:nvSpPr>
-          <p:cNvPr name="TextBox 7" id="8"/>
+          <p:cNvPr name="TextBox 8" id="8"/>
           <p:cNvSpPr txBox="true"/>
           <p:nvPr/>
         </p:nvSpPr>
@@ -14179,8 +14803,11 @@
           <a:bodyPr anchor="t" rtlCol="false"/>
           <a:lstStyle/>
           <a:p>
-            <a:pPr algn="l"/>
-            <a:r>
+            <a:pPr algn="l">
+              <a:defRPr/>
+            </a:pPr>
+            <a:r>
+              <a:rPr lang="de-DE"/>
               <a:t/>
             </a:r>
             <a:endParaRPr lang="en-US" sz="1100"/>
@@ -14199,7 +14826,7 @@
       </p:sp>
       <p:sp>
         <p:nvSpPr>
-          <p:cNvPr name="TextBox 8" id="9"/>
+          <p:cNvPr name="TextBox 9" id="9"/>
           <p:cNvSpPr txBox="true"/>
           <p:nvPr/>
         </p:nvSpPr>
@@ -14216,8 +14843,11 @@
           <a:bodyPr anchor="t" rtlCol="false"/>
           <a:lstStyle/>
           <a:p>
-            <a:pPr algn="l"/>
-            <a:r>
+            <a:pPr algn="l">
+              <a:defRPr/>
+            </a:pPr>
+            <a:r>
+              <a:rPr lang="de-DE"/>
               <a:t/>
             </a:r>
             <a:endParaRPr lang="en-US" sz="1100"/>
@@ -14236,7 +14866,7 @@
       </p:sp>
       <p:sp>
         <p:nvSpPr>
-          <p:cNvPr name="TextBox 9" id="10"/>
+          <p:cNvPr name="TextBox 10" id="10"/>
           <p:cNvSpPr txBox="true"/>
           <p:nvPr/>
         </p:nvSpPr>
@@ -14253,8 +14883,11 @@
           <a:bodyPr anchor="t" rtlCol="false"/>
           <a:lstStyle/>
           <a:p>
-            <a:pPr algn="l"/>
-            <a:r>
+            <a:pPr algn="l">
+              <a:defRPr/>
+            </a:pPr>
+            <a:r>
+              <a:rPr lang="de-DE"/>
               <a:t/>
             </a:r>
             <a:endParaRPr lang="en-US" sz="1100"/>
@@ -14273,7 +14906,7 @@
       </p:sp>
       <p:sp>
         <p:nvSpPr>
-          <p:cNvPr name="TextBox 10" id="11"/>
+          <p:cNvPr name="TextBox 11" id="11"/>
           <p:cNvSpPr txBox="true"/>
           <p:nvPr/>
         </p:nvSpPr>
@@ -14290,8 +14923,11 @@
           <a:bodyPr anchor="t" rtlCol="false"/>
           <a:lstStyle/>
           <a:p>
-            <a:pPr algn="l"/>
-            <a:r>
+            <a:pPr algn="l">
+              <a:defRPr/>
+            </a:pPr>
+            <a:r>
+              <a:rPr lang="de-DE"/>
               <a:t/>
             </a:r>
             <a:endParaRPr lang="en-US" sz="1100"/>
@@ -14310,7 +14946,7 @@
       </p:sp>
       <p:sp>
         <p:nvSpPr>
-          <p:cNvPr name="TextBox 11" id="12"/>
+          <p:cNvPr name="TextBox 12" id="12"/>
           <p:cNvSpPr txBox="true"/>
           <p:nvPr/>
         </p:nvSpPr>
@@ -14327,8 +14963,11 @@
           <a:bodyPr anchor="t" rtlCol="false"/>
           <a:lstStyle/>
           <a:p>
-            <a:pPr algn="l"/>
-            <a:r>
+            <a:pPr algn="l">
+              <a:defRPr/>
+            </a:pPr>
+            <a:r>
+              <a:rPr lang="de-DE"/>
               <a:t/>
             </a:r>
             <a:endParaRPr lang="en-US" sz="1100"/>
@@ -14347,7 +14986,7 @@
       </p:sp>
       <p:sp>
         <p:nvSpPr>
-          <p:cNvPr name="TextBox 12" id="13"/>
+          <p:cNvPr name="TextBox 13" id="13"/>
           <p:cNvSpPr txBox="true"/>
           <p:nvPr/>
         </p:nvSpPr>
@@ -14364,8 +15003,11 @@
           <a:bodyPr anchor="t" rtlCol="false"/>
           <a:lstStyle/>
           <a:p>
-            <a:pPr algn="l"/>
-            <a:r>
+            <a:pPr algn="l">
+              <a:defRPr/>
+            </a:pPr>
+            <a:r>
+              <a:rPr lang="de-DE"/>
               <a:t/>
             </a:r>
             <a:endParaRPr lang="en-US" sz="1100"/>
@@ -14384,7 +15026,7 @@
       </p:sp>
       <p:sp>
         <p:nvSpPr>
-          <p:cNvPr name="TextBox 13" id="14"/>
+          <p:cNvPr name="TextBox 14" id="14"/>
           <p:cNvSpPr txBox="true"/>
           <p:nvPr/>
         </p:nvSpPr>
@@ -14401,8 +15043,11 @@
           <a:bodyPr anchor="t" rtlCol="false"/>
           <a:lstStyle/>
           <a:p>
-            <a:pPr algn="l"/>
-            <a:r>
+            <a:pPr algn="l">
+              <a:defRPr/>
+            </a:pPr>
+            <a:r>
+              <a:rPr lang="de-DE"/>
               <a:t/>
             </a:r>
             <a:endParaRPr lang="en-US" sz="1100"/>
@@ -14421,7 +15066,7 @@
       </p:sp>
       <p:sp>
         <p:nvSpPr>
-          <p:cNvPr name="TextBox 14" id="15"/>
+          <p:cNvPr name="TextBox 15" id="15"/>
           <p:cNvSpPr txBox="true"/>
           <p:nvPr/>
         </p:nvSpPr>
@@ -14438,8 +15083,11 @@
           <a:bodyPr anchor="t" rtlCol="false"/>
           <a:lstStyle/>
           <a:p>
-            <a:pPr algn="l"/>
-            <a:r>
+            <a:pPr algn="l">
+              <a:defRPr/>
+            </a:pPr>
+            <a:r>
+              <a:rPr lang="de-DE"/>
               <a:t/>
             </a:r>
             <a:endParaRPr lang="en-US" sz="1100"/>
@@ -14458,7 +15106,7 @@
       </p:sp>
       <p:sp>
         <p:nvSpPr>
-          <p:cNvPr name="TextBox 15" id="16"/>
+          <p:cNvPr name="TextBox 16" id="16"/>
           <p:cNvSpPr txBox="true"/>
           <p:nvPr/>
         </p:nvSpPr>
@@ -14475,8 +15123,11 @@
           <a:bodyPr anchor="t" rtlCol="false"/>
           <a:lstStyle/>
           <a:p>
-            <a:pPr algn="l"/>
-            <a:r>
+            <a:pPr algn="l">
+              <a:defRPr/>
+            </a:pPr>
+            <a:r>
+              <a:rPr lang="de-DE"/>
               <a:t/>
             </a:r>
             <a:endParaRPr lang="en-US" sz="1100"/>
@@ -14495,7 +15146,7 @@
       </p:sp>
       <p:sp>
         <p:nvSpPr>
-          <p:cNvPr name="TextBox 16" id="17"/>
+          <p:cNvPr name="TextBox 17" id="17"/>
           <p:cNvSpPr txBox="true"/>
           <p:nvPr/>
         </p:nvSpPr>
@@ -14512,8 +15163,11 @@
           <a:bodyPr anchor="t" rtlCol="false"/>
           <a:lstStyle/>
           <a:p>
-            <a:pPr algn="l"/>
-            <a:r>
+            <a:pPr algn="l">
+              <a:defRPr/>
+            </a:pPr>
+            <a:r>
+              <a:rPr lang="de-DE"/>
               <a:t/>
             </a:r>
             <a:endParaRPr lang="en-US" sz="1100"/>
@@ -14532,7 +15186,7 @@
       </p:sp>
       <p:sp>
         <p:nvSpPr>
-          <p:cNvPr name="TextBox 17" id="18"/>
+          <p:cNvPr name="TextBox 18" id="18"/>
           <p:cNvSpPr txBox="true"/>
           <p:nvPr/>
         </p:nvSpPr>
@@ -14549,8 +15203,11 @@
           <a:bodyPr anchor="t" rtlCol="false"/>
           <a:lstStyle/>
           <a:p>
-            <a:pPr algn="l"/>
-            <a:r>
+            <a:pPr algn="l">
+              <a:defRPr/>
+            </a:pPr>
+            <a:r>
+              <a:rPr lang="de-DE"/>
               <a:t/>
             </a:r>
             <a:endParaRPr lang="en-US" sz="1100"/>
@@ -14569,7 +15226,7 @@
       </p:sp>
       <p:sp>
         <p:nvSpPr>
-          <p:cNvPr name="TextBox 18" id="19"/>
+          <p:cNvPr name="TextBox 19" id="19"/>
           <p:cNvSpPr txBox="true"/>
           <p:nvPr/>
         </p:nvSpPr>
@@ -14586,8 +15243,11 @@
           <a:bodyPr anchor="t" rtlCol="false"/>
           <a:lstStyle/>
           <a:p>
-            <a:pPr algn="l"/>
-            <a:r>
+            <a:pPr algn="l">
+              <a:defRPr/>
+            </a:pPr>
+            <a:r>
+              <a:rPr lang="de-DE"/>
               <a:t/>
             </a:r>
             <a:endParaRPr lang="en-US" sz="1100"/>
@@ -14606,7 +15266,7 @@
       </p:sp>
       <p:sp>
         <p:nvSpPr>
-          <p:cNvPr name="TextBox 19" id="20"/>
+          <p:cNvPr name="TextBox 20" id="20"/>
           <p:cNvSpPr txBox="true"/>
           <p:nvPr/>
         </p:nvSpPr>
@@ -14623,8 +15283,11 @@
           <a:bodyPr anchor="t" rtlCol="false"/>
           <a:lstStyle/>
           <a:p>
-            <a:pPr algn="l"/>
-            <a:r>
+            <a:pPr algn="l">
+              <a:defRPr/>
+            </a:pPr>
+            <a:r>
+              <a:rPr lang="de-DE"/>
               <a:t/>
             </a:r>
             <a:endParaRPr lang="en-US" sz="1100"/>
@@ -14643,7 +15306,7 @@
       </p:sp>
       <p:sp>
         <p:nvSpPr>
-          <p:cNvPr name="TextBox 20" id="21"/>
+          <p:cNvPr name="TextBox 21" id="21"/>
           <p:cNvSpPr txBox="true"/>
           <p:nvPr/>
         </p:nvSpPr>
@@ -14660,8 +15323,11 @@
           <a:bodyPr anchor="t" rtlCol="false"/>
           <a:lstStyle/>
           <a:p>
-            <a:pPr algn="l"/>
-            <a:r>
+            <a:pPr algn="l">
+              <a:defRPr/>
+            </a:pPr>
+            <a:r>
+              <a:rPr lang="de-DE"/>
               <a:t/>
             </a:r>
             <a:endParaRPr lang="en-US" sz="1100"/>
@@ -14680,7 +15346,7 @@
       </p:sp>
       <p:sp>
         <p:nvSpPr>
-          <p:cNvPr name="TextBox 21" id="22"/>
+          <p:cNvPr name="TextBox 22" id="22"/>
           <p:cNvSpPr txBox="true"/>
           <p:nvPr/>
         </p:nvSpPr>
@@ -14697,8 +15363,11 @@
           <a:bodyPr anchor="t" rtlCol="false"/>
           <a:lstStyle/>
           <a:p>
-            <a:pPr algn="l"/>
-            <a:r>
+            <a:pPr algn="l">
+              <a:defRPr/>
+            </a:pPr>
+            <a:r>
+              <a:rPr lang="de-DE"/>
               <a:t/>
             </a:r>
             <a:endParaRPr lang="en-US" sz="1100"/>
@@ -14717,7 +15386,7 @@
       </p:sp>
       <p:sp>
         <p:nvSpPr>
-          <p:cNvPr name="TextBox 22" id="23"/>
+          <p:cNvPr name="TextBox 23" id="23"/>
           <p:cNvSpPr txBox="true"/>
           <p:nvPr/>
         </p:nvSpPr>
@@ -14734,8 +15403,11 @@
           <a:bodyPr anchor="t" rtlCol="false"/>
           <a:lstStyle/>
           <a:p>
-            <a:pPr algn="l"/>
-            <a:r>
+            <a:pPr algn="l">
+              <a:defRPr/>
+            </a:pPr>
+            <a:r>
+              <a:rPr lang="de-DE"/>
               <a:t/>
             </a:r>
             <a:endParaRPr lang="en-US" sz="1100"/>
@@ -14754,7 +15426,7 @@
       </p:sp>
       <p:sp>
         <p:nvSpPr>
-          <p:cNvPr name="TextBox 23" id="24"/>
+          <p:cNvPr name="TextBox 24" id="24"/>
           <p:cNvSpPr txBox="true"/>
           <p:nvPr/>
         </p:nvSpPr>
@@ -14771,8 +15443,11 @@
           <a:bodyPr anchor="t" rtlCol="false"/>
           <a:lstStyle/>
           <a:p>
-            <a:pPr algn="l"/>
-            <a:r>
+            <a:pPr algn="l">
+              <a:defRPr/>
+            </a:pPr>
+            <a:r>
+              <a:rPr lang="de-DE"/>
               <a:t/>
             </a:r>
             <a:endParaRPr lang="en-US" sz="1100"/>
@@ -14791,7 +15466,7 @@
       </p:sp>
       <p:sp>
         <p:nvSpPr>
-          <p:cNvPr name="TextBox 24" id="25"/>
+          <p:cNvPr name="TextBox 25" id="25"/>
           <p:cNvSpPr txBox="true"/>
           <p:nvPr/>
         </p:nvSpPr>
@@ -14808,8 +15483,11 @@
           <a:bodyPr anchor="t" rtlCol="false"/>
           <a:lstStyle/>
           <a:p>
-            <a:pPr algn="l"/>
-            <a:r>
+            <a:pPr algn="l">
+              <a:defRPr/>
+            </a:pPr>
+            <a:r>
+              <a:rPr lang="de-DE"/>
               <a:t/>
             </a:r>
             <a:endParaRPr lang="en-US" sz="1100"/>
@@ -14853,7 +15531,7 @@
       </p:grpSpPr>
       <p:sp>
         <p:nvSpPr>
-          <p:cNvPr name="TextBox 1" id="2"/>
+          <p:cNvPr name="TextBox 2" id="2"/>
           <p:cNvSpPr txBox="true"/>
           <p:nvPr/>
         </p:nvSpPr>
@@ -14870,8 +15548,11 @@
           <a:bodyPr anchor="t" rtlCol="false"/>
           <a:lstStyle/>
           <a:p>
-            <a:pPr algn="l"/>
-            <a:r>
+            <a:pPr algn="l">
+              <a:defRPr/>
+            </a:pPr>
+            <a:r>
+              <a:rPr lang="de-DE"/>
               <a:t/>
             </a:r>
             <a:endParaRPr lang="en-US" sz="1100"/>
@@ -14890,7 +15571,7 @@
       </p:sp>
       <p:sp>
         <p:nvSpPr>
-          <p:cNvPr name="TextBox 2" id="3"/>
+          <p:cNvPr name="TextBox 3" id="3"/>
           <p:cNvSpPr txBox="true"/>
           <p:nvPr/>
         </p:nvSpPr>
@@ -14907,8 +15588,11 @@
           <a:bodyPr anchor="t" rtlCol="false"/>
           <a:lstStyle/>
           <a:p>
-            <a:pPr algn="l"/>
-            <a:r>
+            <a:pPr algn="l">
+              <a:defRPr/>
+            </a:pPr>
+            <a:r>
+              <a:rPr lang="de-DE"/>
               <a:t/>
             </a:r>
             <a:endParaRPr lang="en-US" sz="1100"/>
@@ -14928,7 +15612,7 @@
       </p:sp>
       <p:pic>
         <p:nvPicPr>
-          <p:cNvPr name="Picture 3" id="4"/>
+          <p:cNvPr name="Picture 4" id="4"/>
           <p:cNvPicPr>
             <a:picLocks noChangeAspect="true"/>
           </p:cNvPicPr>
@@ -14943,7 +15627,7 @@
         <p:spPr>
           <a:xfrm>
             <a:off x="254000" y="254000"/>
-            <a:ext cx="2540000" cy="3441700"/>
+            <a:ext cx="2540000" cy="3543300"/>
           </a:xfrm>
           <a:prstGeom prst="rect">
             <a:avLst/>
@@ -14952,7 +15636,7 @@
       </p:pic>
       <p:sp>
         <p:nvSpPr>
-          <p:cNvPr name="TextBox 4" id="5"/>
+          <p:cNvPr name="TextBox 5" id="5"/>
           <p:cNvSpPr txBox="true"/>
           <p:nvPr/>
         </p:nvSpPr>
@@ -14969,8 +15653,11 @@
           <a:bodyPr anchor="t" rtlCol="false"/>
           <a:lstStyle/>
           <a:p>
-            <a:pPr algn="l"/>
-            <a:r>
+            <a:pPr algn="l">
+              <a:defRPr/>
+            </a:pPr>
+            <a:r>
+              <a:rPr lang="de-DE"/>
               <a:t/>
             </a:r>
             <a:endParaRPr lang="en-US" sz="1100"/>
@@ -14989,7 +15676,7 @@
       </p:sp>
       <p:sp>
         <p:nvSpPr>
-          <p:cNvPr name="TextBox 5" id="6"/>
+          <p:cNvPr name="TextBox 6" id="6"/>
           <p:cNvSpPr txBox="true"/>
           <p:nvPr/>
         </p:nvSpPr>
@@ -15006,8 +15693,11 @@
           <a:bodyPr anchor="t" rtlCol="false"/>
           <a:lstStyle/>
           <a:p>
-            <a:pPr algn="l"/>
-            <a:r>
+            <a:pPr algn="l">
+              <a:defRPr/>
+            </a:pPr>
+            <a:r>
+              <a:rPr lang="de-DE"/>
               <a:t/>
             </a:r>
             <a:endParaRPr lang="en-US" sz="1100"/>
@@ -15026,7 +15716,7 @@
       </p:sp>
       <p:sp>
         <p:nvSpPr>
-          <p:cNvPr name="TextBox 6" id="7"/>
+          <p:cNvPr name="TextBox 7" id="7"/>
           <p:cNvSpPr txBox="true"/>
           <p:nvPr/>
         </p:nvSpPr>
@@ -15043,8 +15733,11 @@
           <a:bodyPr anchor="t" rtlCol="false"/>
           <a:lstStyle/>
           <a:p>
-            <a:pPr algn="l"/>
-            <a:r>
+            <a:pPr algn="l">
+              <a:defRPr/>
+            </a:pPr>
+            <a:r>
+              <a:rPr lang="de-DE"/>
               <a:t/>
             </a:r>
             <a:endParaRPr lang="en-US" sz="1100"/>
@@ -15063,7 +15756,7 @@
       </p:sp>
       <p:sp>
         <p:nvSpPr>
-          <p:cNvPr name="TextBox 7" id="8"/>
+          <p:cNvPr name="TextBox 8" id="8"/>
           <p:cNvSpPr txBox="true"/>
           <p:nvPr/>
         </p:nvSpPr>
@@ -15080,27 +15773,30 @@
           <a:bodyPr anchor="t" rtlCol="false"/>
           <a:lstStyle/>
           <a:p>
-            <a:pPr algn="l"/>
-            <a:r>
-              <a:t/>
-            </a:r>
-            <a:endParaRPr lang="en-US" sz="1100"/>
-          </a:p>
-          <a:p>
-            <a:r>
-              <a:rPr lang="en-US" sz="1200">
+            <a:pPr algn="l">
+              <a:defRPr/>
+            </a:pPr>
+            <a:r>
+              <a:rPr lang="de-DE"/>
+              <a:t/>
+            </a:r>
+            <a:endParaRPr lang="en-US" sz="1100"/>
+          </a:p>
+          <a:p>
+            <a:r>
+              <a:rPr lang="en-US" sz="1600">
                 <a:solidFill>
                   <a:srgbClr val="0000FF"/>
                 </a:solidFill>
               </a:rPr>
-              <a:t>Prince Leopold, Duke of Albany - Project Gutenberg eText 13103.jpg</a:t>
-            </a:r>
-          </a:p>
-        </p:txBody>
-      </p:sp>
-      <p:sp>
-        <p:nvSpPr>
-          <p:cNvPr name="TextBox 8" id="9"/>
+              <a:t>Prince Leopold, Duke of Albany.png</a:t>
+            </a:r>
+          </a:p>
+        </p:txBody>
+      </p:sp>
+      <p:sp>
+        <p:nvSpPr>
+          <p:cNvPr name="TextBox 9" id="9"/>
           <p:cNvSpPr txBox="true"/>
           <p:nvPr/>
         </p:nvSpPr>
@@ -15117,8 +15813,11 @@
           <a:bodyPr anchor="t" rtlCol="false"/>
           <a:lstStyle/>
           <a:p>
-            <a:pPr algn="l"/>
-            <a:r>
+            <a:pPr algn="l">
+              <a:defRPr/>
+            </a:pPr>
+            <a:r>
+              <a:rPr lang="de-DE"/>
               <a:t/>
             </a:r>
             <a:endParaRPr lang="en-US" sz="1100"/>
@@ -15137,7 +15836,7 @@
       </p:sp>
       <p:sp>
         <p:nvSpPr>
-          <p:cNvPr name="TextBox 9" id="10"/>
+          <p:cNvPr name="TextBox 10" id="10"/>
           <p:cNvSpPr txBox="true"/>
           <p:nvPr/>
         </p:nvSpPr>
@@ -15154,8 +15853,11 @@
           <a:bodyPr anchor="t" rtlCol="false"/>
           <a:lstStyle/>
           <a:p>
-            <a:pPr algn="l"/>
-            <a:r>
+            <a:pPr algn="l">
+              <a:defRPr/>
+            </a:pPr>
+            <a:r>
+              <a:rPr lang="de-DE"/>
               <a:t/>
             </a:r>
             <a:endParaRPr lang="en-US" sz="1100"/>
@@ -15174,7 +15876,7 @@
       </p:sp>
       <p:sp>
         <p:nvSpPr>
-          <p:cNvPr name="TextBox 10" id="11"/>
+          <p:cNvPr name="TextBox 11" id="11"/>
           <p:cNvSpPr txBox="true"/>
           <p:nvPr/>
         </p:nvSpPr>
@@ -15191,8 +15893,11 @@
           <a:bodyPr anchor="t" rtlCol="false"/>
           <a:lstStyle/>
           <a:p>
-            <a:pPr algn="l"/>
-            <a:r>
+            <a:pPr algn="l">
+              <a:defRPr/>
+            </a:pPr>
+            <a:r>
+              <a:rPr lang="de-DE"/>
               <a:t/>
             </a:r>
             <a:endParaRPr lang="en-US" sz="1100"/>
@@ -15211,7 +15916,7 @@
       </p:sp>
       <p:sp>
         <p:nvSpPr>
-          <p:cNvPr name="TextBox 11" id="12"/>
+          <p:cNvPr name="TextBox 12" id="12"/>
           <p:cNvSpPr txBox="true"/>
           <p:nvPr/>
         </p:nvSpPr>
@@ -15228,8 +15933,11 @@
           <a:bodyPr anchor="t" rtlCol="false"/>
           <a:lstStyle/>
           <a:p>
-            <a:pPr algn="l"/>
-            <a:r>
+            <a:pPr algn="l">
+              <a:defRPr/>
+            </a:pPr>
+            <a:r>
+              <a:rPr lang="de-DE"/>
               <a:t/>
             </a:r>
             <a:endParaRPr lang="en-US" sz="1100"/>
@@ -15248,7 +15956,7 @@
       </p:sp>
       <p:sp>
         <p:nvSpPr>
-          <p:cNvPr name="TextBox 12" id="13"/>
+          <p:cNvPr name="TextBox 13" id="13"/>
           <p:cNvSpPr txBox="true"/>
           <p:nvPr/>
         </p:nvSpPr>
@@ -15265,8 +15973,11 @@
           <a:bodyPr anchor="t" rtlCol="false"/>
           <a:lstStyle/>
           <a:p>
-            <a:pPr algn="l"/>
-            <a:r>
+            <a:pPr algn="l">
+              <a:defRPr/>
+            </a:pPr>
+            <a:r>
+              <a:rPr lang="de-DE"/>
               <a:t/>
             </a:r>
             <a:endParaRPr lang="en-US" sz="1100"/>
@@ -15285,7 +15996,7 @@
       </p:sp>
       <p:sp>
         <p:nvSpPr>
-          <p:cNvPr name="TextBox 13" id="14"/>
+          <p:cNvPr name="TextBox 14" id="14"/>
           <p:cNvSpPr txBox="true"/>
           <p:nvPr/>
         </p:nvSpPr>
@@ -15302,8 +16013,11 @@
           <a:bodyPr anchor="t" rtlCol="false"/>
           <a:lstStyle/>
           <a:p>
-            <a:pPr algn="l"/>
-            <a:r>
+            <a:pPr algn="l">
+              <a:defRPr/>
+            </a:pPr>
+            <a:r>
+              <a:rPr lang="de-DE"/>
               <a:t/>
             </a:r>
             <a:endParaRPr lang="en-US" sz="1100"/>
@@ -15322,7 +16036,7 @@
       </p:sp>
       <p:sp>
         <p:nvSpPr>
-          <p:cNvPr name="TextBox 14" id="15"/>
+          <p:cNvPr name="TextBox 15" id="15"/>
           <p:cNvSpPr txBox="true"/>
           <p:nvPr/>
         </p:nvSpPr>
@@ -15339,8 +16053,11 @@
           <a:bodyPr anchor="t" rtlCol="false"/>
           <a:lstStyle/>
           <a:p>
-            <a:pPr algn="l"/>
-            <a:r>
+            <a:pPr algn="l">
+              <a:defRPr/>
+            </a:pPr>
+            <a:r>
+              <a:rPr lang="de-DE"/>
               <a:t/>
             </a:r>
             <a:endParaRPr lang="en-US" sz="1100"/>
@@ -15359,7 +16076,7 @@
       </p:sp>
       <p:sp>
         <p:nvSpPr>
-          <p:cNvPr name="TextBox 15" id="16"/>
+          <p:cNvPr name="TextBox 16" id="16"/>
           <p:cNvSpPr txBox="true"/>
           <p:nvPr/>
         </p:nvSpPr>
@@ -15376,8 +16093,11 @@
           <a:bodyPr anchor="t" rtlCol="false"/>
           <a:lstStyle/>
           <a:p>
-            <a:pPr algn="l"/>
-            <a:r>
+            <a:pPr algn="l">
+              <a:defRPr/>
+            </a:pPr>
+            <a:r>
+              <a:rPr lang="de-DE"/>
               <a:t/>
             </a:r>
             <a:endParaRPr lang="en-US" sz="1100"/>
@@ -15396,7 +16116,7 @@
       </p:sp>
       <p:sp>
         <p:nvSpPr>
-          <p:cNvPr name="TextBox 16" id="17"/>
+          <p:cNvPr name="TextBox 17" id="17"/>
           <p:cNvSpPr txBox="true"/>
           <p:nvPr/>
         </p:nvSpPr>
@@ -15413,8 +16133,11 @@
           <a:bodyPr anchor="t" rtlCol="false"/>
           <a:lstStyle/>
           <a:p>
-            <a:pPr algn="l"/>
-            <a:r>
+            <a:pPr algn="l">
+              <a:defRPr/>
+            </a:pPr>
+            <a:r>
+              <a:rPr lang="de-DE"/>
               <a:t/>
             </a:r>
             <a:endParaRPr lang="en-US" sz="1100"/>
@@ -15433,7 +16156,7 @@
       </p:sp>
       <p:sp>
         <p:nvSpPr>
-          <p:cNvPr name="TextBox 17" id="18"/>
+          <p:cNvPr name="TextBox 18" id="18"/>
           <p:cNvSpPr txBox="true"/>
           <p:nvPr/>
         </p:nvSpPr>
@@ -15450,8 +16173,11 @@
           <a:bodyPr anchor="t" rtlCol="false"/>
           <a:lstStyle/>
           <a:p>
-            <a:pPr algn="l"/>
-            <a:r>
+            <a:pPr algn="l">
+              <a:defRPr/>
+            </a:pPr>
+            <a:r>
+              <a:rPr lang="de-DE"/>
               <a:t/>
             </a:r>
             <a:endParaRPr lang="en-US" sz="1100"/>
@@ -15470,7 +16196,7 @@
       </p:sp>
       <p:sp>
         <p:nvSpPr>
-          <p:cNvPr name="TextBox 18" id="19"/>
+          <p:cNvPr name="TextBox 19" id="19"/>
           <p:cNvSpPr txBox="true"/>
           <p:nvPr/>
         </p:nvSpPr>
@@ -15487,8 +16213,11 @@
           <a:bodyPr anchor="t" rtlCol="false"/>
           <a:lstStyle/>
           <a:p>
-            <a:pPr algn="l"/>
-            <a:r>
+            <a:pPr algn="l">
+              <a:defRPr/>
+            </a:pPr>
+            <a:r>
+              <a:rPr lang="de-DE"/>
               <a:t/>
             </a:r>
             <a:endParaRPr lang="en-US" sz="1100"/>
@@ -15507,7 +16236,7 @@
       </p:sp>
       <p:sp>
         <p:nvSpPr>
-          <p:cNvPr name="TextBox 19" id="20"/>
+          <p:cNvPr name="TextBox 20" id="20"/>
           <p:cNvSpPr txBox="true"/>
           <p:nvPr/>
         </p:nvSpPr>
@@ -15524,8 +16253,11 @@
           <a:bodyPr anchor="t" rtlCol="false"/>
           <a:lstStyle/>
           <a:p>
-            <a:pPr algn="l"/>
-            <a:r>
+            <a:pPr algn="l">
+              <a:defRPr/>
+            </a:pPr>
+            <a:r>
+              <a:rPr lang="de-DE"/>
               <a:t/>
             </a:r>
             <a:endParaRPr lang="en-US" sz="1100"/>
@@ -15544,7 +16276,7 @@
       </p:sp>
       <p:sp>
         <p:nvSpPr>
-          <p:cNvPr name="TextBox 20" id="21"/>
+          <p:cNvPr name="TextBox 21" id="21"/>
           <p:cNvSpPr txBox="true"/>
           <p:nvPr/>
         </p:nvSpPr>
@@ -15561,8 +16293,11 @@
           <a:bodyPr anchor="t" rtlCol="false"/>
           <a:lstStyle/>
           <a:p>
-            <a:pPr algn="l"/>
-            <a:r>
+            <a:pPr algn="l">
+              <a:defRPr/>
+            </a:pPr>
+            <a:r>
+              <a:rPr lang="de-DE"/>
               <a:t/>
             </a:r>
             <a:endParaRPr lang="en-US" sz="1100"/>
@@ -15581,7 +16316,7 @@
       </p:sp>
       <p:sp>
         <p:nvSpPr>
-          <p:cNvPr name="TextBox 21" id="22"/>
+          <p:cNvPr name="TextBox 22" id="22"/>
           <p:cNvSpPr txBox="true"/>
           <p:nvPr/>
         </p:nvSpPr>
@@ -15598,8 +16333,11 @@
           <a:bodyPr anchor="t" rtlCol="false"/>
           <a:lstStyle/>
           <a:p>
-            <a:pPr algn="l"/>
-            <a:r>
+            <a:pPr algn="l">
+              <a:defRPr/>
+            </a:pPr>
+            <a:r>
+              <a:rPr lang="de-DE"/>
               <a:t/>
             </a:r>
             <a:endParaRPr lang="en-US" sz="1100"/>
@@ -15618,7 +16356,7 @@
       </p:sp>
       <p:sp>
         <p:nvSpPr>
-          <p:cNvPr name="TextBox 22" id="23"/>
+          <p:cNvPr name="TextBox 23" id="23"/>
           <p:cNvSpPr txBox="true"/>
           <p:nvPr/>
         </p:nvSpPr>
@@ -15635,8 +16373,11 @@
           <a:bodyPr anchor="t" rtlCol="false"/>
           <a:lstStyle/>
           <a:p>
-            <a:pPr algn="l"/>
-            <a:r>
+            <a:pPr algn="l">
+              <a:defRPr/>
+            </a:pPr>
+            <a:r>
+              <a:rPr lang="de-DE"/>
               <a:t/>
             </a:r>
             <a:endParaRPr lang="en-US" sz="1100"/>
@@ -15655,7 +16396,7 @@
       </p:sp>
       <p:sp>
         <p:nvSpPr>
-          <p:cNvPr name="TextBox 23" id="24"/>
+          <p:cNvPr name="TextBox 24" id="24"/>
           <p:cNvSpPr txBox="true"/>
           <p:nvPr/>
         </p:nvSpPr>
@@ -15672,8 +16413,11 @@
           <a:bodyPr anchor="t" rtlCol="false"/>
           <a:lstStyle/>
           <a:p>
-            <a:pPr algn="l"/>
-            <a:r>
+            <a:pPr algn="l">
+              <a:defRPr/>
+            </a:pPr>
+            <a:r>
+              <a:rPr lang="de-DE"/>
               <a:t/>
             </a:r>
             <a:endParaRPr lang="en-US" sz="1100"/>
@@ -15692,7 +16436,7 @@
       </p:sp>
       <p:sp>
         <p:nvSpPr>
-          <p:cNvPr name="TextBox 24" id="25"/>
+          <p:cNvPr name="TextBox 25" id="25"/>
           <p:cNvSpPr txBox="true"/>
           <p:nvPr/>
         </p:nvSpPr>
@@ -15709,8 +16453,11 @@
           <a:bodyPr anchor="t" rtlCol="false"/>
           <a:lstStyle/>
           <a:p>
-            <a:pPr algn="l"/>
-            <a:r>
+            <a:pPr algn="l">
+              <a:defRPr/>
+            </a:pPr>
+            <a:r>
+              <a:rPr lang="de-DE"/>
               <a:t/>
             </a:r>
             <a:endParaRPr lang="en-US" sz="1100"/>
@@ -15729,7 +16476,7 @@
       </p:sp>
       <p:sp>
         <p:nvSpPr>
-          <p:cNvPr name="TextBox 25" id="26"/>
+          <p:cNvPr name="TextBox 26" id="26"/>
           <p:cNvSpPr txBox="true"/>
           <p:nvPr/>
         </p:nvSpPr>
@@ -15746,8 +16493,11 @@
           <a:bodyPr anchor="t" rtlCol="false"/>
           <a:lstStyle/>
           <a:p>
-            <a:pPr algn="l"/>
-            <a:r>
+            <a:pPr algn="l">
+              <a:defRPr/>
+            </a:pPr>
+            <a:r>
+              <a:rPr lang="de-DE"/>
               <a:t/>
             </a:r>
             <a:endParaRPr lang="en-US" sz="1100"/>
@@ -15766,7 +16516,7 @@
       </p:sp>
       <p:sp>
         <p:nvSpPr>
-          <p:cNvPr name="TextBox 26" id="27"/>
+          <p:cNvPr name="TextBox 27" id="27"/>
           <p:cNvSpPr txBox="true"/>
           <p:nvPr/>
         </p:nvSpPr>
@@ -15783,8 +16533,11 @@
           <a:bodyPr anchor="t" rtlCol="false"/>
           <a:lstStyle/>
           <a:p>
-            <a:pPr algn="l"/>
-            <a:r>
+            <a:pPr algn="l">
+              <a:defRPr/>
+            </a:pPr>
+            <a:r>
+              <a:rPr lang="de-DE"/>
               <a:t/>
             </a:r>
             <a:endParaRPr lang="en-US" sz="1100"/>
@@ -15803,7 +16556,7 @@
       </p:sp>
       <p:sp>
         <p:nvSpPr>
-          <p:cNvPr name="TextBox 27" id="28"/>
+          <p:cNvPr name="TextBox 28" id="28"/>
           <p:cNvSpPr txBox="true"/>
           <p:nvPr/>
         </p:nvSpPr>
@@ -15820,8 +16573,11 @@
           <a:bodyPr anchor="t" rtlCol="false"/>
           <a:lstStyle/>
           <a:p>
-            <a:pPr algn="l"/>
-            <a:r>
+            <a:pPr algn="l">
+              <a:defRPr/>
+            </a:pPr>
+            <a:r>
+              <a:rPr lang="de-DE"/>
               <a:t/>
             </a:r>
             <a:endParaRPr lang="en-US" sz="1100"/>
@@ -15851,10 +16607,10 @@
   <a:themeElements>
     <a:clrScheme name="Office">
       <a:dk1>
-        <a:sysClr lastClr="000000" val="windowText"/>
+        <a:sysClr val="windowText" lastClr="000000"/>
       </a:dk1>
       <a:lt1>
-        <a:sysClr lastClr="FFFFFF" val="window"/>
+        <a:sysClr val="window" lastClr="FFFFFF"/>
       </a:lt1>
       <a:dk2>
         <a:srgbClr val="1F497D"/>
@@ -16010,7 +16766,7 @@
         </a:gradFill>
       </a:fillStyleLst>
       <a:lnStyleLst>
-        <a:ln algn="ctr" cap="flat" cmpd="sng" w="9525">
+        <a:ln w="9525" cap="flat" cmpd="sng" algn="ctr">
           <a:solidFill>
             <a:schemeClr val="phClr">
               <a:shade val="95000"/>
@@ -16019,13 +16775,13 @@
           </a:solidFill>
           <a:prstDash val="solid"/>
         </a:ln>
-        <a:ln algn="ctr" cap="flat" cmpd="sng" w="25400">
+        <a:ln w="25400" cap="flat" cmpd="sng" algn="ctr">
           <a:solidFill>
             <a:schemeClr val="phClr"/>
           </a:solidFill>
           <a:prstDash val="solid"/>
         </a:ln>
-        <a:ln algn="ctr" cap="flat" cmpd="sng" w="38100">
+        <a:ln w="38100" cap="flat" cmpd="sng" algn="ctr">
           <a:solidFill>
             <a:schemeClr val="phClr"/>
           </a:solidFill>
@@ -16035,7 +16791,7 @@
       <a:effectStyleLst>
         <a:effectStyle>
           <a:effectLst>
-            <a:outerShdw blurRad="40000" dir="5400000" dist="20000" rotWithShape="0">
+            <a:outerShdw blurRad="40000" dist="20000" dir="5400000" rotWithShape="0">
               <a:srgbClr val="000000">
                 <a:alpha val="38000"/>
               </a:srgbClr>
@@ -16044,7 +16800,7 @@
         </a:effectStyle>
         <a:effectStyle>
           <a:effectLst>
-            <a:outerShdw blurRad="40000" dir="5400000" dist="23000" rotWithShape="0">
+            <a:outerShdw blurRad="40000" dist="23000" dir="5400000" rotWithShape="0">
               <a:srgbClr val="000000">
                 <a:alpha val="35000"/>
               </a:srgbClr>
@@ -16053,7 +16809,7 @@
         </a:effectStyle>
         <a:effectStyle>
           <a:effectLst>
-            <a:outerShdw blurRad="40000" dir="5400000" dist="23000" rotWithShape="0">
+            <a:outerShdw blurRad="40000" dist="23000" dir="5400000" rotWithShape="0">
               <a:srgbClr val="000000">
                 <a:alpha val="35000"/>
               </a:srgbClr>
@@ -16063,12 +16819,12 @@
             <a:camera prst="orthographicFront">
               <a:rot lat="0" lon="0" rev="0"/>
             </a:camera>
-            <a:lightRig dir="t" rig="threePt">
+            <a:lightRig rig="threePt" dir="t">
               <a:rot lat="0" lon="0" rev="1200000"/>
             </a:lightRig>
           </a:scene3d>
           <a:sp3d>
-            <a:bevelT h="25400" w="63500"/>
+            <a:bevelT w="63500" h="25400"/>
           </a:sp3d>
         </a:effectStyle>
       </a:effectStyleLst>
@@ -16099,7 +16855,7 @@
             </a:gs>
           </a:gsLst>
           <a:path path="circle">
-            <a:fillToRect b="180000" l="50000" r="50000" t="-80000"/>
+            <a:fillToRect l="50000" t="-80000" r="50000" b="180000"/>
           </a:path>
         </a:gradFill>
         <a:gradFill rotWithShape="1">
@@ -16118,7 +16874,7 @@
             </a:gs>
           </a:gsLst>
           <a:path path="circle">
-            <a:fillToRect b="50000" l="50000" r="50000" t="50000"/>
+            <a:fillToRect l="50000" t="50000" r="50000" b="50000"/>
           </a:path>
         </a:gradFill>
       </a:bgFillStyleLst>
@@ -16134,10 +16890,10 @@
   <a:themeElements>
     <a:clrScheme name="Office">
       <a:dk1>
-        <a:sysClr lastClr="000000" val="windowText"/>
+        <a:sysClr val="windowText" lastClr="000000"/>
       </a:dk1>
       <a:lt1>
-        <a:sysClr lastClr="FFFFFF" val="window"/>
+        <a:sysClr val="window" lastClr="FFFFFF"/>
       </a:lt1>
       <a:dk2>
         <a:srgbClr val="1F497D"/>
@@ -16293,7 +17049,7 @@
         </a:gradFill>
       </a:fillStyleLst>
       <a:lnStyleLst>
-        <a:ln algn="ctr" cap="flat" cmpd="sng" w="9525">
+        <a:ln w="9525" cap="flat" cmpd="sng" algn="ctr">
           <a:solidFill>
             <a:schemeClr val="phClr">
               <a:shade val="95000"/>
@@ -16302,13 +17058,13 @@
           </a:solidFill>
           <a:prstDash val="solid"/>
         </a:ln>
-        <a:ln algn="ctr" cap="flat" cmpd="sng" w="25400">
+        <a:ln w="25400" cap="flat" cmpd="sng" algn="ctr">
           <a:solidFill>
             <a:schemeClr val="phClr"/>
           </a:solidFill>
           <a:prstDash val="solid"/>
         </a:ln>
-        <a:ln algn="ctr" cap="flat" cmpd="sng" w="38100">
+        <a:ln w="38100" cap="flat" cmpd="sng" algn="ctr">
           <a:solidFill>
             <a:schemeClr val="phClr"/>
           </a:solidFill>
@@ -16318,7 +17074,7 @@
       <a:effectStyleLst>
         <a:effectStyle>
           <a:effectLst>
-            <a:outerShdw blurRad="40000" dir="5400000" dist="20000" rotWithShape="0">
+            <a:outerShdw blurRad="40000" dist="20000" dir="5400000" rotWithShape="0">
               <a:srgbClr val="000000">
                 <a:alpha val="38000"/>
               </a:srgbClr>
@@ -16327,7 +17083,7 @@
         </a:effectStyle>
         <a:effectStyle>
           <a:effectLst>
-            <a:outerShdw blurRad="40000" dir="5400000" dist="23000" rotWithShape="0">
+            <a:outerShdw blurRad="40000" dist="23000" dir="5400000" rotWithShape="0">
               <a:srgbClr val="000000">
                 <a:alpha val="35000"/>
               </a:srgbClr>
@@ -16336,7 +17092,7 @@
         </a:effectStyle>
         <a:effectStyle>
           <a:effectLst>
-            <a:outerShdw blurRad="40000" dir="5400000" dist="23000" rotWithShape="0">
+            <a:outerShdw blurRad="40000" dist="23000" dir="5400000" rotWithShape="0">
               <a:srgbClr val="000000">
                 <a:alpha val="35000"/>
               </a:srgbClr>
@@ -16346,12 +17102,12 @@
             <a:camera prst="orthographicFront">
               <a:rot lat="0" lon="0" rev="0"/>
             </a:camera>
-            <a:lightRig dir="t" rig="threePt">
+            <a:lightRig rig="threePt" dir="t">
               <a:rot lat="0" lon="0" rev="1200000"/>
             </a:lightRig>
           </a:scene3d>
           <a:sp3d>
-            <a:bevelT h="25400" w="63500"/>
+            <a:bevelT w="63500" h="25400"/>
           </a:sp3d>
         </a:effectStyle>
       </a:effectStyleLst>
@@ -16382,7 +17138,7 @@
             </a:gs>
           </a:gsLst>
           <a:path path="circle">
-            <a:fillToRect b="180000" l="50000" r="50000" t="-80000"/>
+            <a:fillToRect l="50000" t="-80000" r="50000" b="180000"/>
           </a:path>
         </a:gradFill>
         <a:gradFill rotWithShape="1">
@@ -16401,7 +17157,7 @@
             </a:gs>
           </a:gsLst>
           <a:path path="circle">
-            <a:fillToRect b="50000" l="50000" r="50000" t="50000"/>
+            <a:fillToRect l="50000" t="50000" r="50000" b="50000"/>
           </a:path>
         </a:gradFill>
       </a:bgFillStyleLst>

--- a/simplegraph-powerpoint/QueenVictoria.pptx
+++ b/simplegraph-powerpoint/QueenVictoria.pptx
@@ -1974,7 +1974,7 @@
             <a:pPr lvl="0"/>
             <a:r>
               <a:rPr lang="en-US"/>
-              <a:t>date of birth (P569) = [1844-08-06 (Prec.: day [-0 .. +0], PCal: Gregorian), 1844-08-08 (Prec.: day [-0 .. +0], PCal: Gregorian)]</a:t>
+              <a:t>date of birth (P569) = 1844-09-06</a:t>
             </a:r>
           </a:p>
           <a:p>
@@ -11973,7 +11973,7 @@
                   <a:srgbClr val="000000"/>
                 </a:solidFill>
               </a:rPr>
-              <a:t>place of birth:</a:t>
+              <a:t>date of birth:</a:t>
             </a:r>
           </a:p>
         </p:txBody>
@@ -12013,7 +12013,7 @@
                   <a:srgbClr val="0000FF"/>
                 </a:solidFill>
               </a:rPr>
-              <a:t>Windsor Castle (Q42646)</a:t>
+              <a:t>1844-09-06</a:t>
             </a:r>
           </a:p>
         </p:txBody>
@@ -12053,7 +12053,7 @@
                   <a:srgbClr val="000000"/>
                 </a:solidFill>
               </a:rPr>
-              <a:t>date of death:</a:t>
+              <a:t>place of birth:</a:t>
             </a:r>
           </a:p>
         </p:txBody>
@@ -12093,7 +12093,7 @@
                   <a:srgbClr val="0000FF"/>
                 </a:solidFill>
               </a:rPr>
-              <a:t>1900-08-30</a:t>
+              <a:t>Windsor Castle (Q42646)</a:t>
             </a:r>
           </a:p>
         </p:txBody>
@@ -12133,7 +12133,7 @@
                   <a:srgbClr val="000000"/>
                 </a:solidFill>
               </a:rPr>
-              <a:t>place of death:</a:t>
+              <a:t>date of death:</a:t>
             </a:r>
           </a:p>
         </p:txBody>
@@ -12173,7 +12173,7 @@
                   <a:srgbClr val="0000FF"/>
                 </a:solidFill>
               </a:rPr>
-              <a:t>Schloss Rosenau (Q449510)</a:t>
+              <a:t>1900-08-30</a:t>
             </a:r>
           </a:p>
         </p:txBody>
@@ -12213,7 +12213,7 @@
                   <a:srgbClr val="000000"/>
                 </a:solidFill>
               </a:rPr>
-              <a:t>wiki_en:</a:t>
+              <a:t>place of death:</a:t>
             </a:r>
           </a:p>
         </p:txBody>
@@ -12253,7 +12253,7 @@
                   <a:srgbClr val="0000FF"/>
                 </a:solidFill>
               </a:rPr>
-              <a:t>Alfred, Duke of Saxe-Coburg and Gotha</a:t>
+              <a:t>Schloss Rosenau (Q449510)</a:t>
             </a:r>
           </a:p>
         </p:txBody>
@@ -12293,7 +12293,7 @@
                   <a:srgbClr val="000000"/>
                 </a:solidFill>
               </a:rPr>
-              <a:t>label_en:</a:t>
+              <a:t>wiki_en:</a:t>
             </a:r>
           </a:p>
         </p:txBody>
@@ -12333,7 +12333,7 @@
                   <a:srgbClr val="0000FF"/>
                 </a:solidFill>
               </a:rPr>
-              <a:t>Alfred</a:t>
+              <a:t>Alfred, Duke of Saxe-Coburg and Gotha</a:t>
             </a:r>
           </a:p>
         </p:txBody>
@@ -12373,6 +12373,86 @@
                   <a:srgbClr val="000000"/>
                 </a:solidFill>
               </a:rPr>
+              <a:t>label_en:</a:t>
+            </a:r>
+          </a:p>
+        </p:txBody>
+      </p:sp>
+      <p:sp>
+        <p:nvSpPr>
+          <p:cNvPr name="TextBox 26" id="26"/>
+          <p:cNvSpPr txBox="true"/>
+          <p:nvPr/>
+        </p:nvSpPr>
+        <p:spPr>
+          <a:xfrm>
+            <a:off x="4445000" y="3606800"/>
+            <a:ext cx="4445000" cy="304800"/>
+          </a:xfrm>
+          <a:prstGeom prst="rect">
+            <a:avLst/>
+          </a:prstGeom>
+        </p:spPr>
+        <p:txBody>
+          <a:bodyPr anchor="t" rtlCol="false"/>
+          <a:lstStyle/>
+          <a:p>
+            <a:pPr algn="l">
+              <a:defRPr/>
+            </a:pPr>
+            <a:r>
+              <a:rPr lang="de-DE"/>
+              <a:t/>
+            </a:r>
+            <a:endParaRPr lang="en-US" sz="1100"/>
+          </a:p>
+          <a:p>
+            <a:r>
+              <a:rPr lang="en-US" sz="1600">
+                <a:solidFill>
+                  <a:srgbClr val="0000FF"/>
+                </a:solidFill>
+              </a:rPr>
+              <a:t>Alfred</a:t>
+            </a:r>
+          </a:p>
+        </p:txBody>
+      </p:sp>
+      <p:sp>
+        <p:nvSpPr>
+          <p:cNvPr name="TextBox 27" id="27"/>
+          <p:cNvSpPr txBox="true"/>
+          <p:nvPr/>
+        </p:nvSpPr>
+        <p:spPr>
+          <a:xfrm>
+            <a:off x="2984500" y="3911600"/>
+            <a:ext cx="1460500" cy="304800"/>
+          </a:xfrm>
+          <a:prstGeom prst="rect">
+            <a:avLst/>
+          </a:prstGeom>
+        </p:spPr>
+        <p:txBody>
+          <a:bodyPr anchor="t" rtlCol="false"/>
+          <a:lstStyle/>
+          <a:p>
+            <a:pPr algn="l">
+              <a:defRPr/>
+            </a:pPr>
+            <a:r>
+              <a:rPr lang="de-DE"/>
+              <a:t/>
+            </a:r>
+            <a:endParaRPr lang="en-US" sz="1100"/>
+          </a:p>
+          <a:p>
+            <a:r>
+              <a:rPr lang="en-US" sz="1600">
+                <a:solidFill>
+                  <a:srgbClr val="000000"/>
+                </a:solidFill>
+              </a:rPr>
               <a:t>source:</a:t>
             </a:r>
           </a:p>
@@ -12380,13 +12460,13 @@
       </p:sp>
       <p:sp>
         <p:nvSpPr>
-          <p:cNvPr name="TextBox 26" id="26"/>
-          <p:cNvSpPr txBox="true"/>
-          <p:nvPr/>
-        </p:nvSpPr>
-        <p:spPr>
-          <a:xfrm>
-            <a:off x="4445000" y="3606800"/>
+          <p:cNvPr name="TextBox 28" id="28"/>
+          <p:cNvSpPr txBox="true"/>
+          <p:nvPr/>
+        </p:nvSpPr>
+        <p:spPr>
+          <a:xfrm>
+            <a:off x="4445000" y="3911600"/>
             <a:ext cx="4445000" cy="304800"/>
           </a:xfrm>
           <a:prstGeom prst="rect">
